--- a/Team 2 Presentation.pptx
+++ b/Team 2 Presentation.pptx
@@ -5,10 +5,10 @@
     <p:sldMasterId id="2147483648" r:id="rId1"/>
   </p:sldMasterIdLst>
   <p:notesMasterIdLst>
-    <p:notesMasterId r:id="rId24"/>
+    <p:notesMasterId r:id="rId19"/>
   </p:notesMasterIdLst>
   <p:handoutMasterIdLst>
-    <p:handoutMasterId r:id="rId25"/>
+    <p:handoutMasterId r:id="rId20"/>
   </p:handoutMasterIdLst>
   <p:sldIdLst>
     <p:sldId id="256" r:id="rId2"/>
@@ -17,22 +17,17 @@
     <p:sldId id="272" r:id="rId5"/>
     <p:sldId id="273" r:id="rId6"/>
     <p:sldId id="280" r:id="rId7"/>
-    <p:sldId id="258" r:id="rId8"/>
-    <p:sldId id="259" r:id="rId9"/>
-    <p:sldId id="260" r:id="rId10"/>
-    <p:sldId id="261" r:id="rId11"/>
-    <p:sldId id="274" r:id="rId12"/>
-    <p:sldId id="276" r:id="rId13"/>
-    <p:sldId id="268" r:id="rId14"/>
-    <p:sldId id="277" r:id="rId15"/>
+    <p:sldId id="261" r:id="rId8"/>
+    <p:sldId id="284" r:id="rId9"/>
+    <p:sldId id="268" r:id="rId10"/>
+    <p:sldId id="277" r:id="rId11"/>
+    <p:sldId id="281" r:id="rId12"/>
+    <p:sldId id="283" r:id="rId13"/>
+    <p:sldId id="267" r:id="rId14"/>
+    <p:sldId id="274" r:id="rId15"/>
     <p:sldId id="278" r:id="rId16"/>
-    <p:sldId id="267" r:id="rId17"/>
-    <p:sldId id="279" r:id="rId18"/>
-    <p:sldId id="275" r:id="rId19"/>
-    <p:sldId id="270" r:id="rId20"/>
-    <p:sldId id="271" r:id="rId21"/>
-    <p:sldId id="265" r:id="rId22"/>
-    <p:sldId id="266" r:id="rId23"/>
+    <p:sldId id="282" r:id="rId17"/>
+    <p:sldId id="270" r:id="rId18"/>
   </p:sldIdLst>
   <p:sldSz cx="12192000" cy="6858000"/>
   <p:notesSz cx="6858000" cy="9144000"/>
@@ -145,3919 +140,937 @@
 <file path=ppt/revisionInfo.xml><?xml version="1.0" encoding="utf-8"?>
 <p1510:revInfo xmlns:a="http://schemas.openxmlformats.org/drawingml/2006/main" xmlns:r="http://schemas.openxmlformats.org/officeDocument/2006/relationships" xmlns:p1510="http://schemas.microsoft.com/office/powerpoint/2015/10/main">
   <p1510:revLst>
-    <p1510:client id="{0054019E-1DE1-4FB8-A028-D0DE1E4F96FF}" v="6" dt="2022-02-15T03:35:33.552"/>
+    <p1510:client id="{0054019E-1DE1-4FB8-A028-D0DE1E4F96FF}" v="8" dt="2022-02-17T00:13:24.126"/>
   </p1510:revLst>
 </p1510:revInfo>
 </file>
 
-<file path=ppt/charts/chart1.xml><?xml version="1.0" encoding="utf-8"?>
-<c:chartSpace xmlns:c="http://schemas.openxmlformats.org/drawingml/2006/chart" xmlns:a="http://schemas.openxmlformats.org/drawingml/2006/main" xmlns:r="http://schemas.openxmlformats.org/officeDocument/2006/relationships" xmlns:c16r2="http://schemas.microsoft.com/office/drawing/2015/06/chart">
-  <c:date1904 val="0"/>
-  <c:lang val="en-US"/>
-  <c:roundedCorners val="0"/>
-  <mc:AlternateContent xmlns:mc="http://schemas.openxmlformats.org/markup-compatibility/2006">
-    <mc:Choice xmlns:c14="http://schemas.microsoft.com/office/drawing/2007/8/2/chart" Requires="c14">
-      <c14:style val="103"/>
-    </mc:Choice>
-    <mc:Fallback>
-      <c:style val="3"/>
-    </mc:Fallback>
-  </mc:AlternateContent>
-  <c:chart>
-    <c:autoTitleDeleted val="1"/>
-    <c:plotArea>
-      <c:layout/>
-      <c:barChart>
-        <c:barDir val="col"/>
-        <c:grouping val="clustered"/>
-        <c:varyColors val="0"/>
-        <c:ser>
-          <c:idx val="0"/>
-          <c:order val="0"/>
-          <c:tx>
-            <c:strRef>
-              <c:f>Sheet1!$B$1</c:f>
-              <c:strCache>
-                <c:ptCount val="1"/>
-                <c:pt idx="0">
-                  <c:v>Series 1</c:v>
-                </c:pt>
-              </c:strCache>
-            </c:strRef>
-          </c:tx>
-          <c:spPr>
-            <a:solidFill>
-              <a:schemeClr val="accent1">
-                <a:shade val="65000"/>
-              </a:schemeClr>
-            </a:solidFill>
-            <a:ln>
-              <a:noFill/>
-            </a:ln>
-            <a:effectLst/>
-          </c:spPr>
-          <c:invertIfNegative val="0"/>
-          <c:dLbls>
-            <c:spPr>
-              <a:noFill/>
-              <a:ln>
-                <a:noFill/>
-              </a:ln>
-              <a:effectLst/>
-            </c:spPr>
-            <c:txPr>
-              <a:bodyPr rot="0" spcFirstLastPara="1" vertOverflow="ellipsis" vert="horz" wrap="square" lIns="38100" tIns="19050" rIns="38100" bIns="19050" anchor="ctr" anchorCtr="1">
-                <a:spAutoFit/>
-              </a:bodyPr>
-              <a:lstStyle/>
-              <a:p>
-                <a:pPr>
-                  <a:defRPr sz="1197" b="0" i="0" u="none" strike="noStrike" kern="1200" baseline="0">
-                    <a:solidFill>
-                      <a:schemeClr val="tx1">
-                        <a:lumMod val="75000"/>
-                        <a:lumOff val="25000"/>
-                      </a:schemeClr>
-                    </a:solidFill>
-                    <a:latin typeface="+mn-lt"/>
-                    <a:ea typeface="+mn-ea"/>
-                    <a:cs typeface="+mn-cs"/>
-                  </a:defRPr>
-                </a:pPr>
-                <a:endParaRPr lang="en-US"/>
-              </a:p>
-            </c:txPr>
-            <c:showLegendKey val="0"/>
-            <c:showVal val="1"/>
-            <c:showCatName val="0"/>
-            <c:showSerName val="0"/>
-            <c:showPercent val="0"/>
-            <c:showBubbleSize val="0"/>
-            <c:showLeaderLines val="0"/>
-            <c:extLst>
-              <c:ext xmlns:c15="http://schemas.microsoft.com/office/drawing/2012/chart" uri="{CE6537A1-D6FC-4f65-9D91-7224C49458BB}">
-                <c15:showLeaderLines val="1"/>
-                <c15:leaderLines>
-                  <c:spPr>
-                    <a:ln w="9525" cap="flat" cmpd="sng" algn="ctr">
-                      <a:solidFill>
-                        <a:schemeClr val="tx1">
-                          <a:lumMod val="35000"/>
-                          <a:lumOff val="65000"/>
-                        </a:schemeClr>
-                      </a:solidFill>
-                      <a:round/>
-                    </a:ln>
-                    <a:effectLst/>
-                  </c:spPr>
-                </c15:leaderLines>
-              </c:ext>
-            </c:extLst>
-          </c:dLbls>
-          <c:cat>
-            <c:strRef>
-              <c:f>Sheet1!$A$2:$A$5</c:f>
-              <c:strCache>
-                <c:ptCount val="4"/>
-                <c:pt idx="0">
-                  <c:v>Category 1</c:v>
-                </c:pt>
-                <c:pt idx="1">
-                  <c:v>Category 2</c:v>
-                </c:pt>
-                <c:pt idx="2">
-                  <c:v>Category 3</c:v>
-                </c:pt>
-                <c:pt idx="3">
-                  <c:v>Category 4</c:v>
-                </c:pt>
-              </c:strCache>
-            </c:strRef>
-          </c:cat>
-          <c:val>
-            <c:numRef>
-              <c:f>Sheet1!$B$2:$B$5</c:f>
-              <c:numCache>
-                <c:formatCode>General</c:formatCode>
-                <c:ptCount val="4"/>
-                <c:pt idx="0">
-                  <c:v>4.3</c:v>
-                </c:pt>
-                <c:pt idx="1">
-                  <c:v>2.5</c:v>
-                </c:pt>
-                <c:pt idx="2">
-                  <c:v>3.5</c:v>
-                </c:pt>
-                <c:pt idx="3">
-                  <c:v>4.5</c:v>
-                </c:pt>
-              </c:numCache>
-            </c:numRef>
-          </c:val>
-          <c:extLst>
-            <c:ext xmlns:c16="http://schemas.microsoft.com/office/drawing/2014/chart" uri="{C3380CC4-5D6E-409C-BE32-E72D297353CC}">
-              <c16:uniqueId val="{00000000-9B8B-4F8D-B9E5-577AD71E0C6A}"/>
-            </c:ext>
-          </c:extLst>
-        </c:ser>
-        <c:ser>
-          <c:idx val="1"/>
-          <c:order val="1"/>
-          <c:tx>
-            <c:strRef>
-              <c:f>Sheet1!$C$1</c:f>
-              <c:strCache>
-                <c:ptCount val="1"/>
-                <c:pt idx="0">
-                  <c:v>Series 2</c:v>
-                </c:pt>
-              </c:strCache>
-            </c:strRef>
-          </c:tx>
-          <c:spPr>
-            <a:solidFill>
-              <a:schemeClr val="accent1"/>
-            </a:solidFill>
-            <a:ln>
-              <a:noFill/>
-            </a:ln>
-            <a:effectLst/>
-          </c:spPr>
-          <c:invertIfNegative val="0"/>
-          <c:dLbls>
-            <c:spPr>
-              <a:noFill/>
-              <a:ln>
-                <a:noFill/>
-              </a:ln>
-              <a:effectLst/>
-            </c:spPr>
-            <c:txPr>
-              <a:bodyPr rot="0" spcFirstLastPara="1" vertOverflow="ellipsis" vert="horz" wrap="square" lIns="38100" tIns="19050" rIns="38100" bIns="19050" anchor="ctr" anchorCtr="1">
-                <a:spAutoFit/>
-              </a:bodyPr>
-              <a:lstStyle/>
-              <a:p>
-                <a:pPr>
-                  <a:defRPr sz="1197" b="0" i="0" u="none" strike="noStrike" kern="1200" baseline="0">
-                    <a:solidFill>
-                      <a:schemeClr val="tx1">
-                        <a:lumMod val="75000"/>
-                        <a:lumOff val="25000"/>
-                      </a:schemeClr>
-                    </a:solidFill>
-                    <a:latin typeface="+mn-lt"/>
-                    <a:ea typeface="+mn-ea"/>
-                    <a:cs typeface="+mn-cs"/>
-                  </a:defRPr>
-                </a:pPr>
-                <a:endParaRPr lang="en-US"/>
-              </a:p>
-            </c:txPr>
-            <c:showLegendKey val="0"/>
-            <c:showVal val="1"/>
-            <c:showCatName val="0"/>
-            <c:showSerName val="0"/>
-            <c:showPercent val="0"/>
-            <c:showBubbleSize val="0"/>
-            <c:showLeaderLines val="0"/>
-            <c:extLst>
-              <c:ext xmlns:c15="http://schemas.microsoft.com/office/drawing/2012/chart" uri="{CE6537A1-D6FC-4f65-9D91-7224C49458BB}">
-                <c15:showLeaderLines val="1"/>
-                <c15:leaderLines>
-                  <c:spPr>
-                    <a:ln w="9525" cap="flat" cmpd="sng" algn="ctr">
-                      <a:solidFill>
-                        <a:schemeClr val="tx1">
-                          <a:lumMod val="35000"/>
-                          <a:lumOff val="65000"/>
-                        </a:schemeClr>
-                      </a:solidFill>
-                      <a:round/>
-                    </a:ln>
-                    <a:effectLst/>
-                  </c:spPr>
-                </c15:leaderLines>
-              </c:ext>
-            </c:extLst>
-          </c:dLbls>
-          <c:cat>
-            <c:strRef>
-              <c:f>Sheet1!$A$2:$A$5</c:f>
-              <c:strCache>
-                <c:ptCount val="4"/>
-                <c:pt idx="0">
-                  <c:v>Category 1</c:v>
-                </c:pt>
-                <c:pt idx="1">
-                  <c:v>Category 2</c:v>
-                </c:pt>
-                <c:pt idx="2">
-                  <c:v>Category 3</c:v>
-                </c:pt>
-                <c:pt idx="3">
-                  <c:v>Category 4</c:v>
-                </c:pt>
-              </c:strCache>
-            </c:strRef>
-          </c:cat>
-          <c:val>
-            <c:numRef>
-              <c:f>Sheet1!$C$2:$C$5</c:f>
-              <c:numCache>
-                <c:formatCode>General</c:formatCode>
-                <c:ptCount val="4"/>
-                <c:pt idx="0">
-                  <c:v>2.4</c:v>
-                </c:pt>
-                <c:pt idx="1">
-                  <c:v>4.4000000000000004</c:v>
-                </c:pt>
-                <c:pt idx="2">
-                  <c:v>1.8</c:v>
-                </c:pt>
-                <c:pt idx="3">
-                  <c:v>2.8</c:v>
-                </c:pt>
-              </c:numCache>
-            </c:numRef>
-          </c:val>
-          <c:extLst>
-            <c:ext xmlns:c16="http://schemas.microsoft.com/office/drawing/2014/chart" uri="{C3380CC4-5D6E-409C-BE32-E72D297353CC}">
-              <c16:uniqueId val="{00000001-9B8B-4F8D-B9E5-577AD71E0C6A}"/>
-            </c:ext>
-          </c:extLst>
-        </c:ser>
-        <c:ser>
-          <c:idx val="2"/>
-          <c:order val="2"/>
-          <c:tx>
-            <c:strRef>
-              <c:f>Sheet1!$D$1</c:f>
-              <c:strCache>
-                <c:ptCount val="1"/>
-                <c:pt idx="0">
-                  <c:v>Series 3</c:v>
-                </c:pt>
-              </c:strCache>
-            </c:strRef>
-          </c:tx>
-          <c:spPr>
-            <a:solidFill>
-              <a:schemeClr val="accent1">
-                <a:tint val="65000"/>
-              </a:schemeClr>
-            </a:solidFill>
-            <a:ln>
-              <a:noFill/>
-            </a:ln>
-            <a:effectLst/>
-          </c:spPr>
-          <c:invertIfNegative val="0"/>
-          <c:dLbls>
-            <c:spPr>
-              <a:noFill/>
-              <a:ln>
-                <a:noFill/>
-              </a:ln>
-              <a:effectLst/>
-            </c:spPr>
-            <c:txPr>
-              <a:bodyPr rot="0" spcFirstLastPara="1" vertOverflow="ellipsis" vert="horz" wrap="square" lIns="38100" tIns="19050" rIns="38100" bIns="19050" anchor="ctr" anchorCtr="1">
-                <a:spAutoFit/>
-              </a:bodyPr>
-              <a:lstStyle/>
-              <a:p>
-                <a:pPr>
-                  <a:defRPr sz="1197" b="0" i="0" u="none" strike="noStrike" kern="1200" baseline="0">
-                    <a:solidFill>
-                      <a:schemeClr val="tx1">
-                        <a:lumMod val="75000"/>
-                        <a:lumOff val="25000"/>
-                      </a:schemeClr>
-                    </a:solidFill>
-                    <a:latin typeface="+mn-lt"/>
-                    <a:ea typeface="+mn-ea"/>
-                    <a:cs typeface="+mn-cs"/>
-                  </a:defRPr>
-                </a:pPr>
-                <a:endParaRPr lang="en-US"/>
-              </a:p>
-            </c:txPr>
-            <c:showLegendKey val="0"/>
-            <c:showVal val="1"/>
-            <c:showCatName val="0"/>
-            <c:showSerName val="0"/>
-            <c:showPercent val="0"/>
-            <c:showBubbleSize val="0"/>
-            <c:showLeaderLines val="0"/>
-            <c:extLst>
-              <c:ext xmlns:c15="http://schemas.microsoft.com/office/drawing/2012/chart" uri="{CE6537A1-D6FC-4f65-9D91-7224C49458BB}">
-                <c15:showLeaderLines val="1"/>
-                <c15:leaderLines>
-                  <c:spPr>
-                    <a:ln w="9525" cap="flat" cmpd="sng" algn="ctr">
-                      <a:solidFill>
-                        <a:schemeClr val="tx1">
-                          <a:lumMod val="35000"/>
-                          <a:lumOff val="65000"/>
-                        </a:schemeClr>
-                      </a:solidFill>
-                      <a:round/>
-                    </a:ln>
-                    <a:effectLst/>
-                  </c:spPr>
-                </c15:leaderLines>
-              </c:ext>
-            </c:extLst>
-          </c:dLbls>
-          <c:cat>
-            <c:strRef>
-              <c:f>Sheet1!$A$2:$A$5</c:f>
-              <c:strCache>
-                <c:ptCount val="4"/>
-                <c:pt idx="0">
-                  <c:v>Category 1</c:v>
-                </c:pt>
-                <c:pt idx="1">
-                  <c:v>Category 2</c:v>
-                </c:pt>
-                <c:pt idx="2">
-                  <c:v>Category 3</c:v>
-                </c:pt>
-                <c:pt idx="3">
-                  <c:v>Category 4</c:v>
-                </c:pt>
-              </c:strCache>
-            </c:strRef>
-          </c:cat>
-          <c:val>
-            <c:numRef>
-              <c:f>Sheet1!$D$2:$D$5</c:f>
-              <c:numCache>
-                <c:formatCode>General</c:formatCode>
-                <c:ptCount val="4"/>
-                <c:pt idx="0">
-                  <c:v>2</c:v>
-                </c:pt>
-                <c:pt idx="1">
-                  <c:v>2</c:v>
-                </c:pt>
-                <c:pt idx="2">
-                  <c:v>3</c:v>
-                </c:pt>
-                <c:pt idx="3">
-                  <c:v>5</c:v>
-                </c:pt>
-              </c:numCache>
-            </c:numRef>
-          </c:val>
-          <c:extLst>
-            <c:ext xmlns:c16="http://schemas.microsoft.com/office/drawing/2014/chart" uri="{C3380CC4-5D6E-409C-BE32-E72D297353CC}">
-              <c16:uniqueId val="{00000002-9B8B-4F8D-B9E5-577AD71E0C6A}"/>
-            </c:ext>
-          </c:extLst>
-        </c:ser>
-        <c:dLbls>
-          <c:showLegendKey val="0"/>
-          <c:showVal val="1"/>
-          <c:showCatName val="0"/>
-          <c:showSerName val="0"/>
-          <c:showPercent val="0"/>
-          <c:showBubbleSize val="0"/>
-        </c:dLbls>
-        <c:gapWidth val="150"/>
-        <c:overlap val="-25"/>
-        <c:axId val="213527800"/>
-        <c:axId val="218219840"/>
-      </c:barChart>
-      <c:catAx>
-        <c:axId val="213527800"/>
-        <c:scaling>
-          <c:orientation val="minMax"/>
-        </c:scaling>
-        <c:delete val="0"/>
-        <c:axPos val="b"/>
-        <c:numFmt formatCode="General" sourceLinked="1"/>
-        <c:majorTickMark val="none"/>
-        <c:minorTickMark val="none"/>
-        <c:tickLblPos val="nextTo"/>
-        <c:spPr>
-          <a:noFill/>
-          <a:ln w="9525" cap="flat" cmpd="sng" algn="ctr">
-            <a:solidFill>
-              <a:schemeClr val="tx1">
-                <a:lumMod val="15000"/>
-                <a:lumOff val="85000"/>
-              </a:schemeClr>
-            </a:solidFill>
-            <a:round/>
-          </a:ln>
-          <a:effectLst/>
-        </c:spPr>
-        <c:txPr>
-          <a:bodyPr rot="-60000000" spcFirstLastPara="1" vertOverflow="ellipsis" vert="horz" wrap="square" anchor="ctr" anchorCtr="1"/>
-          <a:lstStyle/>
-          <a:p>
-            <a:pPr>
-              <a:defRPr sz="1197" b="0" i="0" u="none" strike="noStrike" kern="1200" baseline="0">
-                <a:solidFill>
-                  <a:schemeClr val="tx1">
-                    <a:lumMod val="65000"/>
-                    <a:lumOff val="35000"/>
-                  </a:schemeClr>
-                </a:solidFill>
-                <a:latin typeface="+mn-lt"/>
-                <a:ea typeface="+mn-ea"/>
-                <a:cs typeface="+mn-cs"/>
-              </a:defRPr>
-            </a:pPr>
-            <a:endParaRPr lang="en-US"/>
-          </a:p>
-        </c:txPr>
-        <c:crossAx val="218219840"/>
-        <c:crosses val="autoZero"/>
-        <c:auto val="1"/>
-        <c:lblAlgn val="ctr"/>
-        <c:lblOffset val="100"/>
-        <c:noMultiLvlLbl val="0"/>
-      </c:catAx>
-      <c:valAx>
-        <c:axId val="218219840"/>
-        <c:scaling>
-          <c:orientation val="minMax"/>
-        </c:scaling>
-        <c:delete val="1"/>
-        <c:axPos val="l"/>
-        <c:numFmt formatCode="General" sourceLinked="1"/>
-        <c:majorTickMark val="none"/>
-        <c:minorTickMark val="none"/>
-        <c:tickLblPos val="nextTo"/>
-        <c:crossAx val="213527800"/>
-        <c:crosses val="autoZero"/>
-        <c:crossBetween val="between"/>
-      </c:valAx>
-      <c:spPr>
-        <a:noFill/>
-        <a:ln>
-          <a:noFill/>
-        </a:ln>
-        <a:effectLst/>
-      </c:spPr>
-    </c:plotArea>
-    <c:legend>
-      <c:legendPos val="t"/>
-      <c:overlay val="0"/>
-      <c:spPr>
-        <a:noFill/>
-        <a:ln>
-          <a:noFill/>
-        </a:ln>
-        <a:effectLst/>
-      </c:spPr>
-      <c:txPr>
-        <a:bodyPr rot="0" spcFirstLastPara="1" vertOverflow="ellipsis" vert="horz" wrap="square" anchor="ctr" anchorCtr="1"/>
-        <a:lstStyle/>
-        <a:p>
-          <a:pPr>
-            <a:defRPr sz="1197" b="0" i="0" u="none" strike="noStrike" kern="1200" baseline="0">
-              <a:solidFill>
-                <a:schemeClr val="tx1">
-                  <a:lumMod val="65000"/>
-                  <a:lumOff val="35000"/>
-                </a:schemeClr>
-              </a:solidFill>
-              <a:latin typeface="+mn-lt"/>
-              <a:ea typeface="+mn-ea"/>
-              <a:cs typeface="+mn-cs"/>
-            </a:defRPr>
-          </a:pPr>
-          <a:endParaRPr lang="en-US"/>
-        </a:p>
-      </c:txPr>
-    </c:legend>
-    <c:plotVisOnly val="1"/>
-    <c:dispBlanksAs val="gap"/>
-    <c:showDLblsOverMax val="0"/>
-  </c:chart>
-  <c:spPr>
-    <a:noFill/>
-    <a:ln>
-      <a:noFill/>
-    </a:ln>
-    <a:effectLst/>
-  </c:spPr>
-  <c:txPr>
-    <a:bodyPr/>
-    <a:lstStyle/>
-    <a:p>
-      <a:pPr>
-        <a:defRPr/>
-      </a:pPr>
-      <a:endParaRPr lang="en-US"/>
-    </a:p>
-  </c:txPr>
-  <c:externalData r:id="rId3">
-    <c:autoUpdate val="0"/>
-  </c:externalData>
-</c:chartSpace>
-</file>
-
-<file path=ppt/charts/colors1.xml><?xml version="1.0" encoding="utf-8"?>
-<cs:colorStyle xmlns:cs="http://schemas.microsoft.com/office/drawing/2012/chartStyle" xmlns:a="http://schemas.openxmlformats.org/drawingml/2006/main" meth="withinLinear" id="14">
-  <a:schemeClr val="accent1"/>
-</cs:colorStyle>
-</file>
-
-<file path=ppt/charts/style1.xml><?xml version="1.0" encoding="utf-8"?>
-<cs:chartStyle xmlns:cs="http://schemas.microsoft.com/office/drawing/2012/chartStyle" xmlns:a="http://schemas.openxmlformats.org/drawingml/2006/main" id="201">
-  <cs:axisTitle>
-    <cs:lnRef idx="0"/>
-    <cs:fillRef idx="0"/>
-    <cs:effectRef idx="0"/>
-    <cs:fontRef idx="minor">
-      <a:schemeClr val="tx1">
-        <a:lumMod val="65000"/>
-        <a:lumOff val="35000"/>
-      </a:schemeClr>
-    </cs:fontRef>
-    <cs:defRPr sz="1330" kern="1200"/>
-  </cs:axisTitle>
-  <cs:categoryAxis>
-    <cs:lnRef idx="0"/>
-    <cs:fillRef idx="0"/>
-    <cs:effectRef idx="0"/>
-    <cs:fontRef idx="minor">
-      <a:schemeClr val="tx1">
-        <a:lumMod val="65000"/>
-        <a:lumOff val="35000"/>
-      </a:schemeClr>
-    </cs:fontRef>
-    <cs:spPr>
-      <a:ln w="9525" cap="flat" cmpd="sng" algn="ctr">
-        <a:solidFill>
-          <a:schemeClr val="tx1">
-            <a:lumMod val="15000"/>
-            <a:lumOff val="85000"/>
-          </a:schemeClr>
-        </a:solidFill>
-        <a:round/>
-      </a:ln>
-    </cs:spPr>
-    <cs:defRPr sz="1197" kern="1200"/>
-  </cs:categoryAxis>
-  <cs:chartArea mods="allowNoFillOverride allowNoLineOverride">
-    <cs:lnRef idx="0"/>
-    <cs:fillRef idx="0"/>
-    <cs:effectRef idx="0"/>
-    <cs:fontRef idx="minor">
-      <a:schemeClr val="tx1"/>
-    </cs:fontRef>
-    <cs:spPr>
-      <a:solidFill>
-        <a:schemeClr val="bg1"/>
-      </a:solidFill>
-      <a:ln w="9525" cap="flat" cmpd="sng" algn="ctr">
-        <a:solidFill>
-          <a:schemeClr val="tx1">
-            <a:lumMod val="15000"/>
-            <a:lumOff val="85000"/>
-          </a:schemeClr>
-        </a:solidFill>
-        <a:round/>
-      </a:ln>
-    </cs:spPr>
-    <cs:defRPr sz="1330" kern="1200"/>
-  </cs:chartArea>
-  <cs:dataLabel>
-    <cs:lnRef idx="0"/>
-    <cs:fillRef idx="0"/>
-    <cs:effectRef idx="0"/>
-    <cs:fontRef idx="minor">
-      <a:schemeClr val="tx1">
-        <a:lumMod val="75000"/>
-        <a:lumOff val="25000"/>
-      </a:schemeClr>
-    </cs:fontRef>
-    <cs:defRPr sz="1197" kern="1200"/>
-  </cs:dataLabel>
-  <cs:dataLabelCallout>
-    <cs:lnRef idx="0"/>
-    <cs:fillRef idx="0"/>
-    <cs:effectRef idx="0"/>
-    <cs:fontRef idx="minor">
-      <a:schemeClr val="dk1">
-        <a:lumMod val="65000"/>
-        <a:lumOff val="35000"/>
-      </a:schemeClr>
-    </cs:fontRef>
-    <cs:spPr>
-      <a:solidFill>
-        <a:schemeClr val="lt1"/>
-      </a:solidFill>
-      <a:ln>
-        <a:solidFill>
-          <a:schemeClr val="dk1">
-            <a:lumMod val="25000"/>
-            <a:lumOff val="75000"/>
-          </a:schemeClr>
-        </a:solidFill>
-      </a:ln>
-    </cs:spPr>
-    <cs:defRPr sz="1197" kern="1200"/>
-    <cs:bodyPr rot="0" spcFirstLastPara="1" vertOverflow="clip" horzOverflow="clip" vert="horz" wrap="square" lIns="36576" tIns="18288" rIns="36576" bIns="18288" anchor="ctr" anchorCtr="1">
-      <a:spAutoFit/>
-    </cs:bodyPr>
-  </cs:dataLabelCallout>
-  <cs:dataPoint>
-    <cs:lnRef idx="0"/>
-    <cs:fillRef idx="1">
-      <cs:styleClr val="auto"/>
-    </cs:fillRef>
-    <cs:effectRef idx="0"/>
-    <cs:fontRef idx="minor">
-      <a:schemeClr val="tx1"/>
-    </cs:fontRef>
-  </cs:dataPoint>
-  <cs:dataPoint3D>
-    <cs:lnRef idx="0"/>
-    <cs:fillRef idx="1">
-      <cs:styleClr val="auto"/>
-    </cs:fillRef>
-    <cs:effectRef idx="0"/>
-    <cs:fontRef idx="minor">
-      <a:schemeClr val="tx1"/>
-    </cs:fontRef>
-  </cs:dataPoint3D>
-  <cs:dataPointLine>
-    <cs:lnRef idx="0">
-      <cs:styleClr val="auto"/>
-    </cs:lnRef>
-    <cs:fillRef idx="1"/>
-    <cs:effectRef idx="0"/>
-    <cs:fontRef idx="minor">
-      <a:schemeClr val="tx1"/>
-    </cs:fontRef>
-    <cs:spPr>
-      <a:ln w="28575" cap="rnd">
-        <a:solidFill>
-          <a:schemeClr val="phClr"/>
-        </a:solidFill>
-        <a:round/>
-      </a:ln>
-    </cs:spPr>
-  </cs:dataPointLine>
-  <cs:dataPointMarker>
-    <cs:lnRef idx="0">
-      <cs:styleClr val="auto"/>
-    </cs:lnRef>
-    <cs:fillRef idx="1">
-      <cs:styleClr val="auto"/>
-    </cs:fillRef>
-    <cs:effectRef idx="0"/>
-    <cs:fontRef idx="minor">
-      <a:schemeClr val="tx1"/>
-    </cs:fontRef>
-    <cs:spPr>
-      <a:ln w="9525">
-        <a:solidFill>
-          <a:schemeClr val="phClr"/>
-        </a:solidFill>
-      </a:ln>
-    </cs:spPr>
-  </cs:dataPointMarker>
-  <cs:dataPointMarkerLayout symbol="circle" size="5"/>
-  <cs:dataPointWireframe>
-    <cs:lnRef idx="0">
-      <cs:styleClr val="auto"/>
-    </cs:lnRef>
-    <cs:fillRef idx="1"/>
-    <cs:effectRef idx="0"/>
-    <cs:fontRef idx="minor">
-      <a:schemeClr val="tx1"/>
-    </cs:fontRef>
-    <cs:spPr>
-      <a:ln w="9525" cap="rnd">
-        <a:solidFill>
-          <a:schemeClr val="phClr"/>
-        </a:solidFill>
-        <a:round/>
-      </a:ln>
-    </cs:spPr>
-  </cs:dataPointWireframe>
-  <cs:dataTable>
-    <cs:lnRef idx="0"/>
-    <cs:fillRef idx="0"/>
-    <cs:effectRef idx="0"/>
-    <cs:fontRef idx="minor">
-      <a:schemeClr val="tx1">
-        <a:lumMod val="65000"/>
-        <a:lumOff val="35000"/>
-      </a:schemeClr>
-    </cs:fontRef>
-    <cs:spPr>
-      <a:noFill/>
-      <a:ln w="9525" cap="flat" cmpd="sng" algn="ctr">
-        <a:solidFill>
-          <a:schemeClr val="tx1">
-            <a:lumMod val="15000"/>
-            <a:lumOff val="85000"/>
-          </a:schemeClr>
-        </a:solidFill>
-        <a:round/>
-      </a:ln>
-    </cs:spPr>
-    <cs:defRPr sz="1197" kern="1200"/>
-  </cs:dataTable>
-  <cs:downBar>
-    <cs:lnRef idx="0"/>
-    <cs:fillRef idx="0"/>
-    <cs:effectRef idx="0"/>
-    <cs:fontRef idx="minor">
-      <a:schemeClr val="dk1"/>
-    </cs:fontRef>
-    <cs:spPr>
-      <a:solidFill>
-        <a:schemeClr val="dk1">
-          <a:lumMod val="65000"/>
-          <a:lumOff val="35000"/>
-        </a:schemeClr>
-      </a:solidFill>
-      <a:ln w="9525">
-        <a:solidFill>
-          <a:schemeClr val="tx1">
-            <a:lumMod val="65000"/>
-            <a:lumOff val="35000"/>
-          </a:schemeClr>
-        </a:solidFill>
-      </a:ln>
-    </cs:spPr>
-  </cs:downBar>
-  <cs:dropLine>
-    <cs:lnRef idx="0"/>
-    <cs:fillRef idx="0"/>
-    <cs:effectRef idx="0"/>
-    <cs:fontRef idx="minor">
-      <a:schemeClr val="tx1"/>
-    </cs:fontRef>
-    <cs:spPr>
-      <a:ln w="9525" cap="flat" cmpd="sng" algn="ctr">
-        <a:solidFill>
-          <a:schemeClr val="tx1">
-            <a:lumMod val="35000"/>
-            <a:lumOff val="65000"/>
-          </a:schemeClr>
-        </a:solidFill>
-        <a:round/>
-      </a:ln>
-    </cs:spPr>
-  </cs:dropLine>
-  <cs:errorBar>
-    <cs:lnRef idx="0"/>
-    <cs:fillRef idx="0"/>
-    <cs:effectRef idx="0"/>
-    <cs:fontRef idx="minor">
-      <a:schemeClr val="tx1"/>
-    </cs:fontRef>
-    <cs:spPr>
-      <a:ln w="9525" cap="flat" cmpd="sng" algn="ctr">
-        <a:solidFill>
-          <a:schemeClr val="tx1">
-            <a:lumMod val="65000"/>
-            <a:lumOff val="35000"/>
-          </a:schemeClr>
-        </a:solidFill>
-        <a:round/>
-      </a:ln>
-    </cs:spPr>
-  </cs:errorBar>
-  <cs:floor>
-    <cs:lnRef idx="0"/>
-    <cs:fillRef idx="0"/>
-    <cs:effectRef idx="0"/>
-    <cs:fontRef idx="minor">
-      <a:schemeClr val="tx1"/>
-    </cs:fontRef>
-    <cs:spPr>
-      <a:noFill/>
-      <a:ln>
-        <a:noFill/>
-      </a:ln>
-    </cs:spPr>
-  </cs:floor>
-  <cs:gridlineMajor>
-    <cs:lnRef idx="0"/>
-    <cs:fillRef idx="0"/>
-    <cs:effectRef idx="0"/>
-    <cs:fontRef idx="minor">
-      <a:schemeClr val="tx1"/>
-    </cs:fontRef>
-    <cs:spPr>
-      <a:ln w="9525" cap="flat" cmpd="sng" algn="ctr">
-        <a:solidFill>
-          <a:schemeClr val="tx1">
-            <a:lumMod val="15000"/>
-            <a:lumOff val="85000"/>
-          </a:schemeClr>
-        </a:solidFill>
-        <a:round/>
-      </a:ln>
-    </cs:spPr>
-  </cs:gridlineMajor>
-  <cs:gridlineMinor>
-    <cs:lnRef idx="0"/>
-    <cs:fillRef idx="0"/>
-    <cs:effectRef idx="0"/>
-    <cs:fontRef idx="minor">
-      <a:schemeClr val="tx1"/>
-    </cs:fontRef>
-    <cs:spPr>
-      <a:ln w="9525" cap="flat" cmpd="sng" algn="ctr">
-        <a:solidFill>
-          <a:schemeClr val="tx1">
-            <a:lumMod val="5000"/>
-            <a:lumOff val="95000"/>
-          </a:schemeClr>
-        </a:solidFill>
-        <a:round/>
-      </a:ln>
-    </cs:spPr>
-  </cs:gridlineMinor>
-  <cs:hiLoLine>
-    <cs:lnRef idx="0"/>
-    <cs:fillRef idx="0"/>
-    <cs:effectRef idx="0"/>
-    <cs:fontRef idx="minor">
-      <a:schemeClr val="tx1"/>
-    </cs:fontRef>
-    <cs:spPr>
-      <a:ln w="9525" cap="flat" cmpd="sng" algn="ctr">
-        <a:solidFill>
-          <a:schemeClr val="tx1">
-            <a:lumMod val="75000"/>
-            <a:lumOff val="25000"/>
-          </a:schemeClr>
-        </a:solidFill>
-        <a:round/>
-      </a:ln>
-    </cs:spPr>
-  </cs:hiLoLine>
-  <cs:leaderLine>
-    <cs:lnRef idx="0"/>
-    <cs:fillRef idx="0"/>
-    <cs:effectRef idx="0"/>
-    <cs:fontRef idx="minor">
-      <a:schemeClr val="tx1"/>
-    </cs:fontRef>
-    <cs:spPr>
-      <a:ln w="9525" cap="flat" cmpd="sng" algn="ctr">
-        <a:solidFill>
-          <a:schemeClr val="tx1">
-            <a:lumMod val="35000"/>
-            <a:lumOff val="65000"/>
-          </a:schemeClr>
-        </a:solidFill>
-        <a:round/>
-      </a:ln>
-    </cs:spPr>
-  </cs:leaderLine>
-  <cs:legend>
-    <cs:lnRef idx="0"/>
-    <cs:fillRef idx="0"/>
-    <cs:effectRef idx="0"/>
-    <cs:fontRef idx="minor">
-      <a:schemeClr val="tx1">
-        <a:lumMod val="65000"/>
-        <a:lumOff val="35000"/>
-      </a:schemeClr>
-    </cs:fontRef>
-    <cs:defRPr sz="1197" kern="1200"/>
-  </cs:legend>
-  <cs:plotArea mods="allowNoFillOverride allowNoLineOverride">
-    <cs:lnRef idx="0"/>
-    <cs:fillRef idx="0"/>
-    <cs:effectRef idx="0"/>
-    <cs:fontRef idx="minor">
-      <a:schemeClr val="tx1"/>
-    </cs:fontRef>
-  </cs:plotArea>
-  <cs:plotArea3D mods="allowNoFillOverride allowNoLineOverride">
-    <cs:lnRef idx="0"/>
-    <cs:fillRef idx="0"/>
-    <cs:effectRef idx="0"/>
-    <cs:fontRef idx="minor">
-      <a:schemeClr val="tx1"/>
-    </cs:fontRef>
-  </cs:plotArea3D>
-  <cs:seriesAxis>
-    <cs:lnRef idx="0"/>
-    <cs:fillRef idx="0"/>
-    <cs:effectRef idx="0"/>
-    <cs:fontRef idx="minor">
-      <a:schemeClr val="tx1">
-        <a:lumMod val="65000"/>
-        <a:lumOff val="35000"/>
-      </a:schemeClr>
-    </cs:fontRef>
-    <cs:defRPr sz="1197" kern="1200"/>
-  </cs:seriesAxis>
-  <cs:seriesLine>
-    <cs:lnRef idx="0"/>
-    <cs:fillRef idx="0"/>
-    <cs:effectRef idx="0"/>
-    <cs:fontRef idx="minor">
-      <a:schemeClr val="tx1"/>
-    </cs:fontRef>
-    <cs:spPr>
-      <a:ln w="9525" cap="flat" cmpd="sng" algn="ctr">
-        <a:solidFill>
-          <a:schemeClr val="tx1">
-            <a:lumMod val="35000"/>
-            <a:lumOff val="65000"/>
-          </a:schemeClr>
-        </a:solidFill>
-        <a:round/>
-      </a:ln>
-    </cs:spPr>
-  </cs:seriesLine>
-  <cs:title>
-    <cs:lnRef idx="0"/>
-    <cs:fillRef idx="0"/>
-    <cs:effectRef idx="0"/>
-    <cs:fontRef idx="minor">
-      <a:schemeClr val="tx1">
-        <a:lumMod val="65000"/>
-        <a:lumOff val="35000"/>
-      </a:schemeClr>
-    </cs:fontRef>
-    <cs:defRPr sz="1862" b="0" kern="1200" spc="0" baseline="0"/>
-  </cs:title>
-  <cs:trendline>
-    <cs:lnRef idx="0">
-      <cs:styleClr val="auto"/>
-    </cs:lnRef>
-    <cs:fillRef idx="0"/>
-    <cs:effectRef idx="0"/>
-    <cs:fontRef idx="minor">
-      <a:schemeClr val="tx1"/>
-    </cs:fontRef>
-    <cs:spPr>
-      <a:ln w="19050" cap="rnd">
-        <a:solidFill>
-          <a:schemeClr val="phClr"/>
-        </a:solidFill>
-        <a:prstDash val="sysDot"/>
-      </a:ln>
-    </cs:spPr>
-  </cs:trendline>
-  <cs:trendlineLabel>
-    <cs:lnRef idx="0"/>
-    <cs:fillRef idx="0"/>
-    <cs:effectRef idx="0"/>
-    <cs:fontRef idx="minor">
-      <a:schemeClr val="tx1">
-        <a:lumMod val="65000"/>
-        <a:lumOff val="35000"/>
-      </a:schemeClr>
-    </cs:fontRef>
-    <cs:defRPr sz="1197" kern="1200"/>
-  </cs:trendlineLabel>
-  <cs:upBar>
-    <cs:lnRef idx="0"/>
-    <cs:fillRef idx="0"/>
-    <cs:effectRef idx="0"/>
-    <cs:fontRef idx="minor">
-      <a:schemeClr val="dk1"/>
-    </cs:fontRef>
-    <cs:spPr>
-      <a:solidFill>
-        <a:schemeClr val="lt1"/>
-      </a:solidFill>
-      <a:ln w="9525">
-        <a:solidFill>
-          <a:schemeClr val="tx1">
-            <a:lumMod val="15000"/>
-            <a:lumOff val="85000"/>
-          </a:schemeClr>
-        </a:solidFill>
-      </a:ln>
-    </cs:spPr>
-  </cs:upBar>
-  <cs:valueAxis>
-    <cs:lnRef idx="0"/>
-    <cs:fillRef idx="0"/>
-    <cs:effectRef idx="0"/>
-    <cs:fontRef idx="minor">
-      <a:schemeClr val="tx1">
-        <a:lumMod val="65000"/>
-        <a:lumOff val="35000"/>
-      </a:schemeClr>
-    </cs:fontRef>
-    <cs:defRPr sz="1197" kern="1200"/>
-  </cs:valueAxis>
-  <cs:wall>
-    <cs:lnRef idx="0"/>
-    <cs:fillRef idx="0"/>
-    <cs:effectRef idx="0"/>
-    <cs:fontRef idx="minor">
-      <a:schemeClr val="tx1"/>
-    </cs:fontRef>
-    <cs:spPr>
-      <a:noFill/>
-      <a:ln>
-        <a:noFill/>
-      </a:ln>
-    </cs:spPr>
-  </cs:wall>
-</cs:chartStyle>
-</file>
-
-<file path=ppt/diagrams/colors1.xml><?xml version="1.0" encoding="utf-8"?>
-<dgm:colorsDef xmlns:dgm="http://schemas.openxmlformats.org/drawingml/2006/diagram" xmlns:a="http://schemas.openxmlformats.org/drawingml/2006/main" uniqueId="urn:microsoft.com/office/officeart/2005/8/colors/accent1_1">
-  <dgm:title val=""/>
-  <dgm:desc val=""/>
-  <dgm:catLst>
-    <dgm:cat type="accent1" pri="11100"/>
-  </dgm:catLst>
-  <dgm:styleLbl name="node0">
-    <dgm:fillClrLst meth="repeat">
-      <a:schemeClr val="lt1"/>
-    </dgm:fillClrLst>
-    <dgm:linClrLst meth="repeat">
-      <a:schemeClr val="accent1">
-        <a:shade val="80000"/>
-      </a:schemeClr>
-    </dgm:linClrLst>
-    <dgm:effectClrLst/>
-    <dgm:txLinClrLst/>
-    <dgm:txFillClrLst meth="repeat">
-      <a:schemeClr val="dk1"/>
-    </dgm:txFillClrLst>
-    <dgm:txEffectClrLst/>
-  </dgm:styleLbl>
-  <dgm:styleLbl name="alignNode1">
-    <dgm:fillClrLst meth="repeat">
-      <a:schemeClr val="lt1"/>
-    </dgm:fillClrLst>
-    <dgm:linClrLst meth="repeat">
-      <a:schemeClr val="accent1">
-        <a:shade val="80000"/>
-      </a:schemeClr>
-    </dgm:linClrLst>
-    <dgm:effectClrLst/>
-    <dgm:txLinClrLst/>
-    <dgm:txFillClrLst meth="repeat">
-      <a:schemeClr val="dk1"/>
-    </dgm:txFillClrLst>
-    <dgm:txEffectClrLst/>
-  </dgm:styleLbl>
-  <dgm:styleLbl name="node1">
-    <dgm:fillClrLst meth="repeat">
-      <a:schemeClr val="lt1"/>
-    </dgm:fillClrLst>
-    <dgm:linClrLst meth="repeat">
-      <a:schemeClr val="accent1">
-        <a:shade val="80000"/>
-      </a:schemeClr>
-    </dgm:linClrLst>
-    <dgm:effectClrLst/>
-    <dgm:txLinClrLst/>
-    <dgm:txFillClrLst meth="repeat">
-      <a:schemeClr val="dk1"/>
-    </dgm:txFillClrLst>
-    <dgm:txEffectClrLst/>
-  </dgm:styleLbl>
-  <dgm:styleLbl name="lnNode1">
-    <dgm:fillClrLst meth="repeat">
-      <a:schemeClr val="lt1"/>
-    </dgm:fillClrLst>
-    <dgm:linClrLst meth="repeat">
-      <a:schemeClr val="accent1">
-        <a:shade val="80000"/>
-      </a:schemeClr>
-    </dgm:linClrLst>
-    <dgm:effectClrLst/>
-    <dgm:txLinClrLst/>
-    <dgm:txFillClrLst meth="repeat">
-      <a:schemeClr val="dk1"/>
-    </dgm:txFillClrLst>
-    <dgm:txEffectClrLst/>
-  </dgm:styleLbl>
-  <dgm:styleLbl name="vennNode1">
-    <dgm:fillClrLst meth="repeat">
-      <a:schemeClr val="lt1">
-        <a:alpha val="50000"/>
-      </a:schemeClr>
-    </dgm:fillClrLst>
-    <dgm:linClrLst meth="repeat">
-      <a:schemeClr val="accent1">
-        <a:shade val="80000"/>
-      </a:schemeClr>
-    </dgm:linClrLst>
-    <dgm:effectClrLst/>
-    <dgm:txLinClrLst/>
-    <dgm:txFillClrLst/>
-    <dgm:txEffectClrLst/>
-  </dgm:styleLbl>
-  <dgm:styleLbl name="node2">
-    <dgm:fillClrLst meth="repeat">
-      <a:schemeClr val="lt1"/>
-    </dgm:fillClrLst>
-    <dgm:linClrLst meth="repeat">
-      <a:schemeClr val="accent1">
-        <a:shade val="80000"/>
-      </a:schemeClr>
-    </dgm:linClrLst>
-    <dgm:effectClrLst/>
-    <dgm:txLinClrLst/>
-    <dgm:txFillClrLst meth="repeat">
-      <a:schemeClr val="dk1"/>
-    </dgm:txFillClrLst>
-    <dgm:txEffectClrLst/>
-  </dgm:styleLbl>
-  <dgm:styleLbl name="node3">
-    <dgm:fillClrLst meth="repeat">
-      <a:schemeClr val="lt1"/>
-    </dgm:fillClrLst>
-    <dgm:linClrLst meth="repeat">
-      <a:schemeClr val="accent1">
-        <a:shade val="80000"/>
-      </a:schemeClr>
-    </dgm:linClrLst>
-    <dgm:effectClrLst/>
-    <dgm:txLinClrLst/>
-    <dgm:txFillClrLst meth="repeat">
-      <a:schemeClr val="dk1"/>
-    </dgm:txFillClrLst>
-    <dgm:txEffectClrLst/>
-  </dgm:styleLbl>
-  <dgm:styleLbl name="node4">
-    <dgm:fillClrLst meth="repeat">
-      <a:schemeClr val="lt1"/>
-    </dgm:fillClrLst>
-    <dgm:linClrLst meth="repeat">
-      <a:schemeClr val="accent1">
-        <a:shade val="80000"/>
-      </a:schemeClr>
-    </dgm:linClrLst>
-    <dgm:effectClrLst/>
-    <dgm:txLinClrLst/>
-    <dgm:txFillClrLst meth="repeat">
-      <a:schemeClr val="dk1"/>
-    </dgm:txFillClrLst>
-    <dgm:txEffectClrLst/>
-  </dgm:styleLbl>
-  <dgm:styleLbl name="fgImgPlace1">
-    <dgm:fillClrLst meth="repeat">
-      <a:schemeClr val="accent1">
-        <a:tint val="40000"/>
-      </a:schemeClr>
-    </dgm:fillClrLst>
-    <dgm:linClrLst meth="repeat">
-      <a:schemeClr val="accent1">
-        <a:shade val="80000"/>
-      </a:schemeClr>
-    </dgm:linClrLst>
-    <dgm:effectClrLst/>
-    <dgm:txLinClrLst/>
-    <dgm:txFillClrLst meth="repeat">
-      <a:schemeClr val="lt1"/>
-    </dgm:txFillClrLst>
-    <dgm:txEffectClrLst/>
-  </dgm:styleLbl>
-  <dgm:styleLbl name="alignImgPlace1">
-    <dgm:fillClrLst meth="repeat">
-      <a:schemeClr val="accent1">
-        <a:tint val="40000"/>
-      </a:schemeClr>
-    </dgm:fillClrLst>
-    <dgm:linClrLst meth="repeat">
-      <a:schemeClr val="accent1">
-        <a:shade val="80000"/>
-      </a:schemeClr>
-    </dgm:linClrLst>
-    <dgm:effectClrLst/>
-    <dgm:txLinClrLst/>
-    <dgm:txFillClrLst meth="repeat">
-      <a:schemeClr val="lt1"/>
-    </dgm:txFillClrLst>
-    <dgm:txEffectClrLst/>
-  </dgm:styleLbl>
-  <dgm:styleLbl name="bgImgPlace1">
-    <dgm:fillClrLst meth="repeat">
-      <a:schemeClr val="accent1">
-        <a:tint val="40000"/>
-      </a:schemeClr>
-    </dgm:fillClrLst>
-    <dgm:linClrLst meth="repeat">
-      <a:schemeClr val="accent1">
-        <a:shade val="80000"/>
-      </a:schemeClr>
-    </dgm:linClrLst>
-    <dgm:effectClrLst/>
-    <dgm:txLinClrLst/>
-    <dgm:txFillClrLst meth="repeat">
-      <a:schemeClr val="lt1"/>
-    </dgm:txFillClrLst>
-    <dgm:txEffectClrLst/>
-  </dgm:styleLbl>
-  <dgm:styleLbl name="sibTrans2D1">
-    <dgm:fillClrLst meth="repeat">
-      <a:schemeClr val="accent1">
-        <a:tint val="60000"/>
-      </a:schemeClr>
-    </dgm:fillClrLst>
-    <dgm:linClrLst meth="repeat">
-      <a:schemeClr val="accent1">
-        <a:tint val="60000"/>
-      </a:schemeClr>
-    </dgm:linClrLst>
-    <dgm:effectClrLst/>
-    <dgm:txLinClrLst/>
-    <dgm:txFillClrLst meth="repeat">
-      <a:schemeClr val="dk1"/>
-    </dgm:txFillClrLst>
-    <dgm:txEffectClrLst/>
-  </dgm:styleLbl>
-  <dgm:styleLbl name="fgSibTrans2D1">
-    <dgm:fillClrLst meth="repeat">
-      <a:schemeClr val="accent1">
-        <a:tint val="60000"/>
-      </a:schemeClr>
-    </dgm:fillClrLst>
-    <dgm:linClrLst meth="repeat">
-      <a:schemeClr val="accent1">
-        <a:tint val="60000"/>
-      </a:schemeClr>
-    </dgm:linClrLst>
-    <dgm:effectClrLst/>
-    <dgm:txLinClrLst/>
-    <dgm:txFillClrLst meth="repeat">
-      <a:schemeClr val="dk1"/>
-    </dgm:txFillClrLst>
-    <dgm:txEffectClrLst/>
-  </dgm:styleLbl>
-  <dgm:styleLbl name="bgSibTrans2D1">
-    <dgm:fillClrLst meth="repeat">
-      <a:schemeClr val="accent1">
-        <a:tint val="60000"/>
-      </a:schemeClr>
-    </dgm:fillClrLst>
-    <dgm:linClrLst meth="repeat">
-      <a:schemeClr val="accent1">
-        <a:tint val="60000"/>
-      </a:schemeClr>
-    </dgm:linClrLst>
-    <dgm:effectClrLst/>
-    <dgm:txLinClrLst/>
-    <dgm:txFillClrLst meth="repeat">
-      <a:schemeClr val="dk1"/>
-    </dgm:txFillClrLst>
-    <dgm:txEffectClrLst/>
-  </dgm:styleLbl>
-  <dgm:styleLbl name="sibTrans1D1">
-    <dgm:fillClrLst meth="repeat">
-      <a:schemeClr val="accent1"/>
-    </dgm:fillClrLst>
-    <dgm:linClrLst meth="repeat">
-      <a:schemeClr val="accent1"/>
-    </dgm:linClrLst>
-    <dgm:effectClrLst/>
-    <dgm:txLinClrLst/>
-    <dgm:txFillClrLst meth="repeat">
-      <a:schemeClr val="tx1"/>
-    </dgm:txFillClrLst>
-    <dgm:txEffectClrLst/>
-  </dgm:styleLbl>
-  <dgm:styleLbl name="callout">
-    <dgm:fillClrLst meth="repeat">
-      <a:schemeClr val="accent1"/>
-    </dgm:fillClrLst>
-    <dgm:linClrLst meth="repeat">
-      <a:schemeClr val="accent1"/>
-    </dgm:linClrLst>
-    <dgm:effectClrLst/>
-    <dgm:txLinClrLst/>
-    <dgm:txFillClrLst meth="repeat">
-      <a:schemeClr val="tx1"/>
-    </dgm:txFillClrLst>
-    <dgm:txEffectClrLst/>
-  </dgm:styleLbl>
-  <dgm:styleLbl name="asst0">
-    <dgm:fillClrLst meth="repeat">
-      <a:schemeClr val="lt1"/>
-    </dgm:fillClrLst>
-    <dgm:linClrLst meth="repeat">
-      <a:schemeClr val="accent1">
-        <a:shade val="80000"/>
-      </a:schemeClr>
-    </dgm:linClrLst>
-    <dgm:effectClrLst/>
-    <dgm:txLinClrLst/>
-    <dgm:txFillClrLst meth="repeat">
-      <a:schemeClr val="dk1"/>
-    </dgm:txFillClrLst>
-    <dgm:txEffectClrLst/>
-  </dgm:styleLbl>
-  <dgm:styleLbl name="asst1">
-    <dgm:fillClrLst meth="repeat">
-      <a:schemeClr val="lt1"/>
-    </dgm:fillClrLst>
-    <dgm:linClrLst meth="repeat">
-      <a:schemeClr val="accent1">
-        <a:shade val="80000"/>
-      </a:schemeClr>
-    </dgm:linClrLst>
-    <dgm:effectClrLst/>
-    <dgm:txLinClrLst/>
-    <dgm:txFillClrLst meth="repeat">
-      <a:schemeClr val="dk1"/>
-    </dgm:txFillClrLst>
-    <dgm:txEffectClrLst/>
-  </dgm:styleLbl>
-  <dgm:styleLbl name="asst2">
-    <dgm:fillClrLst meth="repeat">
-      <a:schemeClr val="lt1"/>
-    </dgm:fillClrLst>
-    <dgm:linClrLst meth="repeat">
-      <a:schemeClr val="accent1">
-        <a:shade val="80000"/>
-      </a:schemeClr>
-    </dgm:linClrLst>
-    <dgm:effectClrLst/>
-    <dgm:txLinClrLst/>
-    <dgm:txFillClrLst meth="repeat">
-      <a:schemeClr val="dk1"/>
-    </dgm:txFillClrLst>
-    <dgm:txEffectClrLst/>
-  </dgm:styleLbl>
-  <dgm:styleLbl name="asst3">
-    <dgm:fillClrLst meth="repeat">
-      <a:schemeClr val="lt1"/>
-    </dgm:fillClrLst>
-    <dgm:linClrLst meth="repeat">
-      <a:schemeClr val="accent1">
-        <a:shade val="80000"/>
-      </a:schemeClr>
-    </dgm:linClrLst>
-    <dgm:effectClrLst/>
-    <dgm:txLinClrLst/>
-    <dgm:txFillClrLst meth="repeat">
-      <a:schemeClr val="dk1"/>
-    </dgm:txFillClrLst>
-    <dgm:txEffectClrLst/>
-  </dgm:styleLbl>
-  <dgm:styleLbl name="asst4">
-    <dgm:fillClrLst meth="repeat">
-      <a:schemeClr val="lt1"/>
-    </dgm:fillClrLst>
-    <dgm:linClrLst meth="repeat">
-      <a:schemeClr val="accent1">
-        <a:shade val="80000"/>
-      </a:schemeClr>
-    </dgm:linClrLst>
-    <dgm:effectClrLst/>
-    <dgm:txLinClrLst/>
-    <dgm:txFillClrLst meth="repeat">
-      <a:schemeClr val="dk1"/>
-    </dgm:txFillClrLst>
-    <dgm:txEffectClrLst/>
-  </dgm:styleLbl>
-  <dgm:styleLbl name="parChTrans2D1">
-    <dgm:fillClrLst meth="repeat">
-      <a:schemeClr val="accent1">
-        <a:tint val="60000"/>
-      </a:schemeClr>
-    </dgm:fillClrLst>
-    <dgm:linClrLst meth="repeat">
-      <a:schemeClr val="accent1">
-        <a:tint val="60000"/>
-      </a:schemeClr>
-    </dgm:linClrLst>
-    <dgm:effectClrLst/>
-    <dgm:txLinClrLst/>
-    <dgm:txFillClrLst/>
-    <dgm:txEffectClrLst/>
-  </dgm:styleLbl>
-  <dgm:styleLbl name="parChTrans2D2">
-    <dgm:fillClrLst meth="repeat">
-      <a:schemeClr val="accent1"/>
-    </dgm:fillClrLst>
-    <dgm:linClrLst meth="repeat">
-      <a:schemeClr val="accent1"/>
-    </dgm:linClrLst>
-    <dgm:effectClrLst/>
-    <dgm:txLinClrLst/>
-    <dgm:txFillClrLst/>
-    <dgm:txEffectClrLst/>
-  </dgm:styleLbl>
-  <dgm:styleLbl name="parChTrans2D3">
-    <dgm:fillClrLst meth="repeat">
-      <a:schemeClr val="accent1"/>
-    </dgm:fillClrLst>
-    <dgm:linClrLst meth="repeat">
-      <a:schemeClr val="accent1"/>
-    </dgm:linClrLst>
-    <dgm:effectClrLst/>
-    <dgm:txLinClrLst/>
-    <dgm:txFillClrLst/>
-    <dgm:txEffectClrLst/>
-  </dgm:styleLbl>
-  <dgm:styleLbl name="parChTrans2D4">
-    <dgm:fillClrLst meth="repeat">
-      <a:schemeClr val="accent1"/>
-    </dgm:fillClrLst>
-    <dgm:linClrLst meth="repeat">
-      <a:schemeClr val="accent1"/>
-    </dgm:linClrLst>
-    <dgm:effectClrLst/>
-    <dgm:txLinClrLst/>
-    <dgm:txFillClrLst meth="repeat">
-      <a:schemeClr val="lt1"/>
-    </dgm:txFillClrLst>
-    <dgm:txEffectClrLst/>
-  </dgm:styleLbl>
-  <dgm:styleLbl name="parChTrans1D1">
-    <dgm:fillClrLst meth="repeat">
-      <a:schemeClr val="accent1"/>
-    </dgm:fillClrLst>
-    <dgm:linClrLst meth="repeat">
-      <a:schemeClr val="accent1">
-        <a:shade val="60000"/>
-      </a:schemeClr>
-    </dgm:linClrLst>
-    <dgm:effectClrLst/>
-    <dgm:txLinClrLst/>
-    <dgm:txFillClrLst meth="repeat">
-      <a:schemeClr val="tx1"/>
-    </dgm:txFillClrLst>
-    <dgm:txEffectClrLst/>
-  </dgm:styleLbl>
-  <dgm:styleLbl name="parChTrans1D2">
-    <dgm:fillClrLst meth="repeat">
-      <a:schemeClr val="accent1"/>
-    </dgm:fillClrLst>
-    <dgm:linClrLst meth="repeat">
-      <a:schemeClr val="accent1">
-        <a:shade val="60000"/>
-      </a:schemeClr>
-    </dgm:linClrLst>
-    <dgm:effectClrLst/>
-    <dgm:txLinClrLst/>
-    <dgm:txFillClrLst meth="repeat">
-      <a:schemeClr val="tx1"/>
-    </dgm:txFillClrLst>
-    <dgm:txEffectClrLst/>
-  </dgm:styleLbl>
-  <dgm:styleLbl name="parChTrans1D3">
-    <dgm:fillClrLst meth="repeat">
-      <a:schemeClr val="accent1"/>
-    </dgm:fillClrLst>
-    <dgm:linClrLst meth="repeat">
-      <a:schemeClr val="accent1">
-        <a:shade val="80000"/>
-      </a:schemeClr>
-    </dgm:linClrLst>
-    <dgm:effectClrLst/>
-    <dgm:txLinClrLst/>
-    <dgm:txFillClrLst meth="repeat">
-      <a:schemeClr val="tx1"/>
-    </dgm:txFillClrLst>
-    <dgm:txEffectClrLst/>
-  </dgm:styleLbl>
-  <dgm:styleLbl name="parChTrans1D4">
-    <dgm:fillClrLst meth="repeat">
-      <a:schemeClr val="accent1"/>
-    </dgm:fillClrLst>
-    <dgm:linClrLst meth="repeat">
-      <a:schemeClr val="accent1">
-        <a:shade val="80000"/>
-      </a:schemeClr>
-    </dgm:linClrLst>
-    <dgm:effectClrLst/>
-    <dgm:txLinClrLst/>
-    <dgm:txFillClrLst meth="repeat">
-      <a:schemeClr val="tx1"/>
-    </dgm:txFillClrLst>
-    <dgm:txEffectClrLst/>
-  </dgm:styleLbl>
-  <dgm:styleLbl name="fgAcc1">
-    <dgm:fillClrLst meth="repeat">
-      <a:schemeClr val="accent1">
-        <a:alpha val="90000"/>
-        <a:tint val="40000"/>
-      </a:schemeClr>
-    </dgm:fillClrLst>
-    <dgm:linClrLst meth="repeat">
-      <a:schemeClr val="accent1"/>
-    </dgm:linClrLst>
-    <dgm:effectClrLst/>
-    <dgm:txLinClrLst/>
-    <dgm:txFillClrLst meth="repeat">
-      <a:schemeClr val="dk1"/>
-    </dgm:txFillClrLst>
-    <dgm:txEffectClrLst/>
-  </dgm:styleLbl>
-  <dgm:styleLbl name="conFgAcc1">
-    <dgm:fillClrLst meth="repeat">
-      <a:schemeClr val="accent1">
-        <a:alpha val="90000"/>
-        <a:tint val="40000"/>
-      </a:schemeClr>
-    </dgm:fillClrLst>
-    <dgm:linClrLst meth="repeat">
-      <a:schemeClr val="accent1"/>
-    </dgm:linClrLst>
-    <dgm:effectClrLst/>
-    <dgm:txLinClrLst/>
-    <dgm:txFillClrLst meth="repeat">
-      <a:schemeClr val="dk1"/>
-    </dgm:txFillClrLst>
-    <dgm:txEffectClrLst/>
-  </dgm:styleLbl>
-  <dgm:styleLbl name="alignAcc1">
-    <dgm:fillClrLst meth="repeat">
-      <a:schemeClr val="accent1">
-        <a:alpha val="90000"/>
-        <a:tint val="40000"/>
-      </a:schemeClr>
-    </dgm:fillClrLst>
-    <dgm:linClrLst meth="repeat">
-      <a:schemeClr val="accent1"/>
-    </dgm:linClrLst>
-    <dgm:effectClrLst/>
-    <dgm:txLinClrLst/>
-    <dgm:txFillClrLst meth="repeat">
-      <a:schemeClr val="dk1"/>
-    </dgm:txFillClrLst>
-    <dgm:txEffectClrLst/>
-  </dgm:styleLbl>
-  <dgm:styleLbl name="trAlignAcc1">
-    <dgm:fillClrLst meth="repeat">
-      <a:schemeClr val="accent1">
-        <a:alpha val="40000"/>
-        <a:tint val="40000"/>
-      </a:schemeClr>
-    </dgm:fillClrLst>
-    <dgm:linClrLst meth="repeat">
-      <a:schemeClr val="accent1"/>
-    </dgm:linClrLst>
-    <dgm:effectClrLst/>
-    <dgm:txLinClrLst/>
-    <dgm:txFillClrLst meth="repeat">
-      <a:schemeClr val="dk1"/>
-    </dgm:txFillClrLst>
-    <dgm:txEffectClrLst/>
-  </dgm:styleLbl>
-  <dgm:styleLbl name="bgAcc1">
-    <dgm:fillClrLst meth="repeat">
-      <a:schemeClr val="accent1">
-        <a:alpha val="90000"/>
-        <a:tint val="40000"/>
-      </a:schemeClr>
-    </dgm:fillClrLst>
-    <dgm:linClrLst meth="repeat">
-      <a:schemeClr val="accent1"/>
-    </dgm:linClrLst>
-    <dgm:effectClrLst/>
-    <dgm:txLinClrLst/>
-    <dgm:txFillClrLst meth="repeat">
-      <a:schemeClr val="dk1"/>
-    </dgm:txFillClrLst>
-    <dgm:txEffectClrLst/>
-  </dgm:styleLbl>
-  <dgm:styleLbl name="solidFgAcc1">
-    <dgm:fillClrLst meth="repeat">
-      <a:schemeClr val="lt1"/>
-    </dgm:fillClrLst>
-    <dgm:linClrLst meth="repeat">
-      <a:schemeClr val="accent1"/>
-    </dgm:linClrLst>
-    <dgm:effectClrLst/>
-    <dgm:txLinClrLst/>
-    <dgm:txFillClrLst meth="repeat">
-      <a:schemeClr val="dk1"/>
-    </dgm:txFillClrLst>
-    <dgm:txEffectClrLst/>
-  </dgm:styleLbl>
-  <dgm:styleLbl name="solidAlignAcc1">
-    <dgm:fillClrLst meth="repeat">
-      <a:schemeClr val="lt1"/>
-    </dgm:fillClrLst>
-    <dgm:linClrLst meth="repeat">
-      <a:schemeClr val="accent1"/>
-    </dgm:linClrLst>
-    <dgm:effectClrLst/>
-    <dgm:txLinClrLst/>
-    <dgm:txFillClrLst meth="repeat">
-      <a:schemeClr val="dk1"/>
-    </dgm:txFillClrLst>
-    <dgm:txEffectClrLst/>
-  </dgm:styleLbl>
-  <dgm:styleLbl name="solidBgAcc1">
-    <dgm:fillClrLst meth="repeat">
-      <a:schemeClr val="lt1"/>
-    </dgm:fillClrLst>
-    <dgm:linClrLst meth="repeat">
-      <a:schemeClr val="accent1"/>
-    </dgm:linClrLst>
-    <dgm:effectClrLst/>
-    <dgm:txLinClrLst/>
-    <dgm:txFillClrLst meth="repeat">
-      <a:schemeClr val="dk1"/>
-    </dgm:txFillClrLst>
-    <dgm:txEffectClrLst/>
-  </dgm:styleLbl>
-  <dgm:styleLbl name="fgAccFollowNode1">
-    <dgm:fillClrLst meth="repeat">
-      <a:schemeClr val="lt1">
-        <a:alpha val="90000"/>
-        <a:tint val="40000"/>
-      </a:schemeClr>
-    </dgm:fillClrLst>
-    <dgm:linClrLst meth="repeat">
-      <a:schemeClr val="accent1">
-        <a:alpha val="90000"/>
-      </a:schemeClr>
-    </dgm:linClrLst>
-    <dgm:effectClrLst/>
-    <dgm:txLinClrLst/>
-    <dgm:txFillClrLst meth="repeat">
-      <a:schemeClr val="dk1"/>
-    </dgm:txFillClrLst>
-    <dgm:txEffectClrLst/>
-  </dgm:styleLbl>
-  <dgm:styleLbl name="alignAccFollowNode1">
-    <dgm:fillClrLst meth="repeat">
-      <a:schemeClr val="lt1">
-        <a:alpha val="90000"/>
-        <a:tint val="40000"/>
-      </a:schemeClr>
-    </dgm:fillClrLst>
-    <dgm:linClrLst meth="repeat">
-      <a:schemeClr val="accent1">
-        <a:alpha val="90000"/>
-      </a:schemeClr>
-    </dgm:linClrLst>
-    <dgm:effectClrLst/>
-    <dgm:txLinClrLst/>
-    <dgm:txFillClrLst meth="repeat">
-      <a:schemeClr val="dk1"/>
-    </dgm:txFillClrLst>
-    <dgm:txEffectClrLst/>
-  </dgm:styleLbl>
-  <dgm:styleLbl name="bgAccFollowNode1">
-    <dgm:fillClrLst meth="repeat">
-      <a:schemeClr val="lt1">
-        <a:alpha val="90000"/>
-        <a:tint val="40000"/>
-      </a:schemeClr>
-    </dgm:fillClrLst>
-    <dgm:linClrLst meth="repeat">
-      <a:schemeClr val="accent1">
-        <a:alpha val="90000"/>
-      </a:schemeClr>
-    </dgm:linClrLst>
-    <dgm:effectClrLst/>
-    <dgm:txLinClrLst/>
-    <dgm:txFillClrLst meth="repeat">
-      <a:schemeClr val="dk1"/>
-    </dgm:txFillClrLst>
-    <dgm:txEffectClrLst/>
-  </dgm:styleLbl>
-  <dgm:styleLbl name="fgAcc0">
-    <dgm:fillClrLst meth="repeat">
-      <a:schemeClr val="accent1">
-        <a:alpha val="90000"/>
-        <a:tint val="40000"/>
-      </a:schemeClr>
-    </dgm:fillClrLst>
-    <dgm:linClrLst meth="repeat">
-      <a:schemeClr val="accent1"/>
-    </dgm:linClrLst>
-    <dgm:effectClrLst/>
-    <dgm:txLinClrLst/>
-    <dgm:txFillClrLst meth="repeat">
-      <a:schemeClr val="dk1"/>
-    </dgm:txFillClrLst>
-    <dgm:txEffectClrLst/>
-  </dgm:styleLbl>
-  <dgm:styleLbl name="fgAcc2">
-    <dgm:fillClrLst meth="repeat">
-      <a:schemeClr val="accent1">
-        <a:alpha val="90000"/>
-        <a:tint val="40000"/>
-      </a:schemeClr>
-    </dgm:fillClrLst>
-    <dgm:linClrLst meth="repeat">
-      <a:schemeClr val="accent1"/>
-    </dgm:linClrLst>
-    <dgm:effectClrLst/>
-    <dgm:txLinClrLst/>
-    <dgm:txFillClrLst meth="repeat">
-      <a:schemeClr val="dk1"/>
-    </dgm:txFillClrLst>
-    <dgm:txEffectClrLst/>
-  </dgm:styleLbl>
-  <dgm:styleLbl name="fgAcc3">
-    <dgm:fillClrLst meth="repeat">
-      <a:schemeClr val="accent1">
-        <a:alpha val="90000"/>
-        <a:tint val="40000"/>
-      </a:schemeClr>
-    </dgm:fillClrLst>
-    <dgm:linClrLst meth="repeat">
-      <a:schemeClr val="accent1"/>
-    </dgm:linClrLst>
-    <dgm:effectClrLst/>
-    <dgm:txLinClrLst/>
-    <dgm:txFillClrLst meth="repeat">
-      <a:schemeClr val="dk1"/>
-    </dgm:txFillClrLst>
-    <dgm:txEffectClrLst/>
-  </dgm:styleLbl>
-  <dgm:styleLbl name="fgAcc4">
-    <dgm:fillClrLst meth="repeat">
-      <a:schemeClr val="accent1">
-        <a:alpha val="90000"/>
-        <a:tint val="40000"/>
-      </a:schemeClr>
-    </dgm:fillClrLst>
-    <dgm:linClrLst meth="repeat">
-      <a:schemeClr val="accent1"/>
-    </dgm:linClrLst>
-    <dgm:effectClrLst/>
-    <dgm:txLinClrLst/>
-    <dgm:txFillClrLst meth="repeat">
-      <a:schemeClr val="dk1"/>
-    </dgm:txFillClrLst>
-    <dgm:txEffectClrLst/>
-  </dgm:styleLbl>
-  <dgm:styleLbl name="bgShp">
-    <dgm:fillClrLst meth="repeat">
-      <a:schemeClr val="accent1">
-        <a:tint val="40000"/>
-      </a:schemeClr>
-    </dgm:fillClrLst>
-    <dgm:linClrLst meth="repeat">
-      <a:schemeClr val="accent1"/>
-    </dgm:linClrLst>
-    <dgm:effectClrLst/>
-    <dgm:txLinClrLst/>
-    <dgm:txFillClrLst meth="repeat">
-      <a:schemeClr val="dk1"/>
-    </dgm:txFillClrLst>
-    <dgm:txEffectClrLst/>
-  </dgm:styleLbl>
-  <dgm:styleLbl name="dkBgShp">
-    <dgm:fillClrLst meth="repeat">
-      <a:schemeClr val="accent1">
-        <a:shade val="80000"/>
-      </a:schemeClr>
-    </dgm:fillClrLst>
-    <dgm:linClrLst meth="repeat">
-      <a:schemeClr val="accent1"/>
-    </dgm:linClrLst>
-    <dgm:effectClrLst/>
-    <dgm:txLinClrLst/>
-    <dgm:txFillClrLst meth="repeat">
-      <a:schemeClr val="lt1"/>
-    </dgm:txFillClrLst>
-    <dgm:txEffectClrLst/>
-  </dgm:styleLbl>
-  <dgm:styleLbl name="trBgShp">
-    <dgm:fillClrLst meth="repeat">
-      <a:schemeClr val="accent1">
-        <a:tint val="50000"/>
-        <a:alpha val="40000"/>
-      </a:schemeClr>
-    </dgm:fillClrLst>
-    <dgm:linClrLst meth="repeat">
-      <a:schemeClr val="accent1"/>
-    </dgm:linClrLst>
-    <dgm:effectClrLst/>
-    <dgm:txLinClrLst/>
-    <dgm:txFillClrLst meth="repeat">
-      <a:schemeClr val="lt1"/>
-    </dgm:txFillClrLst>
-    <dgm:txEffectClrLst/>
-  </dgm:styleLbl>
-  <dgm:styleLbl name="fgShp">
-    <dgm:fillClrLst meth="repeat">
-      <a:schemeClr val="accent1">
-        <a:tint val="60000"/>
-      </a:schemeClr>
-    </dgm:fillClrLst>
-    <dgm:linClrLst meth="repeat">
-      <a:schemeClr val="lt1"/>
-    </dgm:linClrLst>
-    <dgm:effectClrLst/>
-    <dgm:txLinClrLst/>
-    <dgm:txFillClrLst meth="repeat">
-      <a:schemeClr val="dk1"/>
-    </dgm:txFillClrLst>
-    <dgm:txEffectClrLst/>
-  </dgm:styleLbl>
-  <dgm:styleLbl name="revTx">
-    <dgm:fillClrLst meth="repeat">
-      <a:schemeClr val="lt1">
-        <a:alpha val="0"/>
-      </a:schemeClr>
-    </dgm:fillClrLst>
-    <dgm:linClrLst meth="repeat">
-      <a:schemeClr val="dk1">
-        <a:alpha val="0"/>
-      </a:schemeClr>
-    </dgm:linClrLst>
-    <dgm:effectClrLst/>
-    <dgm:txLinClrLst/>
-    <dgm:txFillClrLst meth="repeat">
-      <a:schemeClr val="tx1"/>
-    </dgm:txFillClrLst>
-    <dgm:txEffectClrLst/>
-  </dgm:styleLbl>
-</dgm:colorsDef>
-</file>
-
-<file path=ppt/diagrams/data1.xml><?xml version="1.0" encoding="utf-8"?>
-<dgm:dataModel xmlns:dgm="http://schemas.openxmlformats.org/drawingml/2006/diagram" xmlns:a="http://schemas.openxmlformats.org/drawingml/2006/main">
-  <dgm:ptLst>
-    <dgm:pt modelId="{2EFB202A-8611-4DDC-831D-D12EB67B6CF7}" type="doc">
-      <dgm:prSet loTypeId="urn:microsoft.com/office/officeart/2005/8/layout/process4" loCatId="process" qsTypeId="urn:microsoft.com/office/officeart/2005/8/quickstyle/simple4" qsCatId="simple" csTypeId="urn:microsoft.com/office/officeart/2005/8/colors/accent1_1" csCatId="accent1" phldr="1"/>
-      <dgm:spPr/>
-      <dgm:t>
-        <a:bodyPr/>
-        <a:lstStyle/>
-        <a:p>
-          <a:endParaRPr lang="en-US"/>
-        </a:p>
-      </dgm:t>
-    </dgm:pt>
-    <dgm:pt modelId="{11888A7B-1E89-45E6-84F4-EF92B26189CD}">
-      <dgm:prSet phldrT="[Text]"/>
-      <dgm:spPr/>
-      <dgm:t>
-        <a:bodyPr/>
-        <a:lstStyle/>
-        <a:p>
-          <a:r>
-            <a:rPr lang="en-US" dirty="0"/>
-            <a:t>Step 1 Title</a:t>
-          </a:r>
-        </a:p>
-      </dgm:t>
-    </dgm:pt>
-    <dgm:pt modelId="{6043087E-917B-44BC-97F8-41385FD50DC3}" type="parTrans" cxnId="{5376348D-4465-4E2E-9DB8-EA1F5276717B}">
-      <dgm:prSet/>
-      <dgm:spPr/>
-      <dgm:t>
-        <a:bodyPr/>
-        <a:lstStyle/>
-        <a:p>
-          <a:endParaRPr lang="en-US"/>
-        </a:p>
-      </dgm:t>
-    </dgm:pt>
-    <dgm:pt modelId="{438F37F5-E676-4BB5-A241-95D895E1B43F}" type="sibTrans" cxnId="{5376348D-4465-4E2E-9DB8-EA1F5276717B}">
-      <dgm:prSet/>
-      <dgm:spPr/>
-      <dgm:t>
-        <a:bodyPr/>
-        <a:lstStyle/>
-        <a:p>
-          <a:endParaRPr lang="en-US"/>
-        </a:p>
-      </dgm:t>
-    </dgm:pt>
-    <dgm:pt modelId="{712EDDD5-F1C9-457B-A81D-F94868058B44}">
-      <dgm:prSet phldrT="[Text]"/>
-      <dgm:spPr/>
-      <dgm:t>
-        <a:bodyPr/>
-        <a:lstStyle/>
-        <a:p>
-          <a:r>
-            <a:rPr lang="en-US" dirty="0"/>
-            <a:t>Step 2 Title</a:t>
-          </a:r>
-        </a:p>
-      </dgm:t>
-    </dgm:pt>
-    <dgm:pt modelId="{5E2CC1CB-7E12-4298-9BE5-B8F6683E4161}" type="parTrans" cxnId="{392AE56A-6939-469F-BFEC-2DEEC6ABC100}">
-      <dgm:prSet/>
-      <dgm:spPr/>
-      <dgm:t>
-        <a:bodyPr/>
-        <a:lstStyle/>
-        <a:p>
-          <a:endParaRPr lang="en-US"/>
-        </a:p>
-      </dgm:t>
-    </dgm:pt>
-    <dgm:pt modelId="{630DB5C2-135D-425B-B7D5-1F5FFE12BF3B}" type="sibTrans" cxnId="{392AE56A-6939-469F-BFEC-2DEEC6ABC100}">
-      <dgm:prSet/>
-      <dgm:spPr/>
-      <dgm:t>
-        <a:bodyPr/>
-        <a:lstStyle/>
-        <a:p>
-          <a:endParaRPr lang="en-US"/>
-        </a:p>
-      </dgm:t>
-    </dgm:pt>
-    <dgm:pt modelId="{356F6FEF-38C8-437A-8562-86A5ED3F5885}">
-      <dgm:prSet phldrT="[Text]"/>
-      <dgm:spPr/>
-      <dgm:t>
-        <a:bodyPr/>
-        <a:lstStyle/>
-        <a:p>
-          <a:r>
-            <a:rPr lang="en-US" dirty="0"/>
-            <a:t>Step 3 Title</a:t>
-          </a:r>
-        </a:p>
-      </dgm:t>
-    </dgm:pt>
-    <dgm:pt modelId="{BD9B34C9-939F-47F5-A040-1B30C9EEA310}" type="parTrans" cxnId="{8247D1A2-555D-4B39-B44D-5F2B5AE64242}">
-      <dgm:prSet/>
-      <dgm:spPr/>
-      <dgm:t>
-        <a:bodyPr/>
-        <a:lstStyle/>
-        <a:p>
-          <a:endParaRPr lang="en-US"/>
-        </a:p>
-      </dgm:t>
-    </dgm:pt>
-    <dgm:pt modelId="{665399A3-A410-4656-8F7E-3FAB641DE891}" type="sibTrans" cxnId="{8247D1A2-555D-4B39-B44D-5F2B5AE64242}">
-      <dgm:prSet/>
-      <dgm:spPr/>
-      <dgm:t>
-        <a:bodyPr/>
-        <a:lstStyle/>
-        <a:p>
-          <a:endParaRPr lang="en-US"/>
-        </a:p>
-      </dgm:t>
-    </dgm:pt>
-    <dgm:pt modelId="{640CA9BD-09C1-4472-8DAC-0F150EC5E678}">
-      <dgm:prSet phldrT="[Text]"/>
-      <dgm:spPr/>
-      <dgm:t>
-        <a:bodyPr/>
-        <a:lstStyle/>
-        <a:p>
-          <a:r>
-            <a:rPr lang="en-US" dirty="0"/>
-            <a:t>Step 4 Title</a:t>
-          </a:r>
-        </a:p>
-      </dgm:t>
-    </dgm:pt>
-    <dgm:pt modelId="{90609DF7-843B-4BEF-A3B5-89270E6B0951}" type="parTrans" cxnId="{957C551D-31A8-4286-A3AE-C5928DB663CE}">
-      <dgm:prSet/>
-      <dgm:spPr/>
-      <dgm:t>
-        <a:bodyPr/>
-        <a:lstStyle/>
-        <a:p>
-          <a:endParaRPr lang="en-US"/>
-        </a:p>
-      </dgm:t>
-    </dgm:pt>
-    <dgm:pt modelId="{67B503AA-82FD-4AA4-8357-3D8B59D6160B}" type="sibTrans" cxnId="{957C551D-31A8-4286-A3AE-C5928DB663CE}">
-      <dgm:prSet/>
-      <dgm:spPr/>
-      <dgm:t>
-        <a:bodyPr/>
-        <a:lstStyle/>
-        <a:p>
-          <a:endParaRPr lang="en-US"/>
-        </a:p>
-      </dgm:t>
-    </dgm:pt>
-    <dgm:pt modelId="{812F39FC-2D1E-4DD1-A1A6-C7F9287A4AAB}" type="pres">
-      <dgm:prSet presAssocID="{2EFB202A-8611-4DDC-831D-D12EB67B6CF7}" presName="Name0" presStyleCnt="0">
-        <dgm:presLayoutVars>
-          <dgm:dir/>
-          <dgm:animLvl val="lvl"/>
-          <dgm:resizeHandles val="exact"/>
-        </dgm:presLayoutVars>
-      </dgm:prSet>
-      <dgm:spPr/>
-    </dgm:pt>
-    <dgm:pt modelId="{C1682CE3-81F4-4BEA-B13D-10C7017D8387}" type="pres">
-      <dgm:prSet presAssocID="{640CA9BD-09C1-4472-8DAC-0F150EC5E678}" presName="boxAndChildren" presStyleCnt="0"/>
-      <dgm:spPr/>
-    </dgm:pt>
-    <dgm:pt modelId="{325B9957-E809-4285-A870-20AA1AEAA8D7}" type="pres">
-      <dgm:prSet presAssocID="{640CA9BD-09C1-4472-8DAC-0F150EC5E678}" presName="parentTextBox" presStyleLbl="node1" presStyleIdx="0" presStyleCnt="4"/>
-      <dgm:spPr/>
-    </dgm:pt>
-    <dgm:pt modelId="{2AB5853F-AA77-4431-82DF-105CEB2E1424}" type="pres">
-      <dgm:prSet presAssocID="{665399A3-A410-4656-8F7E-3FAB641DE891}" presName="sp" presStyleCnt="0"/>
-      <dgm:spPr/>
-    </dgm:pt>
-    <dgm:pt modelId="{EC667030-4855-4843-9717-7DF08446AEB5}" type="pres">
-      <dgm:prSet presAssocID="{356F6FEF-38C8-437A-8562-86A5ED3F5885}" presName="arrowAndChildren" presStyleCnt="0"/>
-      <dgm:spPr/>
-    </dgm:pt>
-    <dgm:pt modelId="{C830B7C4-5210-41AC-A88B-BECF7607C1E5}" type="pres">
-      <dgm:prSet presAssocID="{356F6FEF-38C8-437A-8562-86A5ED3F5885}" presName="parentTextArrow" presStyleLbl="node1" presStyleIdx="1" presStyleCnt="4"/>
-      <dgm:spPr/>
-    </dgm:pt>
-    <dgm:pt modelId="{7FB80134-CA62-4591-A6BE-C119FEAC14B6}" type="pres">
-      <dgm:prSet presAssocID="{630DB5C2-135D-425B-B7D5-1F5FFE12BF3B}" presName="sp" presStyleCnt="0"/>
-      <dgm:spPr/>
-    </dgm:pt>
-    <dgm:pt modelId="{C4866045-B43B-429F-851C-E58098BA6DB8}" type="pres">
-      <dgm:prSet presAssocID="{712EDDD5-F1C9-457B-A81D-F94868058B44}" presName="arrowAndChildren" presStyleCnt="0"/>
-      <dgm:spPr/>
-    </dgm:pt>
-    <dgm:pt modelId="{D5473CBC-EEC3-408A-B4A6-07882F253A8B}" type="pres">
-      <dgm:prSet presAssocID="{712EDDD5-F1C9-457B-A81D-F94868058B44}" presName="parentTextArrow" presStyleLbl="node1" presStyleIdx="2" presStyleCnt="4"/>
-      <dgm:spPr/>
-    </dgm:pt>
-    <dgm:pt modelId="{FE4F3FD3-FEDA-44E5-9944-1FF6BBD0F9E2}" type="pres">
-      <dgm:prSet presAssocID="{438F37F5-E676-4BB5-A241-95D895E1B43F}" presName="sp" presStyleCnt="0"/>
-      <dgm:spPr/>
-    </dgm:pt>
-    <dgm:pt modelId="{1C274FFF-1754-4900-887F-DFF5156E0B8D}" type="pres">
-      <dgm:prSet presAssocID="{11888A7B-1E89-45E6-84F4-EF92B26189CD}" presName="arrowAndChildren" presStyleCnt="0"/>
-      <dgm:spPr/>
-    </dgm:pt>
-    <dgm:pt modelId="{32FA43B7-34B4-4881-9A79-E3EDEC9D4CBF}" type="pres">
-      <dgm:prSet presAssocID="{11888A7B-1E89-45E6-84F4-EF92B26189CD}" presName="parentTextArrow" presStyleLbl="node1" presStyleIdx="3" presStyleCnt="4"/>
-      <dgm:spPr/>
-    </dgm:pt>
-  </dgm:ptLst>
-  <dgm:cxnLst>
-    <dgm:cxn modelId="{79EE9E02-BFF5-41D3-86F8-33470970BFCE}" type="presOf" srcId="{2EFB202A-8611-4DDC-831D-D12EB67B6CF7}" destId="{812F39FC-2D1E-4DD1-A1A6-C7F9287A4AAB}" srcOrd="0" destOrd="0" presId="urn:microsoft.com/office/officeart/2005/8/layout/process4"/>
-    <dgm:cxn modelId="{957C551D-31A8-4286-A3AE-C5928DB663CE}" srcId="{2EFB202A-8611-4DDC-831D-D12EB67B6CF7}" destId="{640CA9BD-09C1-4472-8DAC-0F150EC5E678}" srcOrd="3" destOrd="0" parTransId="{90609DF7-843B-4BEF-A3B5-89270E6B0951}" sibTransId="{67B503AA-82FD-4AA4-8357-3D8B59D6160B}"/>
-    <dgm:cxn modelId="{B2E3875C-D3F8-41A4-A6EA-DD49F61576A0}" type="presOf" srcId="{11888A7B-1E89-45E6-84F4-EF92B26189CD}" destId="{32FA43B7-34B4-4881-9A79-E3EDEC9D4CBF}" srcOrd="0" destOrd="0" presId="urn:microsoft.com/office/officeart/2005/8/layout/process4"/>
-    <dgm:cxn modelId="{AAE8F060-3E29-4C68-9A74-089916E04D67}" type="presOf" srcId="{356F6FEF-38C8-437A-8562-86A5ED3F5885}" destId="{C830B7C4-5210-41AC-A88B-BECF7607C1E5}" srcOrd="0" destOrd="0" presId="urn:microsoft.com/office/officeart/2005/8/layout/process4"/>
-    <dgm:cxn modelId="{392AE56A-6939-469F-BFEC-2DEEC6ABC100}" srcId="{2EFB202A-8611-4DDC-831D-D12EB67B6CF7}" destId="{712EDDD5-F1C9-457B-A81D-F94868058B44}" srcOrd="1" destOrd="0" parTransId="{5E2CC1CB-7E12-4298-9BE5-B8F6683E4161}" sibTransId="{630DB5C2-135D-425B-B7D5-1F5FFE12BF3B}"/>
-    <dgm:cxn modelId="{4D111F6B-0B5C-40A7-BA86-973E36B2D8F2}" type="presOf" srcId="{712EDDD5-F1C9-457B-A81D-F94868058B44}" destId="{D5473CBC-EEC3-408A-B4A6-07882F253A8B}" srcOrd="0" destOrd="0" presId="urn:microsoft.com/office/officeart/2005/8/layout/process4"/>
-    <dgm:cxn modelId="{67067571-6170-41AF-87A3-FB3B609D9CEA}" type="presOf" srcId="{640CA9BD-09C1-4472-8DAC-0F150EC5E678}" destId="{325B9957-E809-4285-A870-20AA1AEAA8D7}" srcOrd="0" destOrd="0" presId="urn:microsoft.com/office/officeart/2005/8/layout/process4"/>
-    <dgm:cxn modelId="{5376348D-4465-4E2E-9DB8-EA1F5276717B}" srcId="{2EFB202A-8611-4DDC-831D-D12EB67B6CF7}" destId="{11888A7B-1E89-45E6-84F4-EF92B26189CD}" srcOrd="0" destOrd="0" parTransId="{6043087E-917B-44BC-97F8-41385FD50DC3}" sibTransId="{438F37F5-E676-4BB5-A241-95D895E1B43F}"/>
-    <dgm:cxn modelId="{8247D1A2-555D-4B39-B44D-5F2B5AE64242}" srcId="{2EFB202A-8611-4DDC-831D-D12EB67B6CF7}" destId="{356F6FEF-38C8-437A-8562-86A5ED3F5885}" srcOrd="2" destOrd="0" parTransId="{BD9B34C9-939F-47F5-A040-1B30C9EEA310}" sibTransId="{665399A3-A410-4656-8F7E-3FAB641DE891}"/>
-    <dgm:cxn modelId="{5678914C-8F14-4F79-9116-C33CBC8B70E7}" type="presParOf" srcId="{812F39FC-2D1E-4DD1-A1A6-C7F9287A4AAB}" destId="{C1682CE3-81F4-4BEA-B13D-10C7017D8387}" srcOrd="0" destOrd="0" presId="urn:microsoft.com/office/officeart/2005/8/layout/process4"/>
-    <dgm:cxn modelId="{B75DEEE2-790E-400B-832F-7C2526EFEEFC}" type="presParOf" srcId="{C1682CE3-81F4-4BEA-B13D-10C7017D8387}" destId="{325B9957-E809-4285-A870-20AA1AEAA8D7}" srcOrd="0" destOrd="0" presId="urn:microsoft.com/office/officeart/2005/8/layout/process4"/>
-    <dgm:cxn modelId="{6FA0FB88-FED5-4DA9-8FB7-49F6DEA20B1D}" type="presParOf" srcId="{812F39FC-2D1E-4DD1-A1A6-C7F9287A4AAB}" destId="{2AB5853F-AA77-4431-82DF-105CEB2E1424}" srcOrd="1" destOrd="0" presId="urn:microsoft.com/office/officeart/2005/8/layout/process4"/>
-    <dgm:cxn modelId="{52F7A226-0BC5-4418-B1BB-E2FD5547F031}" type="presParOf" srcId="{812F39FC-2D1E-4DD1-A1A6-C7F9287A4AAB}" destId="{EC667030-4855-4843-9717-7DF08446AEB5}" srcOrd="2" destOrd="0" presId="urn:microsoft.com/office/officeart/2005/8/layout/process4"/>
-    <dgm:cxn modelId="{B3DA9F18-ADDC-4C31-BFC3-7AFA3D398C18}" type="presParOf" srcId="{EC667030-4855-4843-9717-7DF08446AEB5}" destId="{C830B7C4-5210-41AC-A88B-BECF7607C1E5}" srcOrd="0" destOrd="0" presId="urn:microsoft.com/office/officeart/2005/8/layout/process4"/>
-    <dgm:cxn modelId="{6D5A561E-9AED-4BD0-B61C-B210C294197C}" type="presParOf" srcId="{812F39FC-2D1E-4DD1-A1A6-C7F9287A4AAB}" destId="{7FB80134-CA62-4591-A6BE-C119FEAC14B6}" srcOrd="3" destOrd="0" presId="urn:microsoft.com/office/officeart/2005/8/layout/process4"/>
-    <dgm:cxn modelId="{8AA3D574-35B2-4F26-9753-43647056D5BB}" type="presParOf" srcId="{812F39FC-2D1E-4DD1-A1A6-C7F9287A4AAB}" destId="{C4866045-B43B-429F-851C-E58098BA6DB8}" srcOrd="4" destOrd="0" presId="urn:microsoft.com/office/officeart/2005/8/layout/process4"/>
-    <dgm:cxn modelId="{8142E2F1-4232-4A86-BD16-A2EE21EFADF1}" type="presParOf" srcId="{C4866045-B43B-429F-851C-E58098BA6DB8}" destId="{D5473CBC-EEC3-408A-B4A6-07882F253A8B}" srcOrd="0" destOrd="0" presId="urn:microsoft.com/office/officeart/2005/8/layout/process4"/>
-    <dgm:cxn modelId="{F78D174D-E461-4213-AEEB-72932703ABFC}" type="presParOf" srcId="{812F39FC-2D1E-4DD1-A1A6-C7F9287A4AAB}" destId="{FE4F3FD3-FEDA-44E5-9944-1FF6BBD0F9E2}" srcOrd="5" destOrd="0" presId="urn:microsoft.com/office/officeart/2005/8/layout/process4"/>
-    <dgm:cxn modelId="{D11F7181-D05C-4ACC-A34B-6E9511FBE167}" type="presParOf" srcId="{812F39FC-2D1E-4DD1-A1A6-C7F9287A4AAB}" destId="{1C274FFF-1754-4900-887F-DFF5156E0B8D}" srcOrd="6" destOrd="0" presId="urn:microsoft.com/office/officeart/2005/8/layout/process4"/>
-    <dgm:cxn modelId="{36469A82-1901-415F-8126-6D77E61422EC}" type="presParOf" srcId="{1C274FFF-1754-4900-887F-DFF5156E0B8D}" destId="{32FA43B7-34B4-4881-9A79-E3EDEC9D4CBF}" srcOrd="0" destOrd="0" presId="urn:microsoft.com/office/officeart/2005/8/layout/process4"/>
-  </dgm:cxnLst>
-  <dgm:bg/>
-  <dgm:whole/>
-  <dgm:extLst>
-    <a:ext uri="http://schemas.microsoft.com/office/drawing/2008/diagram">
-      <dsp:dataModelExt xmlns:dsp="http://schemas.microsoft.com/office/drawing/2008/diagram" relId="rId6" minVer="http://schemas.openxmlformats.org/drawingml/2006/diagram"/>
-    </a:ext>
-  </dgm:extLst>
-</dgm:dataModel>
-</file>
-
-<file path=ppt/diagrams/drawing1.xml><?xml version="1.0" encoding="utf-8"?>
-<dsp:drawing xmlns:dgm="http://schemas.openxmlformats.org/drawingml/2006/diagram" xmlns:dsp="http://schemas.microsoft.com/office/drawing/2008/diagram" xmlns:a="http://schemas.openxmlformats.org/drawingml/2006/main">
-  <dsp:spTree>
-    <dsp:nvGrpSpPr>
-      <dsp:cNvPr id="0" name=""/>
-      <dsp:cNvGrpSpPr/>
-    </dsp:nvGrpSpPr>
-    <dsp:grpSpPr/>
-    <dsp:sp modelId="{325B9957-E809-4285-A870-20AA1AEAA8D7}">
-      <dsp:nvSpPr>
-        <dsp:cNvPr id="0" name=""/>
-        <dsp:cNvSpPr/>
-      </dsp:nvSpPr>
-      <dsp:spPr>
-        <a:xfrm>
-          <a:off x="0" y="3569039"/>
-          <a:ext cx="5029199" cy="780818"/>
-        </a:xfrm>
-        <a:prstGeom prst="rect">
-          <a:avLst/>
-        </a:prstGeom>
-        <a:gradFill rotWithShape="0">
-          <a:gsLst>
-            <a:gs pos="0">
-              <a:schemeClr val="lt1">
-                <a:hueOff val="0"/>
-                <a:satOff val="0"/>
-                <a:lumOff val="0"/>
-                <a:alphaOff val="0"/>
-                <a:satMod val="103000"/>
-                <a:lumMod val="102000"/>
-                <a:tint val="94000"/>
-              </a:schemeClr>
-            </a:gs>
-            <a:gs pos="50000">
-              <a:schemeClr val="lt1">
-                <a:hueOff val="0"/>
-                <a:satOff val="0"/>
-                <a:lumOff val="0"/>
-                <a:alphaOff val="0"/>
-                <a:satMod val="110000"/>
-                <a:lumMod val="100000"/>
-                <a:shade val="100000"/>
-              </a:schemeClr>
-            </a:gs>
-            <a:gs pos="100000">
-              <a:schemeClr val="lt1">
-                <a:hueOff val="0"/>
-                <a:satOff val="0"/>
-                <a:lumOff val="0"/>
-                <a:alphaOff val="0"/>
-                <a:lumMod val="99000"/>
-                <a:satMod val="120000"/>
-                <a:shade val="78000"/>
-              </a:schemeClr>
-            </a:gs>
-          </a:gsLst>
-          <a:lin ang="5400000" scaled="0"/>
-        </a:gradFill>
-        <a:ln>
-          <a:noFill/>
-        </a:ln>
-        <a:effectLst/>
-      </dsp:spPr>
-      <dsp:style>
-        <a:lnRef idx="0">
-          <a:scrgbClr r="0" g="0" b="0"/>
-        </a:lnRef>
-        <a:fillRef idx="3">
-          <a:scrgbClr r="0" g="0" b="0"/>
-        </a:fillRef>
-        <a:effectRef idx="2">
-          <a:scrgbClr r="0" g="0" b="0"/>
-        </a:effectRef>
-        <a:fontRef idx="minor">
-          <a:schemeClr val="lt1"/>
-        </a:fontRef>
-      </dsp:style>
-      <dsp:txBody>
-        <a:bodyPr spcFirstLastPara="0" vert="horz" wrap="square" lIns="192024" tIns="192024" rIns="192024" bIns="192024" numCol="1" spcCol="1270" anchor="ctr" anchorCtr="0">
-          <a:noAutofit/>
-        </a:bodyPr>
-        <a:lstStyle/>
-        <a:p>
-          <a:pPr marL="0" lvl="0" indent="0" algn="ctr" defTabSz="1200150">
-            <a:lnSpc>
-              <a:spcPct val="90000"/>
-            </a:lnSpc>
-            <a:spcBef>
-              <a:spcPct val="0"/>
-            </a:spcBef>
-            <a:spcAft>
-              <a:spcPct val="35000"/>
-            </a:spcAft>
-            <a:buNone/>
-          </a:pPr>
-          <a:r>
-            <a:rPr lang="en-US" sz="2700" kern="1200" dirty="0"/>
-            <a:t>Step 4 Title</a:t>
-          </a:r>
-        </a:p>
-      </dsp:txBody>
-      <dsp:txXfrm>
-        <a:off x="0" y="3569039"/>
-        <a:ext cx="5029199" cy="780818"/>
-      </dsp:txXfrm>
-    </dsp:sp>
-    <dsp:sp modelId="{C830B7C4-5210-41AC-A88B-BECF7607C1E5}">
-      <dsp:nvSpPr>
-        <dsp:cNvPr id="0" name=""/>
-        <dsp:cNvSpPr/>
-      </dsp:nvSpPr>
-      <dsp:spPr>
-        <a:xfrm rot="10800000">
-          <a:off x="0" y="2379853"/>
-          <a:ext cx="5029199" cy="1200899"/>
-        </a:xfrm>
-        <a:prstGeom prst="upArrowCallout">
-          <a:avLst/>
-        </a:prstGeom>
-        <a:gradFill rotWithShape="0">
-          <a:gsLst>
-            <a:gs pos="0">
-              <a:schemeClr val="lt1">
-                <a:hueOff val="0"/>
-                <a:satOff val="0"/>
-                <a:lumOff val="0"/>
-                <a:alphaOff val="0"/>
-                <a:satMod val="103000"/>
-                <a:lumMod val="102000"/>
-                <a:tint val="94000"/>
-              </a:schemeClr>
-            </a:gs>
-            <a:gs pos="50000">
-              <a:schemeClr val="lt1">
-                <a:hueOff val="0"/>
-                <a:satOff val="0"/>
-                <a:lumOff val="0"/>
-                <a:alphaOff val="0"/>
-                <a:satMod val="110000"/>
-                <a:lumMod val="100000"/>
-                <a:shade val="100000"/>
-              </a:schemeClr>
-            </a:gs>
-            <a:gs pos="100000">
-              <a:schemeClr val="lt1">
-                <a:hueOff val="0"/>
-                <a:satOff val="0"/>
-                <a:lumOff val="0"/>
-                <a:alphaOff val="0"/>
-                <a:lumMod val="99000"/>
-                <a:satMod val="120000"/>
-                <a:shade val="78000"/>
-              </a:schemeClr>
-            </a:gs>
-          </a:gsLst>
-          <a:lin ang="5400000" scaled="0"/>
-        </a:gradFill>
-        <a:ln>
-          <a:noFill/>
-        </a:ln>
-        <a:effectLst/>
-      </dsp:spPr>
-      <dsp:style>
-        <a:lnRef idx="0">
-          <a:scrgbClr r="0" g="0" b="0"/>
-        </a:lnRef>
-        <a:fillRef idx="3">
-          <a:scrgbClr r="0" g="0" b="0"/>
-        </a:fillRef>
-        <a:effectRef idx="2">
-          <a:scrgbClr r="0" g="0" b="0"/>
-        </a:effectRef>
-        <a:fontRef idx="minor">
-          <a:schemeClr val="lt1"/>
-        </a:fontRef>
-      </dsp:style>
-      <dsp:txBody>
-        <a:bodyPr spcFirstLastPara="0" vert="horz" wrap="square" lIns="192024" tIns="192024" rIns="192024" bIns="192024" numCol="1" spcCol="1270" anchor="ctr" anchorCtr="0">
-          <a:noAutofit/>
-        </a:bodyPr>
-        <a:lstStyle/>
-        <a:p>
-          <a:pPr marL="0" lvl="0" indent="0" algn="ctr" defTabSz="1200150">
-            <a:lnSpc>
-              <a:spcPct val="90000"/>
-            </a:lnSpc>
-            <a:spcBef>
-              <a:spcPct val="0"/>
-            </a:spcBef>
-            <a:spcAft>
-              <a:spcPct val="35000"/>
-            </a:spcAft>
-            <a:buNone/>
-          </a:pPr>
-          <a:r>
-            <a:rPr lang="en-US" sz="2700" kern="1200" dirty="0"/>
-            <a:t>Step 3 Title</a:t>
-          </a:r>
-        </a:p>
-      </dsp:txBody>
-      <dsp:txXfrm rot="10800000">
-        <a:off x="0" y="2379853"/>
-        <a:ext cx="5029199" cy="780308"/>
-      </dsp:txXfrm>
-    </dsp:sp>
-    <dsp:sp modelId="{D5473CBC-EEC3-408A-B4A6-07882F253A8B}">
-      <dsp:nvSpPr>
-        <dsp:cNvPr id="0" name=""/>
-        <dsp:cNvSpPr/>
-      </dsp:nvSpPr>
-      <dsp:spPr>
-        <a:xfrm rot="10800000">
-          <a:off x="0" y="1190666"/>
-          <a:ext cx="5029199" cy="1200899"/>
-        </a:xfrm>
-        <a:prstGeom prst="upArrowCallout">
-          <a:avLst/>
-        </a:prstGeom>
-        <a:gradFill rotWithShape="0">
-          <a:gsLst>
-            <a:gs pos="0">
-              <a:schemeClr val="lt1">
-                <a:hueOff val="0"/>
-                <a:satOff val="0"/>
-                <a:lumOff val="0"/>
-                <a:alphaOff val="0"/>
-                <a:satMod val="103000"/>
-                <a:lumMod val="102000"/>
-                <a:tint val="94000"/>
-              </a:schemeClr>
-            </a:gs>
-            <a:gs pos="50000">
-              <a:schemeClr val="lt1">
-                <a:hueOff val="0"/>
-                <a:satOff val="0"/>
-                <a:lumOff val="0"/>
-                <a:alphaOff val="0"/>
-                <a:satMod val="110000"/>
-                <a:lumMod val="100000"/>
-                <a:shade val="100000"/>
-              </a:schemeClr>
-            </a:gs>
-            <a:gs pos="100000">
-              <a:schemeClr val="lt1">
-                <a:hueOff val="0"/>
-                <a:satOff val="0"/>
-                <a:lumOff val="0"/>
-                <a:alphaOff val="0"/>
-                <a:lumMod val="99000"/>
-                <a:satMod val="120000"/>
-                <a:shade val="78000"/>
-              </a:schemeClr>
-            </a:gs>
-          </a:gsLst>
-          <a:lin ang="5400000" scaled="0"/>
-        </a:gradFill>
-        <a:ln>
-          <a:noFill/>
-        </a:ln>
-        <a:effectLst/>
-      </dsp:spPr>
-      <dsp:style>
-        <a:lnRef idx="0">
-          <a:scrgbClr r="0" g="0" b="0"/>
-        </a:lnRef>
-        <a:fillRef idx="3">
-          <a:scrgbClr r="0" g="0" b="0"/>
-        </a:fillRef>
-        <a:effectRef idx="2">
-          <a:scrgbClr r="0" g="0" b="0"/>
-        </a:effectRef>
-        <a:fontRef idx="minor">
-          <a:schemeClr val="lt1"/>
-        </a:fontRef>
-      </dsp:style>
-      <dsp:txBody>
-        <a:bodyPr spcFirstLastPara="0" vert="horz" wrap="square" lIns="192024" tIns="192024" rIns="192024" bIns="192024" numCol="1" spcCol="1270" anchor="ctr" anchorCtr="0">
-          <a:noAutofit/>
-        </a:bodyPr>
-        <a:lstStyle/>
-        <a:p>
-          <a:pPr marL="0" lvl="0" indent="0" algn="ctr" defTabSz="1200150">
-            <a:lnSpc>
-              <a:spcPct val="90000"/>
-            </a:lnSpc>
-            <a:spcBef>
-              <a:spcPct val="0"/>
-            </a:spcBef>
-            <a:spcAft>
-              <a:spcPct val="35000"/>
-            </a:spcAft>
-            <a:buNone/>
-          </a:pPr>
-          <a:r>
-            <a:rPr lang="en-US" sz="2700" kern="1200" dirty="0"/>
-            <a:t>Step 2 Title</a:t>
-          </a:r>
-        </a:p>
-      </dsp:txBody>
-      <dsp:txXfrm rot="10800000">
-        <a:off x="0" y="1190666"/>
-        <a:ext cx="5029199" cy="780308"/>
-      </dsp:txXfrm>
-    </dsp:sp>
-    <dsp:sp modelId="{32FA43B7-34B4-4881-9A79-E3EDEC9D4CBF}">
-      <dsp:nvSpPr>
-        <dsp:cNvPr id="0" name=""/>
-        <dsp:cNvSpPr/>
-      </dsp:nvSpPr>
-      <dsp:spPr>
-        <a:xfrm rot="10800000">
-          <a:off x="0" y="1479"/>
-          <a:ext cx="5029199" cy="1200899"/>
-        </a:xfrm>
-        <a:prstGeom prst="upArrowCallout">
-          <a:avLst/>
-        </a:prstGeom>
-        <a:gradFill rotWithShape="0">
-          <a:gsLst>
-            <a:gs pos="0">
-              <a:schemeClr val="lt1">
-                <a:hueOff val="0"/>
-                <a:satOff val="0"/>
-                <a:lumOff val="0"/>
-                <a:alphaOff val="0"/>
-                <a:satMod val="103000"/>
-                <a:lumMod val="102000"/>
-                <a:tint val="94000"/>
-              </a:schemeClr>
-            </a:gs>
-            <a:gs pos="50000">
-              <a:schemeClr val="lt1">
-                <a:hueOff val="0"/>
-                <a:satOff val="0"/>
-                <a:lumOff val="0"/>
-                <a:alphaOff val="0"/>
-                <a:satMod val="110000"/>
-                <a:lumMod val="100000"/>
-                <a:shade val="100000"/>
-              </a:schemeClr>
-            </a:gs>
-            <a:gs pos="100000">
-              <a:schemeClr val="lt1">
-                <a:hueOff val="0"/>
-                <a:satOff val="0"/>
-                <a:lumOff val="0"/>
-                <a:alphaOff val="0"/>
-                <a:lumMod val="99000"/>
-                <a:satMod val="120000"/>
-                <a:shade val="78000"/>
-              </a:schemeClr>
-            </a:gs>
-          </a:gsLst>
-          <a:lin ang="5400000" scaled="0"/>
-        </a:gradFill>
-        <a:ln>
-          <a:noFill/>
-        </a:ln>
-        <a:effectLst/>
-      </dsp:spPr>
-      <dsp:style>
-        <a:lnRef idx="0">
-          <a:scrgbClr r="0" g="0" b="0"/>
-        </a:lnRef>
-        <a:fillRef idx="3">
-          <a:scrgbClr r="0" g="0" b="0"/>
-        </a:fillRef>
-        <a:effectRef idx="2">
-          <a:scrgbClr r="0" g="0" b="0"/>
-        </a:effectRef>
-        <a:fontRef idx="minor">
-          <a:schemeClr val="lt1"/>
-        </a:fontRef>
-      </dsp:style>
-      <dsp:txBody>
-        <a:bodyPr spcFirstLastPara="0" vert="horz" wrap="square" lIns="192024" tIns="192024" rIns="192024" bIns="192024" numCol="1" spcCol="1270" anchor="ctr" anchorCtr="0">
-          <a:noAutofit/>
-        </a:bodyPr>
-        <a:lstStyle/>
-        <a:p>
-          <a:pPr marL="0" lvl="0" indent="0" algn="ctr" defTabSz="1200150">
-            <a:lnSpc>
-              <a:spcPct val="90000"/>
-            </a:lnSpc>
-            <a:spcBef>
-              <a:spcPct val="0"/>
-            </a:spcBef>
-            <a:spcAft>
-              <a:spcPct val="35000"/>
-            </a:spcAft>
-            <a:buNone/>
-          </a:pPr>
-          <a:r>
-            <a:rPr lang="en-US" sz="2700" kern="1200" dirty="0"/>
-            <a:t>Step 1 Title</a:t>
-          </a:r>
-        </a:p>
-      </dsp:txBody>
-      <dsp:txXfrm rot="10800000">
-        <a:off x="0" y="1479"/>
-        <a:ext cx="5029199" cy="780308"/>
-      </dsp:txXfrm>
-    </dsp:sp>
-  </dsp:spTree>
-</dsp:drawing>
-</file>
-
-<file path=ppt/diagrams/layout1.xml><?xml version="1.0" encoding="utf-8"?>
-<dgm:layoutDef xmlns:dgm="http://schemas.openxmlformats.org/drawingml/2006/diagram" xmlns:a="http://schemas.openxmlformats.org/drawingml/2006/main" uniqueId="urn:microsoft.com/office/officeart/2005/8/layout/process4">
-  <dgm:title val=""/>
-  <dgm:desc val=""/>
-  <dgm:catLst>
-    <dgm:cat type="process" pri="16000"/>
-    <dgm:cat type="list" pri="20000"/>
-  </dgm:catLst>
-  <dgm:sampData>
-    <dgm:dataModel>
-      <dgm:ptLst>
-        <dgm:pt modelId="0" type="doc"/>
-        <dgm:pt modelId="1">
-          <dgm:prSet phldr="1"/>
-        </dgm:pt>
-        <dgm:pt modelId="11">
-          <dgm:prSet phldr="1"/>
-        </dgm:pt>
-        <dgm:pt modelId="12">
-          <dgm:prSet phldr="1"/>
-        </dgm:pt>
-        <dgm:pt modelId="2">
-          <dgm:prSet phldr="1"/>
-        </dgm:pt>
-        <dgm:pt modelId="21">
-          <dgm:prSet phldr="1"/>
-        </dgm:pt>
-        <dgm:pt modelId="22">
-          <dgm:prSet phldr="1"/>
-        </dgm:pt>
-        <dgm:pt modelId="3">
-          <dgm:prSet phldr="1"/>
-        </dgm:pt>
-        <dgm:pt modelId="31">
-          <dgm:prSet phldr="1"/>
-        </dgm:pt>
-        <dgm:pt modelId="32">
-          <dgm:prSet phldr="1"/>
-        </dgm:pt>
-      </dgm:ptLst>
-      <dgm:cxnLst>
-        <dgm:cxn modelId="4" srcId="0" destId="1" srcOrd="0" destOrd="0"/>
-        <dgm:cxn modelId="5" srcId="0" destId="2" srcOrd="1" destOrd="0"/>
-        <dgm:cxn modelId="6" srcId="0" destId="3" srcOrd="2" destOrd="0"/>
-        <dgm:cxn modelId="13" srcId="1" destId="11" srcOrd="0" destOrd="0"/>
-        <dgm:cxn modelId="14" srcId="1" destId="12" srcOrd="1" destOrd="0"/>
-        <dgm:cxn modelId="23" srcId="2" destId="21" srcOrd="0" destOrd="0"/>
-        <dgm:cxn modelId="24" srcId="2" destId="22" srcOrd="1" destOrd="0"/>
-        <dgm:cxn modelId="33" srcId="3" destId="31" srcOrd="0" destOrd="0"/>
-        <dgm:cxn modelId="34" srcId="3" destId="32" srcOrd="1" destOrd="0"/>
-      </dgm:cxnLst>
-      <dgm:bg/>
-      <dgm:whole/>
-    </dgm:dataModel>
-  </dgm:sampData>
-  <dgm:styleData>
-    <dgm:dataModel>
-      <dgm:ptLst>
-        <dgm:pt modelId="0" type="doc"/>
-        <dgm:pt modelId="1"/>
-        <dgm:pt modelId="11"/>
-        <dgm:pt modelId="2"/>
-        <dgm:pt modelId="21"/>
-      </dgm:ptLst>
-      <dgm:cxnLst>
-        <dgm:cxn modelId="4" srcId="0" destId="1" srcOrd="0" destOrd="0"/>
-        <dgm:cxn modelId="5" srcId="0" destId="2" srcOrd="1" destOrd="0"/>
-        <dgm:cxn modelId="13" srcId="1" destId="11" srcOrd="0" destOrd="0"/>
-        <dgm:cxn modelId="23" srcId="2" destId="21" srcOrd="0" destOrd="0"/>
-      </dgm:cxnLst>
-      <dgm:bg/>
-      <dgm:whole/>
-    </dgm:dataModel>
-  </dgm:styleData>
-  <dgm:clrData>
-    <dgm:dataModel>
-      <dgm:ptLst>
-        <dgm:pt modelId="0" type="doc"/>
-        <dgm:pt modelId="1"/>
-        <dgm:pt modelId="11"/>
-        <dgm:pt modelId="2"/>
-        <dgm:pt modelId="21"/>
-        <dgm:pt modelId="3"/>
-        <dgm:pt modelId="31"/>
-        <dgm:pt modelId="4"/>
-        <dgm:pt modelId="41"/>
-      </dgm:ptLst>
-      <dgm:cxnLst>
-        <dgm:cxn modelId="5" srcId="0" destId="1" srcOrd="0" destOrd="0"/>
-        <dgm:cxn modelId="6" srcId="0" destId="2" srcOrd="1" destOrd="0"/>
-        <dgm:cxn modelId="7" srcId="0" destId="3" srcOrd="2" destOrd="0"/>
-        <dgm:cxn modelId="8" srcId="0" destId="4" srcOrd="3" destOrd="0"/>
-        <dgm:cxn modelId="13" srcId="1" destId="11" srcOrd="0" destOrd="0"/>
-        <dgm:cxn modelId="23" srcId="2" destId="21" srcOrd="0" destOrd="0"/>
-        <dgm:cxn modelId="33" srcId="3" destId="31" srcOrd="0" destOrd="0"/>
-        <dgm:cxn modelId="43" srcId="4" destId="41" srcOrd="0" destOrd="0"/>
-      </dgm:cxnLst>
-      <dgm:bg/>
-      <dgm:whole/>
-    </dgm:dataModel>
-  </dgm:clrData>
-  <dgm:layoutNode name="Name0">
-    <dgm:varLst>
-      <dgm:dir/>
-      <dgm:animLvl val="lvl"/>
-      <dgm:resizeHandles val="exact"/>
-    </dgm:varLst>
-    <dgm:alg type="lin">
-      <dgm:param type="linDir" val="fromB"/>
-    </dgm:alg>
-    <dgm:shape xmlns:r="http://schemas.openxmlformats.org/officeDocument/2006/relationships" r:blip="">
-      <dgm:adjLst/>
-    </dgm:shape>
-    <dgm:presOf/>
-    <dgm:constrLst>
-      <dgm:constr type="h" for="ch" forName="boxAndChildren" refType="h"/>
-      <dgm:constr type="h" for="ch" forName="arrowAndChildren" refType="h" refFor="ch" refForName="boxAndChildren" op="equ" fact="1.538"/>
-      <dgm:constr type="w" for="ch" forName="arrowAndChildren" refType="w"/>
-      <dgm:constr type="w" for="ch" forName="boxAndChildren" refType="w"/>
-      <dgm:constr type="h" for="ch" forName="sp" refType="h" fact="-0.015"/>
-      <dgm:constr type="primFontSz" for="des" forName="parentTextBox" val="65"/>
-      <dgm:constr type="primFontSz" for="des" forName="parentTextArrow" refType="primFontSz" refFor="des" refForName="parentTextBox" op="equ"/>
-      <dgm:constr type="primFontSz" for="des" forName="childTextArrow" val="65"/>
-      <dgm:constr type="primFontSz" for="des" forName="childTextBox" refType="primFontSz" refFor="des" refForName="childTextArrow" op="equ"/>
-    </dgm:constrLst>
-    <dgm:ruleLst/>
-    <dgm:forEach name="Name1" axis="ch" ptType="node" st="-1" step="-1">
-      <dgm:choose name="Name2">
-        <dgm:if name="Name3" axis="self" ptType="node" func="revPos" op="equ" val="1">
-          <dgm:layoutNode name="boxAndChildren">
-            <dgm:alg type="composite"/>
-            <dgm:shape xmlns:r="http://schemas.openxmlformats.org/officeDocument/2006/relationships" r:blip="">
-              <dgm:adjLst/>
-            </dgm:shape>
-            <dgm:presOf/>
-            <dgm:choose name="Name4">
-              <dgm:if name="Name5" axis="ch" ptType="node" func="cnt" op="gte" val="1">
-                <dgm:constrLst>
-                  <dgm:constr type="w" for="ch" forName="parentTextBox" refType="w"/>
-                  <dgm:constr type="h" for="ch" forName="parentTextBox" refType="h" fact="0.54"/>
-                  <dgm:constr type="t" for="ch" forName="parentTextBox"/>
-                  <dgm:constr type="w" for="ch" forName="entireBox" refType="w"/>
-                  <dgm:constr type="h" for="ch" forName="entireBox" refType="h"/>
-                  <dgm:constr type="w" for="ch" forName="descendantBox" refType="w"/>
-                  <dgm:constr type="b" for="ch" forName="descendantBox" refType="h" fact="0.98"/>
-                  <dgm:constr type="h" for="ch" forName="descendantBox" refType="h" fact="0.46"/>
-                </dgm:constrLst>
-              </dgm:if>
-              <dgm:else name="Name6">
-                <dgm:constrLst>
-                  <dgm:constr type="w" for="ch" forName="parentTextBox" refType="w"/>
-                  <dgm:constr type="h" for="ch" forName="parentTextBox" refType="h"/>
-                </dgm:constrLst>
-              </dgm:else>
-            </dgm:choose>
-            <dgm:ruleLst/>
-            <dgm:layoutNode name="parentTextBox">
-              <dgm:alg type="tx"/>
-              <dgm:choose name="Name7">
-                <dgm:if name="Name8" axis="ch" ptType="node" func="cnt" op="gte" val="1">
-                  <dgm:shape xmlns:r="http://schemas.openxmlformats.org/officeDocument/2006/relationships" type="rect" r:blip="" zOrderOff="1" hideGeom="1">
-                    <dgm:adjLst/>
-                  </dgm:shape>
-                </dgm:if>
-                <dgm:else name="Name9">
-                  <dgm:shape xmlns:r="http://schemas.openxmlformats.org/officeDocument/2006/relationships" type="rect" r:blip="">
-                    <dgm:adjLst/>
-                  </dgm:shape>
-                </dgm:else>
-              </dgm:choose>
-              <dgm:presOf axis="self"/>
-              <dgm:constrLst/>
-              <dgm:ruleLst>
-                <dgm:rule type="primFontSz" val="5" fact="NaN" max="NaN"/>
-              </dgm:ruleLst>
-            </dgm:layoutNode>
-            <dgm:choose name="Name10">
-              <dgm:if name="Name11" axis="ch" ptType="node" func="cnt" op="gte" val="1">
-                <dgm:layoutNode name="entireBox">
-                  <dgm:alg type="sp"/>
-                  <dgm:shape xmlns:r="http://schemas.openxmlformats.org/officeDocument/2006/relationships" type="rect" r:blip="">
-                    <dgm:adjLst/>
-                  </dgm:shape>
-                  <dgm:presOf axis="self"/>
-                  <dgm:constrLst/>
-                  <dgm:ruleLst/>
-                </dgm:layoutNode>
-                <dgm:layoutNode name="descendantBox" styleLbl="fgAccFollowNode1">
-                  <dgm:choose name="Name12">
-                    <dgm:if name="Name13" func="var" arg="dir" op="equ" val="norm">
-                      <dgm:alg type="lin"/>
-                    </dgm:if>
-                    <dgm:else name="Name14">
-                      <dgm:alg type="lin">
-                        <dgm:param type="linDir" val="fromR"/>
-                      </dgm:alg>
-                    </dgm:else>
-                  </dgm:choose>
-                  <dgm:shape xmlns:r="http://schemas.openxmlformats.org/officeDocument/2006/relationships" r:blip="">
-                    <dgm:adjLst/>
-                  </dgm:shape>
-                  <dgm:presOf/>
-                  <dgm:constrLst>
-                    <dgm:constr type="w" for="ch" forName="childTextBox" refType="w"/>
-                    <dgm:constr type="h" for="ch" forName="childTextBox" refType="h"/>
-                  </dgm:constrLst>
-                  <dgm:ruleLst/>
-                  <dgm:forEach name="Name15" axis="ch" ptType="node">
-                    <dgm:layoutNode name="childTextBox" styleLbl="fgAccFollowNode1">
-                      <dgm:varLst>
-                        <dgm:bulletEnabled val="1"/>
-                      </dgm:varLst>
-                      <dgm:alg type="tx"/>
-                      <dgm:shape xmlns:r="http://schemas.openxmlformats.org/officeDocument/2006/relationships" type="rect" r:blip="">
-                        <dgm:adjLst/>
-                      </dgm:shape>
-                      <dgm:presOf axis="desOrSelf" ptType="node"/>
-                      <dgm:constrLst>
-                        <dgm:constr type="tMarg" refType="primFontSz" fact="0.1"/>
-                        <dgm:constr type="bMarg" refType="primFontSz" fact="0.1"/>
-                      </dgm:constrLst>
-                      <dgm:ruleLst>
-                        <dgm:rule type="primFontSz" val="5" fact="NaN" max="NaN"/>
-                      </dgm:ruleLst>
-                    </dgm:layoutNode>
-                  </dgm:forEach>
-                </dgm:layoutNode>
-              </dgm:if>
-              <dgm:else name="Name16"/>
-            </dgm:choose>
-          </dgm:layoutNode>
-        </dgm:if>
-        <dgm:else name="Name17">
-          <dgm:layoutNode name="arrowAndChildren">
-            <dgm:alg type="composite"/>
-            <dgm:shape xmlns:r="http://schemas.openxmlformats.org/officeDocument/2006/relationships" r:blip="">
-              <dgm:adjLst/>
-            </dgm:shape>
-            <dgm:presOf/>
-            <dgm:choose name="Name18">
-              <dgm:if name="Name19" axis="ch" ptType="node" func="cnt" op="gte" val="1">
-                <dgm:constrLst>
-                  <dgm:constr type="w" for="ch" forName="parentTextArrow" refType="w"/>
-                  <dgm:constr type="t" for="ch" forName="parentTextArrow"/>
-                  <dgm:constr type="h" for="ch" forName="parentTextArrow" refType="h" fact="0.351"/>
-                  <dgm:constr type="w" for="ch" forName="arrow" refType="w"/>
-                  <dgm:constr type="h" for="ch" forName="arrow" refType="h"/>
-                  <dgm:constr type="w" for="ch" forName="descendantArrow" refType="w"/>
-                  <dgm:constr type="b" for="ch" forName="descendantArrow" refType="h" fact="0.65"/>
-                  <dgm:constr type="h" for="ch" forName="descendantArrow" refType="h" fact="0.299"/>
-                </dgm:constrLst>
-              </dgm:if>
-              <dgm:else name="Name20">
-                <dgm:constrLst>
-                  <dgm:constr type="w" for="ch" forName="parentTextArrow" refType="w"/>
-                  <dgm:constr type="h" for="ch" forName="parentTextArrow" refType="h"/>
-                </dgm:constrLst>
-              </dgm:else>
-            </dgm:choose>
-            <dgm:ruleLst/>
-            <dgm:layoutNode name="parentTextArrow">
-              <dgm:alg type="tx"/>
-              <dgm:choose name="Name21">
-                <dgm:if name="Name22" axis="ch" ptType="node" func="cnt" op="gte" val="1">
-                  <dgm:shape xmlns:r="http://schemas.openxmlformats.org/officeDocument/2006/relationships" type="rect" r:blip="" zOrderOff="1" hideGeom="1">
-                    <dgm:adjLst/>
-                  </dgm:shape>
-                </dgm:if>
-                <dgm:else name="Name23">
-                  <dgm:shape xmlns:r="http://schemas.openxmlformats.org/officeDocument/2006/relationships" rot="180" type="upArrowCallout" r:blip="">
-                    <dgm:adjLst/>
-                  </dgm:shape>
-                </dgm:else>
-              </dgm:choose>
-              <dgm:presOf axis="self"/>
-              <dgm:constrLst/>
-              <dgm:ruleLst>
-                <dgm:rule type="primFontSz" val="5" fact="NaN" max="NaN"/>
-              </dgm:ruleLst>
-            </dgm:layoutNode>
-            <dgm:choose name="Name24">
-              <dgm:if name="Name25" axis="ch" ptType="node" func="cnt" op="gte" val="1">
-                <dgm:layoutNode name="arrow">
-                  <dgm:alg type="sp"/>
-                  <dgm:shape xmlns:r="http://schemas.openxmlformats.org/officeDocument/2006/relationships" rot="180" type="upArrowCallout" r:blip="">
-                    <dgm:adjLst/>
-                  </dgm:shape>
-                  <dgm:presOf axis="self"/>
-                  <dgm:constrLst/>
-                  <dgm:ruleLst/>
-                </dgm:layoutNode>
-                <dgm:layoutNode name="descendantArrow">
-                  <dgm:choose name="Name26">
-                    <dgm:if name="Name27" func="var" arg="dir" op="equ" val="norm">
-                      <dgm:alg type="lin"/>
-                    </dgm:if>
-                    <dgm:else name="Name28">
-                      <dgm:alg type="lin">
-                        <dgm:param type="linDir" val="fromR"/>
-                      </dgm:alg>
-                    </dgm:else>
-                  </dgm:choose>
-                  <dgm:shape xmlns:r="http://schemas.openxmlformats.org/officeDocument/2006/relationships" r:blip="">
-                    <dgm:adjLst/>
-                  </dgm:shape>
-                  <dgm:presOf/>
-                  <dgm:constrLst>
-                    <dgm:constr type="w" for="ch" forName="childTextArrow" refType="w"/>
-                    <dgm:constr type="h" for="ch" forName="childTextArrow" refType="h"/>
-                  </dgm:constrLst>
-                  <dgm:ruleLst/>
-                  <dgm:forEach name="Name29" axis="ch" ptType="node">
-                    <dgm:layoutNode name="childTextArrow" styleLbl="fgAccFollowNode1">
-                      <dgm:varLst>
-                        <dgm:bulletEnabled val="1"/>
-                      </dgm:varLst>
-                      <dgm:alg type="tx"/>
-                      <dgm:shape xmlns:r="http://schemas.openxmlformats.org/officeDocument/2006/relationships" type="rect" r:blip="">
-                        <dgm:adjLst/>
-                      </dgm:shape>
-                      <dgm:presOf axis="desOrSelf" ptType="node"/>
-                      <dgm:constrLst>
-                        <dgm:constr type="tMarg" refType="primFontSz" fact="0.1"/>
-                        <dgm:constr type="bMarg" refType="primFontSz" fact="0.1"/>
-                      </dgm:constrLst>
-                      <dgm:ruleLst>
-                        <dgm:rule type="primFontSz" val="5" fact="NaN" max="NaN"/>
-                      </dgm:ruleLst>
-                    </dgm:layoutNode>
-                  </dgm:forEach>
-                </dgm:layoutNode>
-              </dgm:if>
-              <dgm:else name="Name30"/>
-            </dgm:choose>
-          </dgm:layoutNode>
-        </dgm:else>
-      </dgm:choose>
-      <dgm:forEach name="Name31" axis="precedSib" ptType="sibTrans" st="-1" cnt="1">
-        <dgm:layoutNode name="sp">
-          <dgm:alg type="sp"/>
-          <dgm:shape xmlns:r="http://schemas.openxmlformats.org/officeDocument/2006/relationships" r:blip="">
-            <dgm:adjLst/>
-          </dgm:shape>
-          <dgm:presOf axis="self"/>
-          <dgm:constrLst/>
-          <dgm:ruleLst/>
-        </dgm:layoutNode>
-      </dgm:forEach>
-    </dgm:forEach>
-  </dgm:layoutNode>
-</dgm:layoutDef>
-</file>
-
-<file path=ppt/diagrams/quickStyle1.xml><?xml version="1.0" encoding="utf-8"?>
-<dgm:styleDef xmlns:dgm="http://schemas.openxmlformats.org/drawingml/2006/diagram" xmlns:a="http://schemas.openxmlformats.org/drawingml/2006/main" uniqueId="urn:microsoft.com/office/officeart/2005/8/quickstyle/simple4">
-  <dgm:title val=""/>
-  <dgm:desc val=""/>
-  <dgm:catLst>
-    <dgm:cat type="simple" pri="10400"/>
-  </dgm:catLst>
-  <dgm:scene3d>
-    <a:camera prst="orthographicFront"/>
-    <a:lightRig rig="threePt" dir="t"/>
-  </dgm:scene3d>
-  <dgm:styleLbl name="node0">
-    <dgm:scene3d>
-      <a:camera prst="orthographicFront"/>
-      <a:lightRig rig="threePt" dir="t"/>
-    </dgm:scene3d>
-    <dgm:sp3d/>
-    <dgm:txPr/>
-    <dgm:style>
-      <a:lnRef idx="0">
-        <a:scrgbClr r="0" g="0" b="0"/>
-      </a:lnRef>
-      <a:fillRef idx="3">
-        <a:scrgbClr r="0" g="0" b="0"/>
-      </a:fillRef>
-      <a:effectRef idx="2">
-        <a:scrgbClr r="0" g="0" b="0"/>
-      </a:effectRef>
-      <a:fontRef idx="minor">
-        <a:schemeClr val="lt1"/>
-      </a:fontRef>
-    </dgm:style>
-  </dgm:styleLbl>
-  <dgm:styleLbl name="lnNode1">
-    <dgm:scene3d>
-      <a:camera prst="orthographicFront"/>
-      <a:lightRig rig="threePt" dir="t"/>
-    </dgm:scene3d>
-    <dgm:sp3d/>
-    <dgm:txPr/>
-    <dgm:style>
-      <a:lnRef idx="1">
-        <a:scrgbClr r="0" g="0" b="0"/>
-      </a:lnRef>
-      <a:fillRef idx="3">
-        <a:scrgbClr r="0" g="0" b="0"/>
-      </a:fillRef>
-      <a:effectRef idx="2">
-        <a:scrgbClr r="0" g="0" b="0"/>
-      </a:effectRef>
-      <a:fontRef idx="minor">
-        <a:schemeClr val="lt1"/>
-      </a:fontRef>
-    </dgm:style>
-  </dgm:styleLbl>
-  <dgm:styleLbl name="vennNode1">
-    <dgm:scene3d>
-      <a:camera prst="orthographicFront"/>
-      <a:lightRig rig="threePt" dir="t"/>
-    </dgm:scene3d>
-    <dgm:sp3d/>
-    <dgm:txPr/>
-    <dgm:style>
-      <a:lnRef idx="0">
-        <a:scrgbClr r="0" g="0" b="0"/>
-      </a:lnRef>
-      <a:fillRef idx="3">
-        <a:scrgbClr r="0" g="0" b="0"/>
-      </a:fillRef>
-      <a:effectRef idx="0">
-        <a:scrgbClr r="0" g="0" b="0"/>
-      </a:effectRef>
-      <a:fontRef idx="minor">
-        <a:schemeClr val="tx1"/>
-      </a:fontRef>
-    </dgm:style>
-  </dgm:styleLbl>
-  <dgm:styleLbl name="alignNode1">
-    <dgm:scene3d>
-      <a:camera prst="orthographicFront"/>
-      <a:lightRig rig="threePt" dir="t"/>
-    </dgm:scene3d>
-    <dgm:sp3d/>
-    <dgm:txPr/>
-    <dgm:style>
-      <a:lnRef idx="1">
-        <a:scrgbClr r="0" g="0" b="0"/>
-      </a:lnRef>
-      <a:fillRef idx="3">
-        <a:scrgbClr r="0" g="0" b="0"/>
-      </a:fillRef>
-      <a:effectRef idx="2">
-        <a:scrgbClr r="0" g="0" b="0"/>
-      </a:effectRef>
-      <a:fontRef idx="minor">
-        <a:schemeClr val="lt1"/>
-      </a:fontRef>
-    </dgm:style>
-  </dgm:styleLbl>
-  <dgm:styleLbl name="node1">
-    <dgm:scene3d>
-      <a:camera prst="orthographicFront"/>
-      <a:lightRig rig="threePt" dir="t"/>
-    </dgm:scene3d>
-    <dgm:sp3d/>
-    <dgm:txPr/>
-    <dgm:style>
-      <a:lnRef idx="0">
-        <a:scrgbClr r="0" g="0" b="0"/>
-      </a:lnRef>
-      <a:fillRef idx="3">
-        <a:scrgbClr r="0" g="0" b="0"/>
-      </a:fillRef>
-      <a:effectRef idx="2">
-        <a:scrgbClr r="0" g="0" b="0"/>
-      </a:effectRef>
-      <a:fontRef idx="minor">
-        <a:schemeClr val="lt1"/>
-      </a:fontRef>
-    </dgm:style>
-  </dgm:styleLbl>
-  <dgm:styleLbl name="node2">
-    <dgm:scene3d>
-      <a:camera prst="orthographicFront"/>
-      <a:lightRig rig="threePt" dir="t"/>
-    </dgm:scene3d>
-    <dgm:sp3d/>
-    <dgm:txPr/>
-    <dgm:style>
-      <a:lnRef idx="0">
-        <a:scrgbClr r="0" g="0" b="0"/>
-      </a:lnRef>
-      <a:fillRef idx="3">
-        <a:scrgbClr r="0" g="0" b="0"/>
-      </a:fillRef>
-      <a:effectRef idx="2">
-        <a:scrgbClr r="0" g="0" b="0"/>
-      </a:effectRef>
-      <a:fontRef idx="minor">
-        <a:schemeClr val="lt1"/>
-      </a:fontRef>
-    </dgm:style>
-  </dgm:styleLbl>
-  <dgm:styleLbl name="node3">
-    <dgm:scene3d>
-      <a:camera prst="orthographicFront"/>
-      <a:lightRig rig="threePt" dir="t"/>
-    </dgm:scene3d>
-    <dgm:sp3d/>
-    <dgm:txPr/>
-    <dgm:style>
-      <a:lnRef idx="0">
-        <a:scrgbClr r="0" g="0" b="0"/>
-      </a:lnRef>
-      <a:fillRef idx="3">
-        <a:scrgbClr r="0" g="0" b="0"/>
-      </a:fillRef>
-      <a:effectRef idx="2">
-        <a:scrgbClr r="0" g="0" b="0"/>
-      </a:effectRef>
-      <a:fontRef idx="minor">
-        <a:schemeClr val="lt1"/>
-      </a:fontRef>
-    </dgm:style>
-  </dgm:styleLbl>
-  <dgm:styleLbl name="node4">
-    <dgm:scene3d>
-      <a:camera prst="orthographicFront"/>
-      <a:lightRig rig="threePt" dir="t"/>
-    </dgm:scene3d>
-    <dgm:sp3d/>
-    <dgm:txPr/>
-    <dgm:style>
-      <a:lnRef idx="0">
-        <a:scrgbClr r="0" g="0" b="0"/>
-      </a:lnRef>
-      <a:fillRef idx="3">
-        <a:scrgbClr r="0" g="0" b="0"/>
-      </a:fillRef>
-      <a:effectRef idx="2">
-        <a:scrgbClr r="0" g="0" b="0"/>
-      </a:effectRef>
-      <a:fontRef idx="minor">
-        <a:schemeClr val="lt1"/>
-      </a:fontRef>
-    </dgm:style>
-  </dgm:styleLbl>
-  <dgm:styleLbl name="fgImgPlace1">
-    <dgm:scene3d>
-      <a:camera prst="orthographicFront"/>
-      <a:lightRig rig="threePt" dir="t"/>
-    </dgm:scene3d>
-    <dgm:sp3d/>
-    <dgm:txPr/>
-    <dgm:style>
-      <a:lnRef idx="0">
-        <a:scrgbClr r="0" g="0" b="0"/>
-      </a:lnRef>
-      <a:fillRef idx="1">
-        <a:scrgbClr r="0" g="0" b="0"/>
-      </a:fillRef>
-      <a:effectRef idx="2">
-        <a:scrgbClr r="0" g="0" b="0"/>
-      </a:effectRef>
-      <a:fontRef idx="minor"/>
-    </dgm:style>
-  </dgm:styleLbl>
-  <dgm:styleLbl name="alignImgPlace1">
-    <dgm:scene3d>
-      <a:camera prst="orthographicFront"/>
-      <a:lightRig rig="threePt" dir="t"/>
-    </dgm:scene3d>
-    <dgm:sp3d/>
-    <dgm:txPr/>
-    <dgm:style>
-      <a:lnRef idx="0">
-        <a:scrgbClr r="0" g="0" b="0"/>
-      </a:lnRef>
-      <a:fillRef idx="1">
-        <a:scrgbClr r="0" g="0" b="0"/>
-      </a:fillRef>
-      <a:effectRef idx="2">
-        <a:scrgbClr r="0" g="0" b="0"/>
-      </a:effectRef>
-      <a:fontRef idx="minor"/>
-    </dgm:style>
-  </dgm:styleLbl>
-  <dgm:styleLbl name="bgImgPlace1">
-    <dgm:scene3d>
-      <a:camera prst="orthographicFront"/>
-      <a:lightRig rig="threePt" dir="t"/>
-    </dgm:scene3d>
-    <dgm:sp3d/>
-    <dgm:txPr/>
-    <dgm:style>
-      <a:lnRef idx="0">
-        <a:scrgbClr r="0" g="0" b="0"/>
-      </a:lnRef>
-      <a:fillRef idx="1">
-        <a:scrgbClr r="0" g="0" b="0"/>
-      </a:fillRef>
-      <a:effectRef idx="2">
-        <a:scrgbClr r="0" g="0" b="0"/>
-      </a:effectRef>
-      <a:fontRef idx="minor"/>
-    </dgm:style>
-  </dgm:styleLbl>
-  <dgm:styleLbl name="sibTrans2D1">
-    <dgm:scene3d>
-      <a:camera prst="orthographicFront"/>
-      <a:lightRig rig="threePt" dir="t"/>
-    </dgm:scene3d>
-    <dgm:sp3d/>
-    <dgm:txPr/>
-    <dgm:style>
-      <a:lnRef idx="0">
-        <a:scrgbClr r="0" g="0" b="0"/>
-      </a:lnRef>
-      <a:fillRef idx="3">
-        <a:scrgbClr r="0" g="0" b="0"/>
-      </a:fillRef>
-      <a:effectRef idx="2">
-        <a:scrgbClr r="0" g="0" b="0"/>
-      </a:effectRef>
-      <a:fontRef idx="minor">
-        <a:schemeClr val="lt1"/>
-      </a:fontRef>
-    </dgm:style>
-  </dgm:styleLbl>
-  <dgm:styleLbl name="fgSibTrans2D1">
-    <dgm:scene3d>
-      <a:camera prst="orthographicFront"/>
-      <a:lightRig rig="threePt" dir="t"/>
-    </dgm:scene3d>
-    <dgm:sp3d/>
-    <dgm:txPr/>
-    <dgm:style>
-      <a:lnRef idx="0">
-        <a:scrgbClr r="0" g="0" b="0"/>
-      </a:lnRef>
-      <a:fillRef idx="3">
-        <a:scrgbClr r="0" g="0" b="0"/>
-      </a:fillRef>
-      <a:effectRef idx="2">
-        <a:scrgbClr r="0" g="0" b="0"/>
-      </a:effectRef>
-      <a:fontRef idx="minor">
-        <a:schemeClr val="lt1"/>
-      </a:fontRef>
-    </dgm:style>
-  </dgm:styleLbl>
-  <dgm:styleLbl name="bgSibTrans2D1">
-    <dgm:scene3d>
-      <a:camera prst="orthographicFront"/>
-      <a:lightRig rig="threePt" dir="t"/>
-    </dgm:scene3d>
-    <dgm:sp3d/>
-    <dgm:txPr/>
-    <dgm:style>
-      <a:lnRef idx="0">
-        <a:scrgbClr r="0" g="0" b="0"/>
-      </a:lnRef>
-      <a:fillRef idx="3">
-        <a:scrgbClr r="0" g="0" b="0"/>
-      </a:fillRef>
-      <a:effectRef idx="2">
-        <a:scrgbClr r="0" g="0" b="0"/>
-      </a:effectRef>
-      <a:fontRef idx="minor">
-        <a:schemeClr val="lt1"/>
-      </a:fontRef>
-    </dgm:style>
-  </dgm:styleLbl>
-  <dgm:styleLbl name="sibTrans1D1">
-    <dgm:scene3d>
-      <a:camera prst="orthographicFront"/>
-      <a:lightRig rig="threePt" dir="t"/>
-    </dgm:scene3d>
-    <dgm:sp3d/>
-    <dgm:txPr/>
-    <dgm:style>
-      <a:lnRef idx="1">
-        <a:scrgbClr r="0" g="0" b="0"/>
-      </a:lnRef>
-      <a:fillRef idx="0">
-        <a:scrgbClr r="0" g="0" b="0"/>
-      </a:fillRef>
-      <a:effectRef idx="0">
-        <a:scrgbClr r="0" g="0" b="0"/>
-      </a:effectRef>
-      <a:fontRef idx="minor"/>
-    </dgm:style>
-  </dgm:styleLbl>
-  <dgm:styleLbl name="callout">
-    <dgm:scene3d>
-      <a:camera prst="orthographicFront"/>
-      <a:lightRig rig="threePt" dir="t"/>
-    </dgm:scene3d>
-    <dgm:sp3d/>
-    <dgm:txPr/>
-    <dgm:style>
-      <a:lnRef idx="2">
-        <a:scrgbClr r="0" g="0" b="0"/>
-      </a:lnRef>
-      <a:fillRef idx="1">
-        <a:scrgbClr r="0" g="0" b="0"/>
-      </a:fillRef>
-      <a:effectRef idx="1">
-        <a:scrgbClr r="0" g="0" b="0"/>
-      </a:effectRef>
-      <a:fontRef idx="minor"/>
-    </dgm:style>
-  </dgm:styleLbl>
-  <dgm:styleLbl name="asst0">
-    <dgm:scene3d>
-      <a:camera prst="orthographicFront"/>
-      <a:lightRig rig="threePt" dir="t"/>
-    </dgm:scene3d>
-    <dgm:sp3d/>
-    <dgm:txPr/>
-    <dgm:style>
-      <a:lnRef idx="0">
-        <a:scrgbClr r="0" g="0" b="0"/>
-      </a:lnRef>
-      <a:fillRef idx="3">
-        <a:scrgbClr r="0" g="0" b="0"/>
-      </a:fillRef>
-      <a:effectRef idx="2">
-        <a:scrgbClr r="0" g="0" b="0"/>
-      </a:effectRef>
-      <a:fontRef idx="minor">
-        <a:schemeClr val="lt1"/>
-      </a:fontRef>
-    </dgm:style>
-  </dgm:styleLbl>
-  <dgm:styleLbl name="asst1">
-    <dgm:scene3d>
-      <a:camera prst="orthographicFront"/>
-      <a:lightRig rig="threePt" dir="t"/>
-    </dgm:scene3d>
-    <dgm:sp3d/>
-    <dgm:txPr/>
-    <dgm:style>
-      <a:lnRef idx="0">
-        <a:scrgbClr r="0" g="0" b="0"/>
-      </a:lnRef>
-      <a:fillRef idx="3">
-        <a:scrgbClr r="0" g="0" b="0"/>
-      </a:fillRef>
-      <a:effectRef idx="2">
-        <a:scrgbClr r="0" g="0" b="0"/>
-      </a:effectRef>
-      <a:fontRef idx="minor">
-        <a:schemeClr val="lt1"/>
-      </a:fontRef>
-    </dgm:style>
-  </dgm:styleLbl>
-  <dgm:styleLbl name="asst2">
-    <dgm:scene3d>
-      <a:camera prst="orthographicFront"/>
-      <a:lightRig rig="threePt" dir="t"/>
-    </dgm:scene3d>
-    <dgm:sp3d/>
-    <dgm:txPr/>
-    <dgm:style>
-      <a:lnRef idx="0">
-        <a:scrgbClr r="0" g="0" b="0"/>
-      </a:lnRef>
-      <a:fillRef idx="3">
-        <a:scrgbClr r="0" g="0" b="0"/>
-      </a:fillRef>
-      <a:effectRef idx="2">
-        <a:scrgbClr r="0" g="0" b="0"/>
-      </a:effectRef>
-      <a:fontRef idx="minor">
-        <a:schemeClr val="lt1"/>
-      </a:fontRef>
-    </dgm:style>
-  </dgm:styleLbl>
-  <dgm:styleLbl name="asst3">
-    <dgm:scene3d>
-      <a:camera prst="orthographicFront"/>
-      <a:lightRig rig="threePt" dir="t"/>
-    </dgm:scene3d>
-    <dgm:sp3d/>
-    <dgm:txPr/>
-    <dgm:style>
-      <a:lnRef idx="0">
-        <a:scrgbClr r="0" g="0" b="0"/>
-      </a:lnRef>
-      <a:fillRef idx="3">
-        <a:scrgbClr r="0" g="0" b="0"/>
-      </a:fillRef>
-      <a:effectRef idx="2">
-        <a:scrgbClr r="0" g="0" b="0"/>
-      </a:effectRef>
-      <a:fontRef idx="minor">
-        <a:schemeClr val="lt1"/>
-      </a:fontRef>
-    </dgm:style>
-  </dgm:styleLbl>
-  <dgm:styleLbl name="asst4">
-    <dgm:scene3d>
-      <a:camera prst="orthographicFront"/>
-      <a:lightRig rig="threePt" dir="t"/>
-    </dgm:scene3d>
-    <dgm:sp3d/>
-    <dgm:txPr/>
-    <dgm:style>
-      <a:lnRef idx="0">
-        <a:scrgbClr r="0" g="0" b="0"/>
-      </a:lnRef>
-      <a:fillRef idx="3">
-        <a:scrgbClr r="0" g="0" b="0"/>
-      </a:fillRef>
-      <a:effectRef idx="2">
-        <a:scrgbClr r="0" g="0" b="0"/>
-      </a:effectRef>
-      <a:fontRef idx="minor">
-        <a:schemeClr val="lt1"/>
-      </a:fontRef>
-    </dgm:style>
-  </dgm:styleLbl>
-  <dgm:styleLbl name="parChTrans2D1">
-    <dgm:scene3d>
-      <a:camera prst="orthographicFront"/>
-      <a:lightRig rig="threePt" dir="t"/>
-    </dgm:scene3d>
-    <dgm:sp3d/>
-    <dgm:txPr/>
-    <dgm:style>
-      <a:lnRef idx="0">
-        <a:scrgbClr r="0" g="0" b="0"/>
-      </a:lnRef>
-      <a:fillRef idx="3">
-        <a:scrgbClr r="0" g="0" b="0"/>
-      </a:fillRef>
-      <a:effectRef idx="2">
-        <a:scrgbClr r="0" g="0" b="0"/>
-      </a:effectRef>
-      <a:fontRef idx="minor">
-        <a:schemeClr val="lt1"/>
-      </a:fontRef>
-    </dgm:style>
-  </dgm:styleLbl>
-  <dgm:styleLbl name="parChTrans2D2">
-    <dgm:scene3d>
-      <a:camera prst="orthographicFront"/>
-      <a:lightRig rig="threePt" dir="t"/>
-    </dgm:scene3d>
-    <dgm:sp3d/>
-    <dgm:txPr/>
-    <dgm:style>
-      <a:lnRef idx="0">
-        <a:scrgbClr r="0" g="0" b="0"/>
-      </a:lnRef>
-      <a:fillRef idx="3">
-        <a:scrgbClr r="0" g="0" b="0"/>
-      </a:fillRef>
-      <a:effectRef idx="2">
-        <a:scrgbClr r="0" g="0" b="0"/>
-      </a:effectRef>
-      <a:fontRef idx="minor">
-        <a:schemeClr val="lt1"/>
-      </a:fontRef>
-    </dgm:style>
-  </dgm:styleLbl>
-  <dgm:styleLbl name="parChTrans2D3">
-    <dgm:scene3d>
-      <a:camera prst="orthographicFront"/>
-      <a:lightRig rig="threePt" dir="t"/>
-    </dgm:scene3d>
-    <dgm:sp3d/>
-    <dgm:txPr/>
-    <dgm:style>
-      <a:lnRef idx="1">
-        <a:scrgbClr r="0" g="0" b="0"/>
-      </a:lnRef>
-      <a:fillRef idx="3">
-        <a:scrgbClr r="0" g="0" b="0"/>
-      </a:fillRef>
-      <a:effectRef idx="2">
-        <a:scrgbClr r="0" g="0" b="0"/>
-      </a:effectRef>
-      <a:fontRef idx="minor">
-        <a:schemeClr val="lt1"/>
-      </a:fontRef>
-    </dgm:style>
-  </dgm:styleLbl>
-  <dgm:styleLbl name="parChTrans2D4">
-    <dgm:scene3d>
-      <a:camera prst="orthographicFront"/>
-      <a:lightRig rig="threePt" dir="t"/>
-    </dgm:scene3d>
-    <dgm:sp3d/>
-    <dgm:txPr/>
-    <dgm:style>
-      <a:lnRef idx="1">
-        <a:scrgbClr r="0" g="0" b="0"/>
-      </a:lnRef>
-      <a:fillRef idx="3">
-        <a:scrgbClr r="0" g="0" b="0"/>
-      </a:fillRef>
-      <a:effectRef idx="2">
-        <a:scrgbClr r="0" g="0" b="0"/>
-      </a:effectRef>
-      <a:fontRef idx="minor">
-        <a:schemeClr val="lt1"/>
-      </a:fontRef>
-    </dgm:style>
-  </dgm:styleLbl>
-  <dgm:styleLbl name="parChTrans1D1">
-    <dgm:scene3d>
-      <a:camera prst="orthographicFront"/>
-      <a:lightRig rig="threePt" dir="t"/>
-    </dgm:scene3d>
-    <dgm:sp3d/>
-    <dgm:txPr/>
-    <dgm:style>
-      <a:lnRef idx="1">
-        <a:scrgbClr r="0" g="0" b="0"/>
-      </a:lnRef>
-      <a:fillRef idx="0">
-        <a:scrgbClr r="0" g="0" b="0"/>
-      </a:fillRef>
-      <a:effectRef idx="0">
-        <a:scrgbClr r="0" g="0" b="0"/>
-      </a:effectRef>
-      <a:fontRef idx="minor"/>
-    </dgm:style>
-  </dgm:styleLbl>
-  <dgm:styleLbl name="parChTrans1D2">
-    <dgm:scene3d>
-      <a:camera prst="orthographicFront"/>
-      <a:lightRig rig="threePt" dir="t"/>
-    </dgm:scene3d>
-    <dgm:sp3d/>
-    <dgm:txPr/>
-    <dgm:style>
-      <a:lnRef idx="1">
-        <a:scrgbClr r="0" g="0" b="0"/>
-      </a:lnRef>
-      <a:fillRef idx="0">
-        <a:scrgbClr r="0" g="0" b="0"/>
-      </a:fillRef>
-      <a:effectRef idx="0">
-        <a:scrgbClr r="0" g="0" b="0"/>
-      </a:effectRef>
-      <a:fontRef idx="minor"/>
-    </dgm:style>
-  </dgm:styleLbl>
-  <dgm:styleLbl name="parChTrans1D3">
-    <dgm:scene3d>
-      <a:camera prst="orthographicFront"/>
-      <a:lightRig rig="threePt" dir="t"/>
-    </dgm:scene3d>
-    <dgm:sp3d/>
-    <dgm:txPr/>
-    <dgm:style>
-      <a:lnRef idx="1">
-        <a:scrgbClr r="0" g="0" b="0"/>
-      </a:lnRef>
-      <a:fillRef idx="0">
-        <a:scrgbClr r="0" g="0" b="0"/>
-      </a:fillRef>
-      <a:effectRef idx="0">
-        <a:scrgbClr r="0" g="0" b="0"/>
-      </a:effectRef>
-      <a:fontRef idx="minor"/>
-    </dgm:style>
-  </dgm:styleLbl>
-  <dgm:styleLbl name="parChTrans1D4">
-    <dgm:scene3d>
-      <a:camera prst="orthographicFront"/>
-      <a:lightRig rig="threePt" dir="t"/>
-    </dgm:scene3d>
-    <dgm:sp3d/>
-    <dgm:txPr/>
-    <dgm:style>
-      <a:lnRef idx="1">
-        <a:scrgbClr r="0" g="0" b="0"/>
-      </a:lnRef>
-      <a:fillRef idx="0">
-        <a:scrgbClr r="0" g="0" b="0"/>
-      </a:fillRef>
-      <a:effectRef idx="0">
-        <a:scrgbClr r="0" g="0" b="0"/>
-      </a:effectRef>
-      <a:fontRef idx="minor"/>
-    </dgm:style>
-  </dgm:styleLbl>
-  <dgm:styleLbl name="fgAcc1">
-    <dgm:scene3d>
-      <a:camera prst="orthographicFront"/>
-      <a:lightRig rig="threePt" dir="t"/>
-    </dgm:scene3d>
-    <dgm:sp3d/>
-    <dgm:txPr/>
-    <dgm:style>
-      <a:lnRef idx="1">
-        <a:scrgbClr r="0" g="0" b="0"/>
-      </a:lnRef>
-      <a:fillRef idx="1">
-        <a:scrgbClr r="0" g="0" b="0"/>
-      </a:fillRef>
-      <a:effectRef idx="0">
-        <a:scrgbClr r="0" g="0" b="0"/>
-      </a:effectRef>
-      <a:fontRef idx="minor"/>
-    </dgm:style>
-  </dgm:styleLbl>
-  <dgm:styleLbl name="conFgAcc1">
-    <dgm:scene3d>
-      <a:camera prst="orthographicFront"/>
-      <a:lightRig rig="threePt" dir="t"/>
-    </dgm:scene3d>
-    <dgm:sp3d/>
-    <dgm:txPr/>
-    <dgm:style>
-      <a:lnRef idx="1">
-        <a:scrgbClr r="0" g="0" b="0"/>
-      </a:lnRef>
-      <a:fillRef idx="1">
-        <a:scrgbClr r="0" g="0" b="0"/>
-      </a:fillRef>
-      <a:effectRef idx="0">
-        <a:scrgbClr r="0" g="0" b="0"/>
-      </a:effectRef>
-      <a:fontRef idx="minor"/>
-    </dgm:style>
-  </dgm:styleLbl>
-  <dgm:styleLbl name="alignAcc1">
-    <dgm:scene3d>
-      <a:camera prst="orthographicFront"/>
-      <a:lightRig rig="threePt" dir="t"/>
-    </dgm:scene3d>
-    <dgm:sp3d/>
-    <dgm:txPr/>
-    <dgm:style>
-      <a:lnRef idx="1">
-        <a:scrgbClr r="0" g="0" b="0"/>
-      </a:lnRef>
-      <a:fillRef idx="1">
-        <a:scrgbClr r="0" g="0" b="0"/>
-      </a:fillRef>
-      <a:effectRef idx="0">
-        <a:scrgbClr r="0" g="0" b="0"/>
-      </a:effectRef>
-      <a:fontRef idx="minor"/>
-    </dgm:style>
-  </dgm:styleLbl>
-  <dgm:styleLbl name="trAlignAcc1">
-    <dgm:scene3d>
-      <a:camera prst="orthographicFront"/>
-      <a:lightRig rig="threePt" dir="t"/>
-    </dgm:scene3d>
-    <dgm:sp3d/>
-    <dgm:txPr/>
-    <dgm:style>
-      <a:lnRef idx="1">
-        <a:scrgbClr r="0" g="0" b="0"/>
-      </a:lnRef>
-      <a:fillRef idx="1">
-        <a:scrgbClr r="0" g="0" b="0"/>
-      </a:fillRef>
-      <a:effectRef idx="0">
-        <a:scrgbClr r="0" g="0" b="0"/>
-      </a:effectRef>
-      <a:fontRef idx="minor"/>
-    </dgm:style>
-  </dgm:styleLbl>
-  <dgm:styleLbl name="bgAcc1">
-    <dgm:scene3d>
-      <a:camera prst="orthographicFront"/>
-      <a:lightRig rig="threePt" dir="t"/>
-    </dgm:scene3d>
-    <dgm:sp3d/>
-    <dgm:txPr/>
-    <dgm:style>
-      <a:lnRef idx="1">
-        <a:scrgbClr r="0" g="0" b="0"/>
-      </a:lnRef>
-      <a:fillRef idx="1">
-        <a:scrgbClr r="0" g="0" b="0"/>
-      </a:fillRef>
-      <a:effectRef idx="0">
-        <a:scrgbClr r="0" g="0" b="0"/>
-      </a:effectRef>
-      <a:fontRef idx="minor"/>
-    </dgm:style>
-  </dgm:styleLbl>
-  <dgm:styleLbl name="solidFgAcc1">
-    <dgm:scene3d>
-      <a:camera prst="orthographicFront"/>
-      <a:lightRig rig="threePt" dir="t"/>
-    </dgm:scene3d>
-    <dgm:sp3d/>
-    <dgm:txPr/>
-    <dgm:style>
-      <a:lnRef idx="1">
-        <a:scrgbClr r="0" g="0" b="0"/>
-      </a:lnRef>
-      <a:fillRef idx="1">
-        <a:scrgbClr r="0" g="0" b="0"/>
-      </a:fillRef>
-      <a:effectRef idx="0">
-        <a:scrgbClr r="0" g="0" b="0"/>
-      </a:effectRef>
-      <a:fontRef idx="minor"/>
-    </dgm:style>
-  </dgm:styleLbl>
-  <dgm:styleLbl name="solidAlignAcc1">
-    <dgm:scene3d>
-      <a:camera prst="orthographicFront"/>
-      <a:lightRig rig="threePt" dir="t"/>
-    </dgm:scene3d>
-    <dgm:sp3d/>
-    <dgm:txPr/>
-    <dgm:style>
-      <a:lnRef idx="1">
-        <a:scrgbClr r="0" g="0" b="0"/>
-      </a:lnRef>
-      <a:fillRef idx="1">
-        <a:scrgbClr r="0" g="0" b="0"/>
-      </a:fillRef>
-      <a:effectRef idx="0">
-        <a:scrgbClr r="0" g="0" b="0"/>
-      </a:effectRef>
-      <a:fontRef idx="minor"/>
-    </dgm:style>
-  </dgm:styleLbl>
-  <dgm:styleLbl name="solidBgAcc1">
-    <dgm:scene3d>
-      <a:camera prst="orthographicFront"/>
-      <a:lightRig rig="threePt" dir="t"/>
-    </dgm:scene3d>
-    <dgm:sp3d/>
-    <dgm:txPr/>
-    <dgm:style>
-      <a:lnRef idx="1">
-        <a:scrgbClr r="0" g="0" b="0"/>
-      </a:lnRef>
-      <a:fillRef idx="1">
-        <a:scrgbClr r="0" g="0" b="0"/>
-      </a:fillRef>
-      <a:effectRef idx="0">
-        <a:scrgbClr r="0" g="0" b="0"/>
-      </a:effectRef>
-      <a:fontRef idx="minor"/>
-    </dgm:style>
-  </dgm:styleLbl>
-  <dgm:styleLbl name="fgAccFollowNode1">
-    <dgm:scene3d>
-      <a:camera prst="orthographicFront"/>
-      <a:lightRig rig="threePt" dir="t"/>
-    </dgm:scene3d>
-    <dgm:sp3d/>
-    <dgm:txPr/>
-    <dgm:style>
-      <a:lnRef idx="1">
-        <a:scrgbClr r="0" g="0" b="0"/>
-      </a:lnRef>
-      <a:fillRef idx="1">
-        <a:scrgbClr r="0" g="0" b="0"/>
-      </a:fillRef>
-      <a:effectRef idx="0">
-        <a:scrgbClr r="0" g="0" b="0"/>
-      </a:effectRef>
-      <a:fontRef idx="minor"/>
-    </dgm:style>
-  </dgm:styleLbl>
-  <dgm:styleLbl name="alignAccFollowNode1">
-    <dgm:scene3d>
-      <a:camera prst="orthographicFront"/>
-      <a:lightRig rig="threePt" dir="t"/>
-    </dgm:scene3d>
-    <dgm:sp3d/>
-    <dgm:txPr/>
-    <dgm:style>
-      <a:lnRef idx="1">
-        <a:scrgbClr r="0" g="0" b="0"/>
-      </a:lnRef>
-      <a:fillRef idx="1">
-        <a:scrgbClr r="0" g="0" b="0"/>
-      </a:fillRef>
-      <a:effectRef idx="0">
-        <a:scrgbClr r="0" g="0" b="0"/>
-      </a:effectRef>
-      <a:fontRef idx="minor"/>
-    </dgm:style>
-  </dgm:styleLbl>
-  <dgm:styleLbl name="bgAccFollowNode1">
-    <dgm:scene3d>
-      <a:camera prst="orthographicFront"/>
-      <a:lightRig rig="threePt" dir="t"/>
-    </dgm:scene3d>
-    <dgm:sp3d/>
-    <dgm:txPr/>
-    <dgm:style>
-      <a:lnRef idx="1">
-        <a:scrgbClr r="0" g="0" b="0"/>
-      </a:lnRef>
-      <a:fillRef idx="1">
-        <a:scrgbClr r="0" g="0" b="0"/>
-      </a:fillRef>
-      <a:effectRef idx="0">
-        <a:scrgbClr r="0" g="0" b="0"/>
-      </a:effectRef>
-      <a:fontRef idx="minor"/>
-    </dgm:style>
-  </dgm:styleLbl>
-  <dgm:styleLbl name="fgAcc0">
-    <dgm:scene3d>
-      <a:camera prst="orthographicFront"/>
-      <a:lightRig rig="threePt" dir="t"/>
-    </dgm:scene3d>
-    <dgm:sp3d/>
-    <dgm:txPr/>
-    <dgm:style>
-      <a:lnRef idx="1">
-        <a:scrgbClr r="0" g="0" b="0"/>
-      </a:lnRef>
-      <a:fillRef idx="1">
-        <a:scrgbClr r="0" g="0" b="0"/>
-      </a:fillRef>
-      <a:effectRef idx="0">
-        <a:scrgbClr r="0" g="0" b="0"/>
-      </a:effectRef>
-      <a:fontRef idx="minor"/>
-    </dgm:style>
-  </dgm:styleLbl>
-  <dgm:styleLbl name="fgAcc2">
-    <dgm:scene3d>
-      <a:camera prst="orthographicFront"/>
-      <a:lightRig rig="threePt" dir="t"/>
-    </dgm:scene3d>
-    <dgm:sp3d/>
-    <dgm:txPr/>
-    <dgm:style>
-      <a:lnRef idx="1">
-        <a:scrgbClr r="0" g="0" b="0"/>
-      </a:lnRef>
-      <a:fillRef idx="1">
-        <a:scrgbClr r="0" g="0" b="0"/>
-      </a:fillRef>
-      <a:effectRef idx="0">
-        <a:scrgbClr r="0" g="0" b="0"/>
-      </a:effectRef>
-      <a:fontRef idx="minor"/>
-    </dgm:style>
-  </dgm:styleLbl>
-  <dgm:styleLbl name="fgAcc3">
-    <dgm:scene3d>
-      <a:camera prst="orthographicFront"/>
-      <a:lightRig rig="threePt" dir="t"/>
-    </dgm:scene3d>
-    <dgm:sp3d/>
-    <dgm:txPr/>
-    <dgm:style>
-      <a:lnRef idx="1">
-        <a:scrgbClr r="0" g="0" b="0"/>
-      </a:lnRef>
-      <a:fillRef idx="1">
-        <a:scrgbClr r="0" g="0" b="0"/>
-      </a:fillRef>
-      <a:effectRef idx="0">
-        <a:scrgbClr r="0" g="0" b="0"/>
-      </a:effectRef>
-      <a:fontRef idx="minor"/>
-    </dgm:style>
-  </dgm:styleLbl>
-  <dgm:styleLbl name="fgAcc4">
-    <dgm:scene3d>
-      <a:camera prst="orthographicFront"/>
-      <a:lightRig rig="threePt" dir="t"/>
-    </dgm:scene3d>
-    <dgm:sp3d/>
-    <dgm:txPr/>
-    <dgm:style>
-      <a:lnRef idx="1">
-        <a:scrgbClr r="0" g="0" b="0"/>
-      </a:lnRef>
-      <a:fillRef idx="1">
-        <a:scrgbClr r="0" g="0" b="0"/>
-      </a:fillRef>
-      <a:effectRef idx="0">
-        <a:scrgbClr r="0" g="0" b="0"/>
-      </a:effectRef>
-      <a:fontRef idx="minor"/>
-    </dgm:style>
-  </dgm:styleLbl>
-  <dgm:styleLbl name="bgShp">
-    <dgm:scene3d>
-      <a:camera prst="orthographicFront"/>
-      <a:lightRig rig="threePt" dir="t"/>
-    </dgm:scene3d>
-    <dgm:sp3d/>
-    <dgm:txPr/>
-    <dgm:style>
-      <a:lnRef idx="0">
-        <a:scrgbClr r="0" g="0" b="0"/>
-      </a:lnRef>
-      <a:fillRef idx="1">
-        <a:scrgbClr r="0" g="0" b="0"/>
-      </a:fillRef>
-      <a:effectRef idx="2">
-        <a:scrgbClr r="0" g="0" b="0"/>
-      </a:effectRef>
-      <a:fontRef idx="minor"/>
-    </dgm:style>
-  </dgm:styleLbl>
-  <dgm:styleLbl name="dkBgShp">
-    <dgm:scene3d>
-      <a:camera prst="orthographicFront"/>
-      <a:lightRig rig="threePt" dir="t"/>
-    </dgm:scene3d>
-    <dgm:sp3d/>
-    <dgm:txPr/>
-    <dgm:style>
-      <a:lnRef idx="0">
-        <a:scrgbClr r="0" g="0" b="0"/>
-      </a:lnRef>
-      <a:fillRef idx="1">
-        <a:scrgbClr r="0" g="0" b="0"/>
-      </a:fillRef>
-      <a:effectRef idx="2">
-        <a:scrgbClr r="0" g="0" b="0"/>
-      </a:effectRef>
-      <a:fontRef idx="minor"/>
-    </dgm:style>
-  </dgm:styleLbl>
-  <dgm:styleLbl name="trBgShp">
-    <dgm:scene3d>
-      <a:camera prst="orthographicFront"/>
-      <a:lightRig rig="threePt" dir="t"/>
-    </dgm:scene3d>
-    <dgm:sp3d/>
-    <dgm:txPr/>
-    <dgm:style>
-      <a:lnRef idx="0">
-        <a:scrgbClr r="0" g="0" b="0"/>
-      </a:lnRef>
-      <a:fillRef idx="1">
-        <a:scrgbClr r="0" g="0" b="0"/>
-      </a:fillRef>
-      <a:effectRef idx="0">
-        <a:scrgbClr r="0" g="0" b="0"/>
-      </a:effectRef>
-      <a:fontRef idx="minor"/>
-    </dgm:style>
-  </dgm:styleLbl>
-  <dgm:styleLbl name="fgShp">
-    <dgm:scene3d>
-      <a:camera prst="orthographicFront"/>
-      <a:lightRig rig="threePt" dir="t"/>
-    </dgm:scene3d>
-    <dgm:sp3d/>
-    <dgm:txPr/>
-    <dgm:style>
-      <a:lnRef idx="0">
-        <a:scrgbClr r="0" g="0" b="0"/>
-      </a:lnRef>
-      <a:fillRef idx="3">
-        <a:scrgbClr r="0" g="0" b="0"/>
-      </a:fillRef>
-      <a:effectRef idx="2">
-        <a:scrgbClr r="0" g="0" b="0"/>
-      </a:effectRef>
-      <a:fontRef idx="minor"/>
-    </dgm:style>
-  </dgm:styleLbl>
-  <dgm:styleLbl name="revTx">
-    <dgm:scene3d>
-      <a:camera prst="orthographicFront"/>
-      <a:lightRig rig="threePt" dir="t"/>
-    </dgm:scene3d>
-    <dgm:sp3d/>
-    <dgm:txPr/>
-    <dgm:style>
-      <a:lnRef idx="0">
-        <a:scrgbClr r="0" g="0" b="0"/>
-      </a:lnRef>
-      <a:fillRef idx="0">
-        <a:scrgbClr r="0" g="0" b="0"/>
-      </a:fillRef>
-      <a:effectRef idx="0">
-        <a:scrgbClr r="0" g="0" b="0"/>
-      </a:effectRef>
-      <a:fontRef idx="minor"/>
-    </dgm:style>
-  </dgm:styleLbl>
-</dgm:styleDef>
+<file path=ppt/changesInfos/changesInfo1.xml><?xml version="1.0" encoding="utf-8"?>
+<pc:chgInfo xmlns:a="http://schemas.openxmlformats.org/drawingml/2006/main" xmlns:r="http://schemas.openxmlformats.org/officeDocument/2006/relationships" xmlns:ac="http://schemas.microsoft.com/office/drawing/2013/main/command" xmlns:pc="http://schemas.microsoft.com/office/powerpoint/2013/main/command">
+  <pc:docChgLst>
+    <pc:chgData name="Timothy Hall" userId="5e0a0c550da282fa" providerId="LiveId" clId="{0054019E-1DE1-4FB8-A028-D0DE1E4F96FF}"/>
+    <pc:docChg chg="undo custSel addSld delSld modSld sldOrd">
+      <pc:chgData name="Timothy Hall" userId="5e0a0c550da282fa" providerId="LiveId" clId="{0054019E-1DE1-4FB8-A028-D0DE1E4F96FF}" dt="2022-02-17T01:22:46.791" v="1969" actId="20577"/>
+      <pc:docMkLst>
+        <pc:docMk/>
+      </pc:docMkLst>
+      <pc:sldChg chg="addSp modSp mod">
+        <pc:chgData name="Timothy Hall" userId="5e0a0c550da282fa" providerId="LiveId" clId="{0054019E-1DE1-4FB8-A028-D0DE1E4F96FF}" dt="2022-02-15T03:27:19.523" v="1092" actId="14100"/>
+        <pc:sldMkLst>
+          <pc:docMk/>
+          <pc:sldMk cId="2142729111" sldId="256"/>
+        </pc:sldMkLst>
+        <pc:spChg chg="mod">
+          <ac:chgData name="Timothy Hall" userId="5e0a0c550da282fa" providerId="LiveId" clId="{0054019E-1DE1-4FB8-A028-D0DE1E4F96FF}" dt="2022-02-15T03:27:19.523" v="1092" actId="14100"/>
+          <ac:spMkLst>
+            <pc:docMk/>
+            <pc:sldMk cId="2142729111" sldId="256"/>
+            <ac:spMk id="2" creationId="{00000000-0000-0000-0000-000000000000}"/>
+          </ac:spMkLst>
+        </pc:spChg>
+        <pc:spChg chg="mod">
+          <ac:chgData name="Timothy Hall" userId="5e0a0c550da282fa" providerId="LiveId" clId="{0054019E-1DE1-4FB8-A028-D0DE1E4F96FF}" dt="2022-02-15T03:26:56.122" v="1089" actId="1076"/>
+          <ac:spMkLst>
+            <pc:docMk/>
+            <pc:sldMk cId="2142729111" sldId="256"/>
+            <ac:spMk id="3" creationId="{00000000-0000-0000-0000-000000000000}"/>
+          </ac:spMkLst>
+        </pc:spChg>
+        <pc:picChg chg="add mod">
+          <ac:chgData name="Timothy Hall" userId="5e0a0c550da282fa" providerId="LiveId" clId="{0054019E-1DE1-4FB8-A028-D0DE1E4F96FF}" dt="2022-02-15T03:26:48.070" v="1087" actId="1076"/>
+          <ac:picMkLst>
+            <pc:docMk/>
+            <pc:sldMk cId="2142729111" sldId="256"/>
+            <ac:picMk id="5" creationId="{90211DA7-105D-4EF8-B592-DB83980A2483}"/>
+          </ac:picMkLst>
+        </pc:picChg>
+      </pc:sldChg>
+      <pc:sldChg chg="addSp modSp mod">
+        <pc:chgData name="Timothy Hall" userId="5e0a0c550da282fa" providerId="LiveId" clId="{0054019E-1DE1-4FB8-A028-D0DE1E4F96FF}" dt="2022-02-17T00:56:09.449" v="1461" actId="20577"/>
+        <pc:sldMkLst>
+          <pc:docMk/>
+          <pc:sldMk cId="682195269" sldId="257"/>
+        </pc:sldMkLst>
+        <pc:spChg chg="mod">
+          <ac:chgData name="Timothy Hall" userId="5e0a0c550da282fa" providerId="LiveId" clId="{0054019E-1DE1-4FB8-A028-D0DE1E4F96FF}" dt="2022-02-15T03:05:33.329" v="655" actId="20577"/>
+          <ac:spMkLst>
+            <pc:docMk/>
+            <pc:sldMk cId="682195269" sldId="257"/>
+            <ac:spMk id="2" creationId="{00000000-0000-0000-0000-000000000000}"/>
+          </ac:spMkLst>
+        </pc:spChg>
+        <pc:spChg chg="mod">
+          <ac:chgData name="Timothy Hall" userId="5e0a0c550da282fa" providerId="LiveId" clId="{0054019E-1DE1-4FB8-A028-D0DE1E4F96FF}" dt="2022-02-17T00:56:09.449" v="1461" actId="20577"/>
+          <ac:spMkLst>
+            <pc:docMk/>
+            <pc:sldMk cId="682195269" sldId="257"/>
+            <ac:spMk id="3" creationId="{00000000-0000-0000-0000-000000000000}"/>
+          </ac:spMkLst>
+        </pc:spChg>
+        <pc:spChg chg="add mod">
+          <ac:chgData name="Timothy Hall" userId="5e0a0c550da282fa" providerId="LiveId" clId="{0054019E-1DE1-4FB8-A028-D0DE1E4F96FF}" dt="2022-02-15T03:04:04.944" v="627" actId="20577"/>
+          <ac:spMkLst>
+            <pc:docMk/>
+            <pc:sldMk cId="682195269" sldId="257"/>
+            <ac:spMk id="5" creationId="{23FEC734-8B79-4A52-86CE-FBB0D8E7B487}"/>
+          </ac:spMkLst>
+        </pc:spChg>
+      </pc:sldChg>
+      <pc:sldChg chg="del">
+        <pc:chgData name="Timothy Hall" userId="5e0a0c550da282fa" providerId="LiveId" clId="{0054019E-1DE1-4FB8-A028-D0DE1E4F96FF}" dt="2022-02-17T00:56:55.302" v="1559" actId="47"/>
+        <pc:sldMkLst>
+          <pc:docMk/>
+          <pc:sldMk cId="1900486290" sldId="258"/>
+        </pc:sldMkLst>
+      </pc:sldChg>
+      <pc:sldChg chg="del">
+        <pc:chgData name="Timothy Hall" userId="5e0a0c550da282fa" providerId="LiveId" clId="{0054019E-1DE1-4FB8-A028-D0DE1E4F96FF}" dt="2022-02-17T00:56:57.827" v="1560" actId="47"/>
+        <pc:sldMkLst>
+          <pc:docMk/>
+          <pc:sldMk cId="1180589104" sldId="259"/>
+        </pc:sldMkLst>
+      </pc:sldChg>
+      <pc:sldChg chg="del">
+        <pc:chgData name="Timothy Hall" userId="5e0a0c550da282fa" providerId="LiveId" clId="{0054019E-1DE1-4FB8-A028-D0DE1E4F96FF}" dt="2022-02-17T00:56:58.732" v="1561" actId="47"/>
+        <pc:sldMkLst>
+          <pc:docMk/>
+          <pc:sldMk cId="2426022026" sldId="260"/>
+        </pc:sldMkLst>
+      </pc:sldChg>
+      <pc:sldChg chg="modSp mod">
+        <pc:chgData name="Timothy Hall" userId="5e0a0c550da282fa" providerId="LiveId" clId="{0054019E-1DE1-4FB8-A028-D0DE1E4F96FF}" dt="2022-02-15T03:01:02.721" v="457" actId="20577"/>
+        <pc:sldMkLst>
+          <pc:docMk/>
+          <pc:sldMk cId="1783796071" sldId="261"/>
+        </pc:sldMkLst>
+        <pc:spChg chg="mod">
+          <ac:chgData name="Timothy Hall" userId="5e0a0c550da282fa" providerId="LiveId" clId="{0054019E-1DE1-4FB8-A028-D0DE1E4F96FF}" dt="2022-02-15T03:01:02.721" v="457" actId="20577"/>
+          <ac:spMkLst>
+            <pc:docMk/>
+            <pc:sldMk cId="1783796071" sldId="261"/>
+            <ac:spMk id="2" creationId="{00000000-0000-0000-0000-000000000000}"/>
+          </ac:spMkLst>
+        </pc:spChg>
+        <pc:spChg chg="mod">
+          <ac:chgData name="Timothy Hall" userId="5e0a0c550da282fa" providerId="LiveId" clId="{0054019E-1DE1-4FB8-A028-D0DE1E4F96FF}" dt="2022-02-15T03:00:41.457" v="440" actId="20577"/>
+          <ac:spMkLst>
+            <pc:docMk/>
+            <pc:sldMk cId="1783796071" sldId="261"/>
+            <ac:spMk id="3" creationId="{00000000-0000-0000-0000-000000000000}"/>
+          </ac:spMkLst>
+        </pc:spChg>
+      </pc:sldChg>
+      <pc:sldChg chg="del">
+        <pc:chgData name="Timothy Hall" userId="5e0a0c550da282fa" providerId="LiveId" clId="{0054019E-1DE1-4FB8-A028-D0DE1E4F96FF}" dt="2022-02-15T03:35:16.438" v="1136" actId="2696"/>
+        <pc:sldMkLst>
+          <pc:docMk/>
+          <pc:sldMk cId="3387061768" sldId="262"/>
+        </pc:sldMkLst>
+      </pc:sldChg>
+      <pc:sldChg chg="del">
+        <pc:chgData name="Timothy Hall" userId="5e0a0c550da282fa" providerId="LiveId" clId="{0054019E-1DE1-4FB8-A028-D0DE1E4F96FF}" dt="2022-02-15T03:35:27.777" v="1138" actId="2696"/>
+        <pc:sldMkLst>
+          <pc:docMk/>
+          <pc:sldMk cId="3440500440" sldId="263"/>
+        </pc:sldMkLst>
+      </pc:sldChg>
+      <pc:sldChg chg="del">
+        <pc:chgData name="Timothy Hall" userId="5e0a0c550da282fa" providerId="LiveId" clId="{0054019E-1DE1-4FB8-A028-D0DE1E4F96FF}" dt="2022-02-15T03:35:56.053" v="1149" actId="2696"/>
+        <pc:sldMkLst>
+          <pc:docMk/>
+          <pc:sldMk cId="4129439513" sldId="264"/>
+        </pc:sldMkLst>
+      </pc:sldChg>
+      <pc:sldChg chg="del">
+        <pc:chgData name="Timothy Hall" userId="5e0a0c550da282fa" providerId="LiveId" clId="{0054019E-1DE1-4FB8-A028-D0DE1E4F96FF}" dt="2022-02-17T01:10:42.636" v="1721" actId="47"/>
+        <pc:sldMkLst>
+          <pc:docMk/>
+          <pc:sldMk cId="1827431122" sldId="265"/>
+        </pc:sldMkLst>
+      </pc:sldChg>
+      <pc:sldChg chg="del">
+        <pc:chgData name="Timothy Hall" userId="5e0a0c550da282fa" providerId="LiveId" clId="{0054019E-1DE1-4FB8-A028-D0DE1E4F96FF}" dt="2022-02-17T01:10:44.722" v="1722" actId="47"/>
+        <pc:sldMkLst>
+          <pc:docMk/>
+          <pc:sldMk cId="2521986180" sldId="266"/>
+        </pc:sldMkLst>
+      </pc:sldChg>
+      <pc:sldChg chg="modSp add mod ord">
+        <pc:chgData name="Timothy Hall" userId="5e0a0c550da282fa" providerId="LiveId" clId="{0054019E-1DE1-4FB8-A028-D0DE1E4F96FF}" dt="2022-02-17T01:10:26.830" v="1715"/>
+        <pc:sldMkLst>
+          <pc:docMk/>
+          <pc:sldMk cId="3018503069" sldId="267"/>
+        </pc:sldMkLst>
+        <pc:spChg chg="mod">
+          <ac:chgData name="Timothy Hall" userId="5e0a0c550da282fa" providerId="LiveId" clId="{0054019E-1DE1-4FB8-A028-D0DE1E4F96FF}" dt="2022-02-17T01:10:11.421" v="1708" actId="21"/>
+          <ac:spMkLst>
+            <pc:docMk/>
+            <pc:sldMk cId="3018503069" sldId="267"/>
+            <ac:spMk id="2" creationId="{00000000-0000-0000-0000-000000000000}"/>
+          </ac:spMkLst>
+        </pc:spChg>
+        <pc:spChg chg="mod">
+          <ac:chgData name="Timothy Hall" userId="5e0a0c550da282fa" providerId="LiveId" clId="{0054019E-1DE1-4FB8-A028-D0DE1E4F96FF}" dt="2022-02-17T01:10:16.701" v="1711" actId="114"/>
+          <ac:spMkLst>
+            <pc:docMk/>
+            <pc:sldMk cId="3018503069" sldId="267"/>
+            <ac:spMk id="3" creationId="{00000000-0000-0000-0000-000000000000}"/>
+          </ac:spMkLst>
+        </pc:spChg>
+      </pc:sldChg>
+      <pc:sldChg chg="addSp delSp modSp add mod ord">
+        <pc:chgData name="Timothy Hall" userId="5e0a0c550da282fa" providerId="LiveId" clId="{0054019E-1DE1-4FB8-A028-D0DE1E4F96FF}" dt="2022-02-17T01:09:53.131" v="1705"/>
+        <pc:sldMkLst>
+          <pc:docMk/>
+          <pc:sldMk cId="14877298" sldId="268"/>
+        </pc:sldMkLst>
+        <pc:spChg chg="mod">
+          <ac:chgData name="Timothy Hall" userId="5e0a0c550da282fa" providerId="LiveId" clId="{0054019E-1DE1-4FB8-A028-D0DE1E4F96FF}" dt="2022-02-15T03:01:15.825" v="461" actId="20577"/>
+          <ac:spMkLst>
+            <pc:docMk/>
+            <pc:sldMk cId="14877298" sldId="268"/>
+            <ac:spMk id="2" creationId="{00000000-0000-0000-0000-000000000000}"/>
+          </ac:spMkLst>
+        </pc:spChg>
+        <pc:spChg chg="del mod">
+          <ac:chgData name="Timothy Hall" userId="5e0a0c550da282fa" providerId="LiveId" clId="{0054019E-1DE1-4FB8-A028-D0DE1E4F96FF}" dt="2022-02-15T02:58:25.003" v="334" actId="478"/>
+          <ac:spMkLst>
+            <pc:docMk/>
+            <pc:sldMk cId="14877298" sldId="268"/>
+            <ac:spMk id="3" creationId="{00000000-0000-0000-0000-000000000000}"/>
+          </ac:spMkLst>
+        </pc:spChg>
+        <pc:spChg chg="add del mod">
+          <ac:chgData name="Timothy Hall" userId="5e0a0c550da282fa" providerId="LiveId" clId="{0054019E-1DE1-4FB8-A028-D0DE1E4F96FF}" dt="2022-02-15T02:59:28.633" v="359" actId="20577"/>
+          <ac:spMkLst>
+            <pc:docMk/>
+            <pc:sldMk cId="14877298" sldId="268"/>
+            <ac:spMk id="5" creationId="{2E342FEA-94FF-4D53-A5FF-CB245A080CF9}"/>
+          </ac:spMkLst>
+        </pc:spChg>
+      </pc:sldChg>
+      <pc:sldChg chg="modSp add mod">
+        <pc:chgData name="Timothy Hall" userId="5e0a0c550da282fa" providerId="LiveId" clId="{0054019E-1DE1-4FB8-A028-D0DE1E4F96FF}" dt="2022-02-17T01:22:46.791" v="1969" actId="20577"/>
+        <pc:sldMkLst>
+          <pc:docMk/>
+          <pc:sldMk cId="2131042879" sldId="269"/>
+        </pc:sldMkLst>
+        <pc:spChg chg="mod">
+          <ac:chgData name="Timothy Hall" userId="5e0a0c550da282fa" providerId="LiveId" clId="{0054019E-1DE1-4FB8-A028-D0DE1E4F96FF}" dt="2022-02-17T01:22:46.791" v="1969" actId="20577"/>
+          <ac:spMkLst>
+            <pc:docMk/>
+            <pc:sldMk cId="2131042879" sldId="269"/>
+            <ac:spMk id="2" creationId="{00000000-0000-0000-0000-000000000000}"/>
+          </ac:spMkLst>
+        </pc:spChg>
+        <pc:spChg chg="mod">
+          <ac:chgData name="Timothy Hall" userId="5e0a0c550da282fa" providerId="LiveId" clId="{0054019E-1DE1-4FB8-A028-D0DE1E4F96FF}" dt="2022-02-17T01:11:26.011" v="1724" actId="20577"/>
+          <ac:spMkLst>
+            <pc:docMk/>
+            <pc:sldMk cId="2131042879" sldId="269"/>
+            <ac:spMk id="3" creationId="{00000000-0000-0000-0000-000000000000}"/>
+          </ac:spMkLst>
+        </pc:spChg>
+      </pc:sldChg>
+      <pc:sldChg chg="modSp add mod ord">
+        <pc:chgData name="Timothy Hall" userId="5e0a0c550da282fa" providerId="LiveId" clId="{0054019E-1DE1-4FB8-A028-D0DE1E4F96FF}" dt="2022-02-17T01:10:34.611" v="1717"/>
+        <pc:sldMkLst>
+          <pc:docMk/>
+          <pc:sldMk cId="1227202291" sldId="270"/>
+        </pc:sldMkLst>
+        <pc:spChg chg="mod">
+          <ac:chgData name="Timothy Hall" userId="5e0a0c550da282fa" providerId="LiveId" clId="{0054019E-1DE1-4FB8-A028-D0DE1E4F96FF}" dt="2022-02-15T03:06:31.930" v="675" actId="20577"/>
+          <ac:spMkLst>
+            <pc:docMk/>
+            <pc:sldMk cId="1227202291" sldId="270"/>
+            <ac:spMk id="2" creationId="{00000000-0000-0000-0000-000000000000}"/>
+          </ac:spMkLst>
+        </pc:spChg>
+        <pc:spChg chg="mod">
+          <ac:chgData name="Timothy Hall" userId="5e0a0c550da282fa" providerId="LiveId" clId="{0054019E-1DE1-4FB8-A028-D0DE1E4F96FF}" dt="2022-02-15T03:06:37.525" v="681" actId="20577"/>
+          <ac:spMkLst>
+            <pc:docMk/>
+            <pc:sldMk cId="1227202291" sldId="270"/>
+            <ac:spMk id="3" creationId="{00000000-0000-0000-0000-000000000000}"/>
+          </ac:spMkLst>
+        </pc:spChg>
+      </pc:sldChg>
+      <pc:sldChg chg="new del">
+        <pc:chgData name="Timothy Hall" userId="5e0a0c550da282fa" providerId="LiveId" clId="{0054019E-1DE1-4FB8-A028-D0DE1E4F96FF}" dt="2022-02-17T01:10:39.662" v="1720" actId="47"/>
+        <pc:sldMkLst>
+          <pc:docMk/>
+          <pc:sldMk cId="516951331" sldId="271"/>
+        </pc:sldMkLst>
+      </pc:sldChg>
+      <pc:sldChg chg="modSp new mod">
+        <pc:chgData name="Timothy Hall" userId="5e0a0c550da282fa" providerId="LiveId" clId="{0054019E-1DE1-4FB8-A028-D0DE1E4F96FF}" dt="2022-02-15T03:08:03.536" v="821" actId="20577"/>
+        <pc:sldMkLst>
+          <pc:docMk/>
+          <pc:sldMk cId="3210147841" sldId="272"/>
+        </pc:sldMkLst>
+        <pc:spChg chg="mod">
+          <ac:chgData name="Timothy Hall" userId="5e0a0c550da282fa" providerId="LiveId" clId="{0054019E-1DE1-4FB8-A028-D0DE1E4F96FF}" dt="2022-02-15T03:07:09.238" v="695" actId="20577"/>
+          <ac:spMkLst>
+            <pc:docMk/>
+            <pc:sldMk cId="3210147841" sldId="272"/>
+            <ac:spMk id="2" creationId="{68AB59C7-8F20-43F1-BBD1-C9D8DEEDAD44}"/>
+          </ac:spMkLst>
+        </pc:spChg>
+        <pc:spChg chg="mod">
+          <ac:chgData name="Timothy Hall" userId="5e0a0c550da282fa" providerId="LiveId" clId="{0054019E-1DE1-4FB8-A028-D0DE1E4F96FF}" dt="2022-02-15T03:08:03.536" v="821" actId="20577"/>
+          <ac:spMkLst>
+            <pc:docMk/>
+            <pc:sldMk cId="3210147841" sldId="272"/>
+            <ac:spMk id="3" creationId="{9D77C712-C942-4B27-919A-3E6A313ABF7A}"/>
+          </ac:spMkLst>
+        </pc:spChg>
+      </pc:sldChg>
+      <pc:sldChg chg="addSp modSp new mod">
+        <pc:chgData name="Timothy Hall" userId="5e0a0c550da282fa" providerId="LiveId" clId="{0054019E-1DE1-4FB8-A028-D0DE1E4F96FF}" dt="2022-02-17T00:12:32.917" v="1206" actId="20577"/>
+        <pc:sldMkLst>
+          <pc:docMk/>
+          <pc:sldMk cId="2878716918" sldId="273"/>
+        </pc:sldMkLst>
+        <pc:spChg chg="mod">
+          <ac:chgData name="Timothy Hall" userId="5e0a0c550da282fa" providerId="LiveId" clId="{0054019E-1DE1-4FB8-A028-D0DE1E4F96FF}" dt="2022-02-17T00:11:30.409" v="1179" actId="1035"/>
+          <ac:spMkLst>
+            <pc:docMk/>
+            <pc:sldMk cId="2878716918" sldId="273"/>
+            <ac:spMk id="2" creationId="{B88316E2-5057-4618-AB27-C9D7B7C09F30}"/>
+          </ac:spMkLst>
+        </pc:spChg>
+        <pc:spChg chg="mod">
+          <ac:chgData name="Timothy Hall" userId="5e0a0c550da282fa" providerId="LiveId" clId="{0054019E-1DE1-4FB8-A028-D0DE1E4F96FF}" dt="2022-02-17T00:12:32.917" v="1206" actId="20577"/>
+          <ac:spMkLst>
+            <pc:docMk/>
+            <pc:sldMk cId="2878716918" sldId="273"/>
+            <ac:spMk id="3" creationId="{BFAE3371-E89E-46F5-B3D0-802B96957AE5}"/>
+          </ac:spMkLst>
+        </pc:spChg>
+        <pc:picChg chg="add mod">
+          <ac:chgData name="Timothy Hall" userId="5e0a0c550da282fa" providerId="LiveId" clId="{0054019E-1DE1-4FB8-A028-D0DE1E4F96FF}" dt="2022-02-17T00:11:30.409" v="1179" actId="1035"/>
+          <ac:picMkLst>
+            <pc:docMk/>
+            <pc:sldMk cId="2878716918" sldId="273"/>
+            <ac:picMk id="5" creationId="{64399FAB-437B-45F5-805B-CE3520A494BF}"/>
+          </ac:picMkLst>
+        </pc:picChg>
+      </pc:sldChg>
+      <pc:sldChg chg="addSp delSp modSp new mod">
+        <pc:chgData name="Timothy Hall" userId="5e0a0c550da282fa" providerId="LiveId" clId="{0054019E-1DE1-4FB8-A028-D0DE1E4F96FF}" dt="2022-02-17T00:54:33.156" v="1320" actId="20577"/>
+        <pc:sldMkLst>
+          <pc:docMk/>
+          <pc:sldMk cId="4159678023" sldId="274"/>
+        </pc:sldMkLst>
+        <pc:spChg chg="mod">
+          <ac:chgData name="Timothy Hall" userId="5e0a0c550da282fa" providerId="LiveId" clId="{0054019E-1DE1-4FB8-A028-D0DE1E4F96FF}" dt="2022-02-17T00:54:33.156" v="1320" actId="20577"/>
+          <ac:spMkLst>
+            <pc:docMk/>
+            <pc:sldMk cId="4159678023" sldId="274"/>
+            <ac:spMk id="2" creationId="{8E3B73EC-28ED-4731-BA6B-308756F66CC5}"/>
+          </ac:spMkLst>
+        </pc:spChg>
+        <pc:spChg chg="del">
+          <ac:chgData name="Timothy Hall" userId="5e0a0c550da282fa" providerId="LiveId" clId="{0054019E-1DE1-4FB8-A028-D0DE1E4F96FF}" dt="2022-02-17T00:44:09.325" v="1218" actId="478"/>
+          <ac:spMkLst>
+            <pc:docMk/>
+            <pc:sldMk cId="4159678023" sldId="274"/>
+            <ac:spMk id="3" creationId="{C049936F-9582-4E70-B481-5CE81CD02D4C}"/>
+          </ac:spMkLst>
+        </pc:spChg>
+        <pc:spChg chg="del">
+          <ac:chgData name="Timothy Hall" userId="5e0a0c550da282fa" providerId="LiveId" clId="{0054019E-1DE1-4FB8-A028-D0DE1E4F96FF}" dt="2022-02-17T00:44:09.325" v="1218" actId="478"/>
+          <ac:spMkLst>
+            <pc:docMk/>
+            <pc:sldMk cId="4159678023" sldId="274"/>
+            <ac:spMk id="4" creationId="{6ABDF24E-82B7-4BD0-BEFC-3D434FE4D844}"/>
+          </ac:spMkLst>
+        </pc:spChg>
+        <pc:spChg chg="del">
+          <ac:chgData name="Timothy Hall" userId="5e0a0c550da282fa" providerId="LiveId" clId="{0054019E-1DE1-4FB8-A028-D0DE1E4F96FF}" dt="2022-02-17T00:44:09.325" v="1218" actId="478"/>
+          <ac:spMkLst>
+            <pc:docMk/>
+            <pc:sldMk cId="4159678023" sldId="274"/>
+            <ac:spMk id="5" creationId="{A970948D-822B-427B-801B-4DC1573520B5}"/>
+          </ac:spMkLst>
+        </pc:spChg>
+        <pc:spChg chg="del">
+          <ac:chgData name="Timothy Hall" userId="5e0a0c550da282fa" providerId="LiveId" clId="{0054019E-1DE1-4FB8-A028-D0DE1E4F96FF}" dt="2022-02-17T00:44:09.325" v="1218" actId="478"/>
+          <ac:spMkLst>
+            <pc:docMk/>
+            <pc:sldMk cId="4159678023" sldId="274"/>
+            <ac:spMk id="6" creationId="{175358D6-3B81-4DCF-A1A9-DDC3E435D9D8}"/>
+          </ac:spMkLst>
+        </pc:spChg>
+        <pc:picChg chg="add mod">
+          <ac:chgData name="Timothy Hall" userId="5e0a0c550da282fa" providerId="LiveId" clId="{0054019E-1DE1-4FB8-A028-D0DE1E4F96FF}" dt="2022-02-17T00:44:15.248" v="1220" actId="1076"/>
+          <ac:picMkLst>
+            <pc:docMk/>
+            <pc:sldMk cId="4159678023" sldId="274"/>
+            <ac:picMk id="8" creationId="{0A82D6D9-9B73-488D-9A7A-24898BC5076F}"/>
+          </ac:picMkLst>
+        </pc:picChg>
+      </pc:sldChg>
+      <pc:sldChg chg="add del">
+        <pc:chgData name="Timothy Hall" userId="5e0a0c550da282fa" providerId="LiveId" clId="{0054019E-1DE1-4FB8-A028-D0DE1E4F96FF}" dt="2022-02-17T01:10:37.465" v="1719" actId="47"/>
+        <pc:sldMkLst>
+          <pc:docMk/>
+          <pc:sldMk cId="3601722785" sldId="275"/>
+        </pc:sldMkLst>
+      </pc:sldChg>
+      <pc:sldChg chg="addSp delSp modSp add del mod">
+        <pc:chgData name="Timothy Hall" userId="5e0a0c550da282fa" providerId="LiveId" clId="{0054019E-1DE1-4FB8-A028-D0DE1E4F96FF}" dt="2022-02-17T01:12:54.064" v="1725" actId="2696"/>
+        <pc:sldMkLst>
+          <pc:docMk/>
+          <pc:sldMk cId="1732048941" sldId="276"/>
+        </pc:sldMkLst>
+        <pc:spChg chg="mod">
+          <ac:chgData name="Timothy Hall" userId="5e0a0c550da282fa" providerId="LiveId" clId="{0054019E-1DE1-4FB8-A028-D0DE1E4F96FF}" dt="2022-02-17T00:54:46.949" v="1360" actId="20577"/>
+          <ac:spMkLst>
+            <pc:docMk/>
+            <pc:sldMk cId="1732048941" sldId="276"/>
+            <ac:spMk id="2" creationId="{8E3B73EC-28ED-4731-BA6B-308756F66CC5}"/>
+          </ac:spMkLst>
+        </pc:spChg>
+        <pc:spChg chg="del">
+          <ac:chgData name="Timothy Hall" userId="5e0a0c550da282fa" providerId="LiveId" clId="{0054019E-1DE1-4FB8-A028-D0DE1E4F96FF}" dt="2022-02-17T00:44:43.112" v="1221" actId="478"/>
+          <ac:spMkLst>
+            <pc:docMk/>
+            <pc:sldMk cId="1732048941" sldId="276"/>
+            <ac:spMk id="3" creationId="{C049936F-9582-4E70-B481-5CE81CD02D4C}"/>
+          </ac:spMkLst>
+        </pc:spChg>
+        <pc:spChg chg="del">
+          <ac:chgData name="Timothy Hall" userId="5e0a0c550da282fa" providerId="LiveId" clId="{0054019E-1DE1-4FB8-A028-D0DE1E4F96FF}" dt="2022-02-17T00:44:43.112" v="1221" actId="478"/>
+          <ac:spMkLst>
+            <pc:docMk/>
+            <pc:sldMk cId="1732048941" sldId="276"/>
+            <ac:spMk id="4" creationId="{6ABDF24E-82B7-4BD0-BEFC-3D434FE4D844}"/>
+          </ac:spMkLst>
+        </pc:spChg>
+        <pc:spChg chg="del">
+          <ac:chgData name="Timothy Hall" userId="5e0a0c550da282fa" providerId="LiveId" clId="{0054019E-1DE1-4FB8-A028-D0DE1E4F96FF}" dt="2022-02-17T00:44:43.112" v="1221" actId="478"/>
+          <ac:spMkLst>
+            <pc:docMk/>
+            <pc:sldMk cId="1732048941" sldId="276"/>
+            <ac:spMk id="5" creationId="{A970948D-822B-427B-801B-4DC1573520B5}"/>
+          </ac:spMkLst>
+        </pc:spChg>
+        <pc:spChg chg="del">
+          <ac:chgData name="Timothy Hall" userId="5e0a0c550da282fa" providerId="LiveId" clId="{0054019E-1DE1-4FB8-A028-D0DE1E4F96FF}" dt="2022-02-17T00:44:43.112" v="1221" actId="478"/>
+          <ac:spMkLst>
+            <pc:docMk/>
+            <pc:sldMk cId="1732048941" sldId="276"/>
+            <ac:spMk id="6" creationId="{175358D6-3B81-4DCF-A1A9-DDC3E435D9D8}"/>
+          </ac:spMkLst>
+        </pc:spChg>
+        <pc:picChg chg="add mod">
+          <ac:chgData name="Timothy Hall" userId="5e0a0c550da282fa" providerId="LiveId" clId="{0054019E-1DE1-4FB8-A028-D0DE1E4F96FF}" dt="2022-02-17T00:44:46.418" v="1223" actId="1076"/>
+          <ac:picMkLst>
+            <pc:docMk/>
+            <pc:sldMk cId="1732048941" sldId="276"/>
+            <ac:picMk id="8" creationId="{83AF599F-CE23-4982-B3AF-1743E9736746}"/>
+          </ac:picMkLst>
+        </pc:picChg>
+      </pc:sldChg>
+      <pc:sldChg chg="addSp delSp modSp add mod ord">
+        <pc:chgData name="Timothy Hall" userId="5e0a0c550da282fa" providerId="LiveId" clId="{0054019E-1DE1-4FB8-A028-D0DE1E4F96FF}" dt="2022-02-17T01:13:58.974" v="1729"/>
+        <pc:sldMkLst>
+          <pc:docMk/>
+          <pc:sldMk cId="3215452090" sldId="277"/>
+        </pc:sldMkLst>
+        <pc:spChg chg="mod">
+          <ac:chgData name="Timothy Hall" userId="5e0a0c550da282fa" providerId="LiveId" clId="{0054019E-1DE1-4FB8-A028-D0DE1E4F96FF}" dt="2022-02-17T01:09:32.776" v="1699" actId="20577"/>
+          <ac:spMkLst>
+            <pc:docMk/>
+            <pc:sldMk cId="3215452090" sldId="277"/>
+            <ac:spMk id="2" creationId="{8E3B73EC-28ED-4731-BA6B-308756F66CC5}"/>
+          </ac:spMkLst>
+        </pc:spChg>
+        <pc:spChg chg="del">
+          <ac:chgData name="Timothy Hall" userId="5e0a0c550da282fa" providerId="LiveId" clId="{0054019E-1DE1-4FB8-A028-D0DE1E4F96FF}" dt="2022-02-17T00:44:57.416" v="1226" actId="478"/>
+          <ac:spMkLst>
+            <pc:docMk/>
+            <pc:sldMk cId="3215452090" sldId="277"/>
+            <ac:spMk id="3" creationId="{C049936F-9582-4E70-B481-5CE81CD02D4C}"/>
+          </ac:spMkLst>
+        </pc:spChg>
+        <pc:spChg chg="del">
+          <ac:chgData name="Timothy Hall" userId="5e0a0c550da282fa" providerId="LiveId" clId="{0054019E-1DE1-4FB8-A028-D0DE1E4F96FF}" dt="2022-02-17T00:44:57.416" v="1226" actId="478"/>
+          <ac:spMkLst>
+            <pc:docMk/>
+            <pc:sldMk cId="3215452090" sldId="277"/>
+            <ac:spMk id="4" creationId="{6ABDF24E-82B7-4BD0-BEFC-3D434FE4D844}"/>
+          </ac:spMkLst>
+        </pc:spChg>
+        <pc:spChg chg="del">
+          <ac:chgData name="Timothy Hall" userId="5e0a0c550da282fa" providerId="LiveId" clId="{0054019E-1DE1-4FB8-A028-D0DE1E4F96FF}" dt="2022-02-17T00:44:57.416" v="1226" actId="478"/>
+          <ac:spMkLst>
+            <pc:docMk/>
+            <pc:sldMk cId="3215452090" sldId="277"/>
+            <ac:spMk id="5" creationId="{A970948D-822B-427B-801B-4DC1573520B5}"/>
+          </ac:spMkLst>
+        </pc:spChg>
+        <pc:spChg chg="del">
+          <ac:chgData name="Timothy Hall" userId="5e0a0c550da282fa" providerId="LiveId" clId="{0054019E-1DE1-4FB8-A028-D0DE1E4F96FF}" dt="2022-02-17T00:44:57.416" v="1226" actId="478"/>
+          <ac:spMkLst>
+            <pc:docMk/>
+            <pc:sldMk cId="3215452090" sldId="277"/>
+            <ac:spMk id="6" creationId="{175358D6-3B81-4DCF-A1A9-DDC3E435D9D8}"/>
+          </ac:spMkLst>
+        </pc:spChg>
+        <pc:picChg chg="add del mod">
+          <ac:chgData name="Timothy Hall" userId="5e0a0c550da282fa" providerId="LiveId" clId="{0054019E-1DE1-4FB8-A028-D0DE1E4F96FF}" dt="2022-02-17T01:13:30.919" v="1726" actId="478"/>
+          <ac:picMkLst>
+            <pc:docMk/>
+            <pc:sldMk cId="3215452090" sldId="277"/>
+            <ac:picMk id="8" creationId="{7768F373-EB0A-4A37-9865-1DCDB45DDFE2}"/>
+          </ac:picMkLst>
+        </pc:picChg>
+        <pc:picChg chg="add mod">
+          <ac:chgData name="Timothy Hall" userId="5e0a0c550da282fa" providerId="LiveId" clId="{0054019E-1DE1-4FB8-A028-D0DE1E4F96FF}" dt="2022-02-17T01:13:33.700" v="1727" actId="1076"/>
+          <ac:picMkLst>
+            <pc:docMk/>
+            <pc:sldMk cId="3215452090" sldId="277"/>
+            <ac:picMk id="10" creationId="{F2A7CC71-57E6-4095-A2D5-7BEAE1F2D07C}"/>
+          </ac:picMkLst>
+        </pc:picChg>
+        <pc:picChg chg="add mod">
+          <ac:chgData name="Timothy Hall" userId="5e0a0c550da282fa" providerId="LiveId" clId="{0054019E-1DE1-4FB8-A028-D0DE1E4F96FF}" dt="2022-02-17T01:08:21.159" v="1680" actId="1076"/>
+          <ac:picMkLst>
+            <pc:docMk/>
+            <pc:sldMk cId="3215452090" sldId="277"/>
+            <ac:picMk id="12" creationId="{0C921492-3F77-4831-8660-10E25BDB03F6}"/>
+          </ac:picMkLst>
+        </pc:picChg>
+        <pc:picChg chg="add mod">
+          <ac:chgData name="Timothy Hall" userId="5e0a0c550da282fa" providerId="LiveId" clId="{0054019E-1DE1-4FB8-A028-D0DE1E4F96FF}" dt="2022-02-17T01:08:45.963" v="1683" actId="1076"/>
+          <ac:picMkLst>
+            <pc:docMk/>
+            <pc:sldMk cId="3215452090" sldId="277"/>
+            <ac:picMk id="14" creationId="{992AC260-FA4B-4D0E-A686-A10623CE8A9F}"/>
+          </ac:picMkLst>
+        </pc:picChg>
+      </pc:sldChg>
+      <pc:sldChg chg="addSp delSp modSp add mod">
+        <pc:chgData name="Timothy Hall" userId="5e0a0c550da282fa" providerId="LiveId" clId="{0054019E-1DE1-4FB8-A028-D0DE1E4F96FF}" dt="2022-02-17T01:06:26.499" v="1616" actId="1036"/>
+        <pc:sldMkLst>
+          <pc:docMk/>
+          <pc:sldMk cId="397957728" sldId="278"/>
+        </pc:sldMkLst>
+        <pc:spChg chg="mod">
+          <ac:chgData name="Timothy Hall" userId="5e0a0c550da282fa" providerId="LiveId" clId="{0054019E-1DE1-4FB8-A028-D0DE1E4F96FF}" dt="2022-02-17T01:02:16.136" v="1598" actId="14100"/>
+          <ac:spMkLst>
+            <pc:docMk/>
+            <pc:sldMk cId="397957728" sldId="278"/>
+            <ac:spMk id="2" creationId="{8E3B73EC-28ED-4731-BA6B-308756F66CC5}"/>
+          </ac:spMkLst>
+        </pc:spChg>
+        <pc:spChg chg="del">
+          <ac:chgData name="Timothy Hall" userId="5e0a0c550da282fa" providerId="LiveId" clId="{0054019E-1DE1-4FB8-A028-D0DE1E4F96FF}" dt="2022-02-17T00:45:51.692" v="1229" actId="478"/>
+          <ac:spMkLst>
+            <pc:docMk/>
+            <pc:sldMk cId="397957728" sldId="278"/>
+            <ac:spMk id="3" creationId="{C049936F-9582-4E70-B481-5CE81CD02D4C}"/>
+          </ac:spMkLst>
+        </pc:spChg>
+        <pc:spChg chg="del">
+          <ac:chgData name="Timothy Hall" userId="5e0a0c550da282fa" providerId="LiveId" clId="{0054019E-1DE1-4FB8-A028-D0DE1E4F96FF}" dt="2022-02-17T00:45:51.692" v="1229" actId="478"/>
+          <ac:spMkLst>
+            <pc:docMk/>
+            <pc:sldMk cId="397957728" sldId="278"/>
+            <ac:spMk id="4" creationId="{6ABDF24E-82B7-4BD0-BEFC-3D434FE4D844}"/>
+          </ac:spMkLst>
+        </pc:spChg>
+        <pc:spChg chg="del">
+          <ac:chgData name="Timothy Hall" userId="5e0a0c550da282fa" providerId="LiveId" clId="{0054019E-1DE1-4FB8-A028-D0DE1E4F96FF}" dt="2022-02-17T00:45:51.692" v="1229" actId="478"/>
+          <ac:spMkLst>
+            <pc:docMk/>
+            <pc:sldMk cId="397957728" sldId="278"/>
+            <ac:spMk id="5" creationId="{A970948D-822B-427B-801B-4DC1573520B5}"/>
+          </ac:spMkLst>
+        </pc:spChg>
+        <pc:spChg chg="del">
+          <ac:chgData name="Timothy Hall" userId="5e0a0c550da282fa" providerId="LiveId" clId="{0054019E-1DE1-4FB8-A028-D0DE1E4F96FF}" dt="2022-02-17T00:45:51.692" v="1229" actId="478"/>
+          <ac:spMkLst>
+            <pc:docMk/>
+            <pc:sldMk cId="397957728" sldId="278"/>
+            <ac:spMk id="6" creationId="{175358D6-3B81-4DCF-A1A9-DDC3E435D9D8}"/>
+          </ac:spMkLst>
+        </pc:spChg>
+        <pc:picChg chg="add del mod">
+          <ac:chgData name="Timothy Hall" userId="5e0a0c550da282fa" providerId="LiveId" clId="{0054019E-1DE1-4FB8-A028-D0DE1E4F96FF}" dt="2022-02-17T01:00:52.858" v="1564" actId="478"/>
+          <ac:picMkLst>
+            <pc:docMk/>
+            <pc:sldMk cId="397957728" sldId="278"/>
+            <ac:picMk id="8" creationId="{1DB6FA89-FF2F-48F6-9459-ED20AB75CF5D}"/>
+          </ac:picMkLst>
+        </pc:picChg>
+        <pc:picChg chg="add del">
+          <ac:chgData name="Timothy Hall" userId="5e0a0c550da282fa" providerId="LiveId" clId="{0054019E-1DE1-4FB8-A028-D0DE1E4F96FF}" dt="2022-02-17T01:00:51.989" v="1563" actId="22"/>
+          <ac:picMkLst>
+            <pc:docMk/>
+            <pc:sldMk cId="397957728" sldId="278"/>
+            <ac:picMk id="10" creationId="{F31BF21A-CABC-4C7E-B257-64F2BD1A1AF3}"/>
+          </ac:picMkLst>
+        </pc:picChg>
+        <pc:picChg chg="add del mod">
+          <ac:chgData name="Timothy Hall" userId="5e0a0c550da282fa" providerId="LiveId" clId="{0054019E-1DE1-4FB8-A028-D0DE1E4F96FF}" dt="2022-02-17T01:02:05.672" v="1594" actId="478"/>
+          <ac:picMkLst>
+            <pc:docMk/>
+            <pc:sldMk cId="397957728" sldId="278"/>
+            <ac:picMk id="12" creationId="{6CB4AC77-4133-4D36-9929-FAC9222997BE}"/>
+          </ac:picMkLst>
+        </pc:picChg>
+        <pc:picChg chg="add mod">
+          <ac:chgData name="Timothy Hall" userId="5e0a0c550da282fa" providerId="LiveId" clId="{0054019E-1DE1-4FB8-A028-D0DE1E4F96FF}" dt="2022-02-17T01:06:05.937" v="1610" actId="14100"/>
+          <ac:picMkLst>
+            <pc:docMk/>
+            <pc:sldMk cId="397957728" sldId="278"/>
+            <ac:picMk id="14" creationId="{232763AC-A5DB-4A14-AF9E-DA404DD64367}"/>
+          </ac:picMkLst>
+        </pc:picChg>
+        <pc:picChg chg="add mod">
+          <ac:chgData name="Timothy Hall" userId="5e0a0c550da282fa" providerId="LiveId" clId="{0054019E-1DE1-4FB8-A028-D0DE1E4F96FF}" dt="2022-02-17T01:06:00.536" v="1609" actId="1076"/>
+          <ac:picMkLst>
+            <pc:docMk/>
+            <pc:sldMk cId="397957728" sldId="278"/>
+            <ac:picMk id="16" creationId="{4FF4B1A2-FA2D-4109-A2C4-B798CD68FFDC}"/>
+          </ac:picMkLst>
+        </pc:picChg>
+        <pc:picChg chg="add mod">
+          <ac:chgData name="Timothy Hall" userId="5e0a0c550da282fa" providerId="LiveId" clId="{0054019E-1DE1-4FB8-A028-D0DE1E4F96FF}" dt="2022-02-17T01:06:20.008" v="1614" actId="14100"/>
+          <ac:picMkLst>
+            <pc:docMk/>
+            <pc:sldMk cId="397957728" sldId="278"/>
+            <ac:picMk id="18" creationId="{BB315E0A-A3C5-415D-AD82-6F11D74EDF67}"/>
+          </ac:picMkLst>
+        </pc:picChg>
+        <pc:picChg chg="add mod">
+          <ac:chgData name="Timothy Hall" userId="5e0a0c550da282fa" providerId="LiveId" clId="{0054019E-1DE1-4FB8-A028-D0DE1E4F96FF}" dt="2022-02-17T01:06:26.499" v="1616" actId="1036"/>
+          <ac:picMkLst>
+            <pc:docMk/>
+            <pc:sldMk cId="397957728" sldId="278"/>
+            <ac:picMk id="20" creationId="{D4A04698-B98C-4FB2-86B4-F4000242E2EB}"/>
+          </ac:picMkLst>
+        </pc:picChg>
+      </pc:sldChg>
+      <pc:sldChg chg="add del">
+        <pc:chgData name="Timothy Hall" userId="5e0a0c550da282fa" providerId="LiveId" clId="{0054019E-1DE1-4FB8-A028-D0DE1E4F96FF}" dt="2022-02-17T01:10:36.622" v="1718" actId="47"/>
+        <pc:sldMkLst>
+          <pc:docMk/>
+          <pc:sldMk cId="117097173" sldId="279"/>
+        </pc:sldMkLst>
+      </pc:sldChg>
+      <pc:sldChg chg="addSp modSp new mod">
+        <pc:chgData name="Timothy Hall" userId="5e0a0c550da282fa" providerId="LiveId" clId="{0054019E-1DE1-4FB8-A028-D0DE1E4F96FF}" dt="2022-02-17T00:13:42.004" v="1217" actId="14100"/>
+        <pc:sldMkLst>
+          <pc:docMk/>
+          <pc:sldMk cId="4008894201" sldId="280"/>
+        </pc:sldMkLst>
+        <pc:spChg chg="mod">
+          <ac:chgData name="Timothy Hall" userId="5e0a0c550da282fa" providerId="LiveId" clId="{0054019E-1DE1-4FB8-A028-D0DE1E4F96FF}" dt="2022-02-15T03:44:06.526" v="1165" actId="20577"/>
+          <ac:spMkLst>
+            <pc:docMk/>
+            <pc:sldMk cId="4008894201" sldId="280"/>
+            <ac:spMk id="2" creationId="{25CFC08B-2588-4A3C-92C9-03DD15EA8C58}"/>
+          </ac:spMkLst>
+        </pc:spChg>
+        <pc:spChg chg="mod">
+          <ac:chgData name="Timothy Hall" userId="5e0a0c550da282fa" providerId="LiveId" clId="{0054019E-1DE1-4FB8-A028-D0DE1E4F96FF}" dt="2022-02-17T00:13:42.004" v="1217" actId="14100"/>
+          <ac:spMkLst>
+            <pc:docMk/>
+            <pc:sldMk cId="4008894201" sldId="280"/>
+            <ac:spMk id="3" creationId="{8E1F5820-DAE1-40B9-99AF-BE5677F61FCD}"/>
+          </ac:spMkLst>
+        </pc:spChg>
+        <pc:spChg chg="add mod">
+          <ac:chgData name="Timothy Hall" userId="5e0a0c550da282fa" providerId="LiveId" clId="{0054019E-1DE1-4FB8-A028-D0DE1E4F96FF}" dt="2022-02-17T00:13:39.333" v="1216" actId="14100"/>
+          <ac:spMkLst>
+            <pc:docMk/>
+            <pc:sldMk cId="4008894201" sldId="280"/>
+            <ac:spMk id="4" creationId="{711653A7-FC17-4FD2-B5A3-B06FA14206DD}"/>
+          </ac:spMkLst>
+        </pc:spChg>
+      </pc:sldChg>
+      <pc:sldChg chg="addSp delSp modSp new mod ord">
+        <pc:chgData name="Timothy Hall" userId="5e0a0c550da282fa" providerId="LiveId" clId="{0054019E-1DE1-4FB8-A028-D0DE1E4F96FF}" dt="2022-02-17T01:19:37.346" v="1901"/>
+        <pc:sldMkLst>
+          <pc:docMk/>
+          <pc:sldMk cId="1571256617" sldId="281"/>
+        </pc:sldMkLst>
+        <pc:spChg chg="mod">
+          <ac:chgData name="Timothy Hall" userId="5e0a0c550da282fa" providerId="LiveId" clId="{0054019E-1DE1-4FB8-A028-D0DE1E4F96FF}" dt="2022-02-17T00:47:29.266" v="1270" actId="20577"/>
+          <ac:spMkLst>
+            <pc:docMk/>
+            <pc:sldMk cId="1571256617" sldId="281"/>
+            <ac:spMk id="2" creationId="{AFAB4EEB-8EB7-457A-AABC-F5CAFE732A04}"/>
+          </ac:spMkLst>
+        </pc:spChg>
+        <pc:spChg chg="del">
+          <ac:chgData name="Timothy Hall" userId="5e0a0c550da282fa" providerId="LiveId" clId="{0054019E-1DE1-4FB8-A028-D0DE1E4F96FF}" dt="2022-02-17T00:46:29.274" v="1233" actId="478"/>
+          <ac:spMkLst>
+            <pc:docMk/>
+            <pc:sldMk cId="1571256617" sldId="281"/>
+            <ac:spMk id="3" creationId="{3AB63137-B6B1-4E0D-9D7D-85AA1FE0DB2D}"/>
+          </ac:spMkLst>
+        </pc:spChg>
+        <pc:spChg chg="del">
+          <ac:chgData name="Timothy Hall" userId="5e0a0c550da282fa" providerId="LiveId" clId="{0054019E-1DE1-4FB8-A028-D0DE1E4F96FF}" dt="2022-02-17T00:46:29.274" v="1233" actId="478"/>
+          <ac:spMkLst>
+            <pc:docMk/>
+            <pc:sldMk cId="1571256617" sldId="281"/>
+            <ac:spMk id="4" creationId="{B2F7D43D-6374-40CF-9C23-82C5D84239C6}"/>
+          </ac:spMkLst>
+        </pc:spChg>
+        <pc:spChg chg="del">
+          <ac:chgData name="Timothy Hall" userId="5e0a0c550da282fa" providerId="LiveId" clId="{0054019E-1DE1-4FB8-A028-D0DE1E4F96FF}" dt="2022-02-17T00:46:29.274" v="1233" actId="478"/>
+          <ac:spMkLst>
+            <pc:docMk/>
+            <pc:sldMk cId="1571256617" sldId="281"/>
+            <ac:spMk id="5" creationId="{3BC65FF5-509F-42BC-B880-DE14390D07EE}"/>
+          </ac:spMkLst>
+        </pc:spChg>
+        <pc:spChg chg="del">
+          <ac:chgData name="Timothy Hall" userId="5e0a0c550da282fa" providerId="LiveId" clId="{0054019E-1DE1-4FB8-A028-D0DE1E4F96FF}" dt="2022-02-17T00:46:29.274" v="1233" actId="478"/>
+          <ac:spMkLst>
+            <pc:docMk/>
+            <pc:sldMk cId="1571256617" sldId="281"/>
+            <ac:spMk id="6" creationId="{5BA1426F-7B7C-4745-B871-4B27A333AF9B}"/>
+          </ac:spMkLst>
+        </pc:spChg>
+        <pc:picChg chg="add mod">
+          <ac:chgData name="Timothy Hall" userId="5e0a0c550da282fa" providerId="LiveId" clId="{0054019E-1DE1-4FB8-A028-D0DE1E4F96FF}" dt="2022-02-17T00:47:15.817" v="1244" actId="1035"/>
+          <ac:picMkLst>
+            <pc:docMk/>
+            <pc:sldMk cId="1571256617" sldId="281"/>
+            <ac:picMk id="8" creationId="{8F0C7225-97B5-434F-9079-5F1DF5911045}"/>
+          </ac:picMkLst>
+        </pc:picChg>
+        <pc:picChg chg="add mod">
+          <ac:chgData name="Timothy Hall" userId="5e0a0c550da282fa" providerId="LiveId" clId="{0054019E-1DE1-4FB8-A028-D0DE1E4F96FF}" dt="2022-02-17T00:47:13.242" v="1239" actId="1076"/>
+          <ac:picMkLst>
+            <pc:docMk/>
+            <pc:sldMk cId="1571256617" sldId="281"/>
+            <ac:picMk id="10" creationId="{73BEAAD5-E2B9-4CEE-BC78-9810B143FD78}"/>
+          </ac:picMkLst>
+        </pc:picChg>
+      </pc:sldChg>
+      <pc:sldChg chg="addSp delSp modSp new mod">
+        <pc:chgData name="Timothy Hall" userId="5e0a0c550da282fa" providerId="LiveId" clId="{0054019E-1DE1-4FB8-A028-D0DE1E4F96FF}" dt="2022-02-17T00:55:34.510" v="1442" actId="20577"/>
+        <pc:sldMkLst>
+          <pc:docMk/>
+          <pc:sldMk cId="513989486" sldId="282"/>
+        </pc:sldMkLst>
+        <pc:spChg chg="mod">
+          <ac:chgData name="Timothy Hall" userId="5e0a0c550da282fa" providerId="LiveId" clId="{0054019E-1DE1-4FB8-A028-D0DE1E4F96FF}" dt="2022-02-17T00:55:34.510" v="1442" actId="20577"/>
+          <ac:spMkLst>
+            <pc:docMk/>
+            <pc:sldMk cId="513989486" sldId="282"/>
+            <ac:spMk id="2" creationId="{86DF75D9-A227-45B7-B2F3-DC7CD5EDC96E}"/>
+          </ac:spMkLst>
+        </pc:spChg>
+        <pc:spChg chg="del">
+          <ac:chgData name="Timothy Hall" userId="5e0a0c550da282fa" providerId="LiveId" clId="{0054019E-1DE1-4FB8-A028-D0DE1E4F96FF}" dt="2022-02-17T00:47:57.170" v="1272" actId="478"/>
+          <ac:spMkLst>
+            <pc:docMk/>
+            <pc:sldMk cId="513989486" sldId="282"/>
+            <ac:spMk id="3" creationId="{9ECD8B75-49B8-4E63-AB46-9D2A9AE488E8}"/>
+          </ac:spMkLst>
+        </pc:spChg>
+        <pc:spChg chg="del">
+          <ac:chgData name="Timothy Hall" userId="5e0a0c550da282fa" providerId="LiveId" clId="{0054019E-1DE1-4FB8-A028-D0DE1E4F96FF}" dt="2022-02-17T00:47:57.170" v="1272" actId="478"/>
+          <ac:spMkLst>
+            <pc:docMk/>
+            <pc:sldMk cId="513989486" sldId="282"/>
+            <ac:spMk id="4" creationId="{4760FC0B-F849-4773-89D7-2B89BA990C25}"/>
+          </ac:spMkLst>
+        </pc:spChg>
+        <pc:spChg chg="del">
+          <ac:chgData name="Timothy Hall" userId="5e0a0c550da282fa" providerId="LiveId" clId="{0054019E-1DE1-4FB8-A028-D0DE1E4F96FF}" dt="2022-02-17T00:47:57.170" v="1272" actId="478"/>
+          <ac:spMkLst>
+            <pc:docMk/>
+            <pc:sldMk cId="513989486" sldId="282"/>
+            <ac:spMk id="5" creationId="{47588005-36D4-4120-ACC3-F1141FF3CB76}"/>
+          </ac:spMkLst>
+        </pc:spChg>
+        <pc:spChg chg="del">
+          <ac:chgData name="Timothy Hall" userId="5e0a0c550da282fa" providerId="LiveId" clId="{0054019E-1DE1-4FB8-A028-D0DE1E4F96FF}" dt="2022-02-17T00:47:57.170" v="1272" actId="478"/>
+          <ac:spMkLst>
+            <pc:docMk/>
+            <pc:sldMk cId="513989486" sldId="282"/>
+            <ac:spMk id="6" creationId="{0854F9BE-8A06-45E4-8715-BAF542D1EE98}"/>
+          </ac:spMkLst>
+        </pc:spChg>
+        <pc:picChg chg="add mod">
+          <ac:chgData name="Timothy Hall" userId="5e0a0c550da282fa" providerId="LiveId" clId="{0054019E-1DE1-4FB8-A028-D0DE1E4F96FF}" dt="2022-02-17T00:48:00.603" v="1274" actId="1076"/>
+          <ac:picMkLst>
+            <pc:docMk/>
+            <pc:sldMk cId="513989486" sldId="282"/>
+            <ac:picMk id="8" creationId="{402CB9E8-CBA4-4862-976C-1E60BD14ABBC}"/>
+          </ac:picMkLst>
+        </pc:picChg>
+      </pc:sldChg>
+      <pc:sldChg chg="addSp delSp modSp new mod ord">
+        <pc:chgData name="Timothy Hall" userId="5e0a0c550da282fa" providerId="LiveId" clId="{0054019E-1DE1-4FB8-A028-D0DE1E4F96FF}" dt="2022-02-17T01:21:17.369" v="1968"/>
+        <pc:sldMkLst>
+          <pc:docMk/>
+          <pc:sldMk cId="2847786804" sldId="283"/>
+        </pc:sldMkLst>
+        <pc:spChg chg="mod">
+          <ac:chgData name="Timothy Hall" userId="5e0a0c550da282fa" providerId="LiveId" clId="{0054019E-1DE1-4FB8-A028-D0DE1E4F96FF}" dt="2022-02-17T01:20:06.047" v="1962" actId="20577"/>
+          <ac:spMkLst>
+            <pc:docMk/>
+            <pc:sldMk cId="2847786804" sldId="283"/>
+            <ac:spMk id="2" creationId="{5D6B4C9E-A85B-43EA-AE39-CDFD1925F8E8}"/>
+          </ac:spMkLst>
+        </pc:spChg>
+        <pc:spChg chg="del">
+          <ac:chgData name="Timothy Hall" userId="5e0a0c550da282fa" providerId="LiveId" clId="{0054019E-1DE1-4FB8-A028-D0DE1E4F96FF}" dt="2022-02-17T00:48:31.879" v="1276" actId="478"/>
+          <ac:spMkLst>
+            <pc:docMk/>
+            <pc:sldMk cId="2847786804" sldId="283"/>
+            <ac:spMk id="3" creationId="{7190463D-C3E5-4861-86A3-2EE80C64E97E}"/>
+          </ac:spMkLst>
+        </pc:spChg>
+        <pc:spChg chg="del">
+          <ac:chgData name="Timothy Hall" userId="5e0a0c550da282fa" providerId="LiveId" clId="{0054019E-1DE1-4FB8-A028-D0DE1E4F96FF}" dt="2022-02-17T00:48:31.879" v="1276" actId="478"/>
+          <ac:spMkLst>
+            <pc:docMk/>
+            <pc:sldMk cId="2847786804" sldId="283"/>
+            <ac:spMk id="4" creationId="{D2B3B590-5F4F-4E50-8A36-DAA969F3A6EA}"/>
+          </ac:spMkLst>
+        </pc:spChg>
+        <pc:spChg chg="del">
+          <ac:chgData name="Timothy Hall" userId="5e0a0c550da282fa" providerId="LiveId" clId="{0054019E-1DE1-4FB8-A028-D0DE1E4F96FF}" dt="2022-02-17T00:48:31.879" v="1276" actId="478"/>
+          <ac:spMkLst>
+            <pc:docMk/>
+            <pc:sldMk cId="2847786804" sldId="283"/>
+            <ac:spMk id="5" creationId="{CD46B035-7952-468C-9C87-7A361B6B6AEE}"/>
+          </ac:spMkLst>
+        </pc:spChg>
+        <pc:spChg chg="del">
+          <ac:chgData name="Timothy Hall" userId="5e0a0c550da282fa" providerId="LiveId" clId="{0054019E-1DE1-4FB8-A028-D0DE1E4F96FF}" dt="2022-02-17T00:48:31.879" v="1276" actId="478"/>
+          <ac:spMkLst>
+            <pc:docMk/>
+            <pc:sldMk cId="2847786804" sldId="283"/>
+            <ac:spMk id="6" creationId="{012C929C-0B9E-4A37-B60C-49A812050213}"/>
+          </ac:spMkLst>
+        </pc:spChg>
+        <pc:picChg chg="add mod">
+          <ac:chgData name="Timothy Hall" userId="5e0a0c550da282fa" providerId="LiveId" clId="{0054019E-1DE1-4FB8-A028-D0DE1E4F96FF}" dt="2022-02-17T00:49:14.585" v="1283" actId="14100"/>
+          <ac:picMkLst>
+            <pc:docMk/>
+            <pc:sldMk cId="2847786804" sldId="283"/>
+            <ac:picMk id="8" creationId="{C3D46BD3-24E0-4D24-975D-0E902CBA9EFD}"/>
+          </ac:picMkLst>
+        </pc:picChg>
+        <pc:picChg chg="add mod">
+          <ac:chgData name="Timothy Hall" userId="5e0a0c550da282fa" providerId="LiveId" clId="{0054019E-1DE1-4FB8-A028-D0DE1E4F96FF}" dt="2022-02-17T01:20:29.441" v="1966" actId="1036"/>
+          <ac:picMkLst>
+            <pc:docMk/>
+            <pc:sldMk cId="2847786804" sldId="283"/>
+            <ac:picMk id="10" creationId="{037B9841-42B7-4118-ACFE-1CE7C287F239}"/>
+          </ac:picMkLst>
+        </pc:picChg>
+      </pc:sldChg>
+      <pc:sldChg chg="delSp new del mod">
+        <pc:chgData name="Timothy Hall" userId="5e0a0c550da282fa" providerId="LiveId" clId="{0054019E-1DE1-4FB8-A028-D0DE1E4F96FF}" dt="2022-02-17T01:06:32.851" v="1617" actId="47"/>
+        <pc:sldMkLst>
+          <pc:docMk/>
+          <pc:sldMk cId="3618547900" sldId="284"/>
+        </pc:sldMkLst>
+        <pc:spChg chg="del">
+          <ac:chgData name="Timothy Hall" userId="5e0a0c550da282fa" providerId="LiveId" clId="{0054019E-1DE1-4FB8-A028-D0DE1E4F96FF}" dt="2022-02-17T01:01:12.075" v="1593" actId="478"/>
+          <ac:spMkLst>
+            <pc:docMk/>
+            <pc:sldMk cId="3618547900" sldId="284"/>
+            <ac:spMk id="3" creationId="{9AE9D539-9380-4AE1-9626-F1B515F9F456}"/>
+          </ac:spMkLst>
+        </pc:spChg>
+        <pc:spChg chg="del">
+          <ac:chgData name="Timothy Hall" userId="5e0a0c550da282fa" providerId="LiveId" clId="{0054019E-1DE1-4FB8-A028-D0DE1E4F96FF}" dt="2022-02-17T01:01:12.075" v="1593" actId="478"/>
+          <ac:spMkLst>
+            <pc:docMk/>
+            <pc:sldMk cId="3618547900" sldId="284"/>
+            <ac:spMk id="4" creationId="{C78D1AD4-0C6F-4DD8-9A0B-9BE4AA328627}"/>
+          </ac:spMkLst>
+        </pc:spChg>
+        <pc:spChg chg="del">
+          <ac:chgData name="Timothy Hall" userId="5e0a0c550da282fa" providerId="LiveId" clId="{0054019E-1DE1-4FB8-A028-D0DE1E4F96FF}" dt="2022-02-17T01:01:12.075" v="1593" actId="478"/>
+          <ac:spMkLst>
+            <pc:docMk/>
+            <pc:sldMk cId="3618547900" sldId="284"/>
+            <ac:spMk id="5" creationId="{A6834D64-296A-4476-A210-FB82A497C5BE}"/>
+          </ac:spMkLst>
+        </pc:spChg>
+        <pc:spChg chg="del">
+          <ac:chgData name="Timothy Hall" userId="5e0a0c550da282fa" providerId="LiveId" clId="{0054019E-1DE1-4FB8-A028-D0DE1E4F96FF}" dt="2022-02-17T01:01:12.075" v="1593" actId="478"/>
+          <ac:spMkLst>
+            <pc:docMk/>
+            <pc:sldMk cId="3618547900" sldId="284"/>
+            <ac:spMk id="6" creationId="{8CFB61F1-4D63-4353-98D9-3BB65D32F72A}"/>
+          </ac:spMkLst>
+        </pc:spChg>
+      </pc:sldChg>
+      <pc:sldChg chg="addSp delSp modSp new mod ord">
+        <pc:chgData name="Timothy Hall" userId="5e0a0c550da282fa" providerId="LiveId" clId="{0054019E-1DE1-4FB8-A028-D0DE1E4F96FF}" dt="2022-02-17T01:18:25.783" v="1899" actId="20577"/>
+        <pc:sldMkLst>
+          <pc:docMk/>
+          <pc:sldMk cId="3765224128" sldId="284"/>
+        </pc:sldMkLst>
+        <pc:spChg chg="mod">
+          <ac:chgData name="Timothy Hall" userId="5e0a0c550da282fa" providerId="LiveId" clId="{0054019E-1DE1-4FB8-A028-D0DE1E4F96FF}" dt="2022-02-17T01:18:25.783" v="1899" actId="20577"/>
+          <ac:spMkLst>
+            <pc:docMk/>
+            <pc:sldMk cId="3765224128" sldId="284"/>
+            <ac:spMk id="2" creationId="{652A3402-2F29-4C6A-A4F5-829FC96647F6}"/>
+          </ac:spMkLst>
+        </pc:spChg>
+        <pc:spChg chg="del">
+          <ac:chgData name="Timothy Hall" userId="5e0a0c550da282fa" providerId="LiveId" clId="{0054019E-1DE1-4FB8-A028-D0DE1E4F96FF}" dt="2022-02-17T01:16:24.080" v="1731" actId="478"/>
+          <ac:spMkLst>
+            <pc:docMk/>
+            <pc:sldMk cId="3765224128" sldId="284"/>
+            <ac:spMk id="3" creationId="{BEC36830-E6B9-4A12-9BE2-AFDC4AFC0721}"/>
+          </ac:spMkLst>
+        </pc:spChg>
+        <pc:spChg chg="del">
+          <ac:chgData name="Timothy Hall" userId="5e0a0c550da282fa" providerId="LiveId" clId="{0054019E-1DE1-4FB8-A028-D0DE1E4F96FF}" dt="2022-02-17T01:16:24.080" v="1731" actId="478"/>
+          <ac:spMkLst>
+            <pc:docMk/>
+            <pc:sldMk cId="3765224128" sldId="284"/>
+            <ac:spMk id="4" creationId="{76103C80-7091-4FEB-94A4-E91E5B2C5899}"/>
+          </ac:spMkLst>
+        </pc:spChg>
+        <pc:spChg chg="del">
+          <ac:chgData name="Timothy Hall" userId="5e0a0c550da282fa" providerId="LiveId" clId="{0054019E-1DE1-4FB8-A028-D0DE1E4F96FF}" dt="2022-02-17T01:16:24.080" v="1731" actId="478"/>
+          <ac:spMkLst>
+            <pc:docMk/>
+            <pc:sldMk cId="3765224128" sldId="284"/>
+            <ac:spMk id="5" creationId="{102136C4-F1C3-4E5A-910B-6F4571D712DB}"/>
+          </ac:spMkLst>
+        </pc:spChg>
+        <pc:spChg chg="del">
+          <ac:chgData name="Timothy Hall" userId="5e0a0c550da282fa" providerId="LiveId" clId="{0054019E-1DE1-4FB8-A028-D0DE1E4F96FF}" dt="2022-02-17T01:16:24.080" v="1731" actId="478"/>
+          <ac:spMkLst>
+            <pc:docMk/>
+            <pc:sldMk cId="3765224128" sldId="284"/>
+            <ac:spMk id="6" creationId="{045E229E-D0DC-48F7-B0C1-45C40027CD54}"/>
+          </ac:spMkLst>
+        </pc:spChg>
+        <pc:picChg chg="add mod">
+          <ac:chgData name="Timothy Hall" userId="5e0a0c550da282fa" providerId="LiveId" clId="{0054019E-1DE1-4FB8-A028-D0DE1E4F96FF}" dt="2022-02-17T01:16:30.700" v="1734" actId="1076"/>
+          <ac:picMkLst>
+            <pc:docMk/>
+            <pc:sldMk cId="3765224128" sldId="284"/>
+            <ac:picMk id="8" creationId="{7E01EB7F-A63D-403E-8597-C130A826D86A}"/>
+          </ac:picMkLst>
+        </pc:picChg>
+      </pc:sldChg>
+    </pc:docChg>
+  </pc:docChgLst>
+</pc:chgInfo>
 </file>
 
 <file path=ppt/handoutMasters/handoutMaster1.xml><?xml version="1.0" encoding="utf-8"?>
@@ -4142,7 +1155,7 @@
           <a:p>
             <a:fld id="{061C5132-FFA3-4B02-9F09-22FCF40EFA74}" type="datetimeFigureOut">
               <a:rPr lang="en-US" smtClean="0"/>
-              <a:t>2/14/2022</a:t>
+              <a:t>2/16/2022</a:t>
             </a:fld>
             <a:endParaRPr lang="en-US"/>
           </a:p>
@@ -4307,7 +1320,7 @@
           <a:p>
             <a:fld id="{0B6E42C9-243F-4DC5-AFF6-9D56B5FA9D63}" type="datetimeFigureOut">
               <a:rPr lang="en-US" smtClean="0"/>
-              <a:t>2/14/2022</a:t>
+              <a:t>2/16/2022</a:t>
             </a:fld>
             <a:endParaRPr lang="en-US"/>
           </a:p>
@@ -4995,7 +2008,7 @@
           <a:p>
             <a:fld id="{B0FE2824-C2A0-4931-BB32-60B24BDBB3CC}" type="datetimeFigureOut">
               <a:rPr lang="en-US" smtClean="0"/>
-              <a:t>2/14/2022</a:t>
+              <a:t>2/16/2022</a:t>
             </a:fld>
             <a:endParaRPr lang="en-US"/>
           </a:p>
@@ -5190,7 +2203,7 @@
           <a:p>
             <a:fld id="{B0FE2824-C2A0-4931-BB32-60B24BDBB3CC}" type="datetimeFigureOut">
               <a:rPr lang="en-US" smtClean="0"/>
-              <a:t>2/14/2022</a:t>
+              <a:t>2/16/2022</a:t>
             </a:fld>
             <a:endParaRPr lang="en-US"/>
           </a:p>
@@ -5370,7 +2383,7 @@
           <a:p>
             <a:fld id="{B0FE2824-C2A0-4931-BB32-60B24BDBB3CC}" type="datetimeFigureOut">
               <a:rPr lang="en-US" smtClean="0"/>
-              <a:t>2/14/2022</a:t>
+              <a:t>2/16/2022</a:t>
             </a:fld>
             <a:endParaRPr lang="en-US"/>
           </a:p>
@@ -5890,7 +2903,7 @@
           <a:p>
             <a:fld id="{B0FE2824-C2A0-4931-BB32-60B24BDBB3CC}" type="datetimeFigureOut">
               <a:rPr lang="en-US" smtClean="0"/>
-              <a:t>2/14/2022</a:t>
+              <a:t>2/16/2022</a:t>
             </a:fld>
             <a:endParaRPr lang="en-US"/>
           </a:p>
@@ -6332,7 +3345,7 @@
           <a:p>
             <a:fld id="{B0FE2824-C2A0-4931-BB32-60B24BDBB3CC}" type="datetimeFigureOut">
               <a:rPr lang="en-US" smtClean="0"/>
-              <a:t>2/14/2022</a:t>
+              <a:t>2/16/2022</a:t>
             </a:fld>
             <a:endParaRPr lang="en-US"/>
           </a:p>
@@ -6461,7 +3474,7 @@
           <a:p>
             <a:fld id="{B0FE2824-C2A0-4931-BB32-60B24BDBB3CC}" type="datetimeFigureOut">
               <a:rPr lang="en-US" smtClean="0"/>
-              <a:t>2/14/2022</a:t>
+              <a:t>2/16/2022</a:t>
             </a:fld>
             <a:endParaRPr lang="en-US"/>
           </a:p>
@@ -6568,7 +3581,7 @@
           <a:p>
             <a:fld id="{B0FE2824-C2A0-4931-BB32-60B24BDBB3CC}" type="datetimeFigureOut">
               <a:rPr lang="en-US" smtClean="0"/>
-              <a:t>2/14/2022</a:t>
+              <a:t>2/16/2022</a:t>
             </a:fld>
             <a:endParaRPr lang="en-US"/>
           </a:p>
@@ -6864,7 +3877,7 @@
           <a:p>
             <a:fld id="{B0FE2824-C2A0-4931-BB32-60B24BDBB3CC}" type="datetimeFigureOut">
               <a:rPr lang="en-US" smtClean="0"/>
-              <a:t>2/14/2022</a:t>
+              <a:t>2/16/2022</a:t>
             </a:fld>
             <a:endParaRPr lang="en-US"/>
           </a:p>
@@ -7137,7 +4150,7 @@
           <a:p>
             <a:fld id="{B0FE2824-C2A0-4931-BB32-60B24BDBB3CC}" type="datetimeFigureOut">
               <a:rPr lang="en-US" smtClean="0"/>
-              <a:t>2/14/2022</a:t>
+              <a:t>2/16/2022</a:t>
             </a:fld>
             <a:endParaRPr lang="en-US"/>
           </a:p>
@@ -7431,7 +4444,7 @@
             <a:fld id="{B0FE2824-C2A0-4931-BB32-60B24BDBB3CC}" type="datetimeFigureOut">
               <a:rPr lang="en-US" smtClean="0"/>
               <a:pPr/>
-              <a:t>2/14/2022</a:t>
+              <a:t>2/16/2022</a:t>
             </a:fld>
             <a:endParaRPr lang="en-US"/>
           </a:p>
@@ -7986,7 +4999,13 @@
       </p:grpSpPr>
       <p:sp>
         <p:nvSpPr>
-          <p:cNvPr id="2" name="Title 1"/>
+          <p:cNvPr id="2" name="Title 1">
+            <a:extLst>
+              <a:ext uri="{FF2B5EF4-FFF2-40B4-BE49-F238E27FC236}">
+                <a16:creationId xmlns:a16="http://schemas.microsoft.com/office/drawing/2014/main" id="{8E3B73EC-28ED-4731-BA6B-308756F66CC5}"/>
+              </a:ext>
+            </a:extLst>
+          </p:cNvPr>
           <p:cNvSpPr>
             <a:spLocks noGrp="1"/>
           </p:cNvSpPr>
@@ -7994,46 +5013,117 @@
             <p:ph type="title"/>
           </p:nvPr>
         </p:nvSpPr>
-        <p:spPr/>
-        <p:txBody>
-          <a:bodyPr>
-            <a:normAutofit/>
-          </a:bodyPr>
-          <a:lstStyle/>
-          <a:p>
-            <a:r>
-              <a:rPr lang="en-US" sz="3500" dirty="0"/>
-              <a:t>If you were to invest today, which zip codes have the lowest cost investment per square ft. = (Best Investment) ?</a:t>
-            </a:r>
-          </a:p>
-        </p:txBody>
-      </p:sp>
-      <p:sp>
-        <p:nvSpPr>
-          <p:cNvPr id="3" name="Text Placeholder 2"/>
-          <p:cNvSpPr>
-            <a:spLocks noGrp="1"/>
-          </p:cNvSpPr>
-          <p:nvPr>
-            <p:ph type="body" idx="1"/>
-          </p:nvPr>
-        </p:nvSpPr>
-        <p:spPr/>
+        <p:spPr>
+          <a:xfrm>
+            <a:off x="838200" y="-76200"/>
+            <a:ext cx="10515600" cy="1145224"/>
+          </a:xfrm>
+        </p:spPr>
         <p:txBody>
           <a:bodyPr/>
           <a:lstStyle/>
           <a:p>
             <a:r>
-              <a:rPr lang="en-US" i="1" dirty="0"/>
-              <a:t>Question 1</a:t>
-            </a:r>
-          </a:p>
-        </p:txBody>
-      </p:sp>
+              <a:rPr lang="en-US" dirty="0"/>
+              <a:t>Value Bucket Ranges for Home Groups</a:t>
+            </a:r>
+          </a:p>
+        </p:txBody>
+      </p:sp>
+      <p:pic>
+        <p:nvPicPr>
+          <p:cNvPr id="10" name="Picture 9">
+            <a:extLst>
+              <a:ext uri="{FF2B5EF4-FFF2-40B4-BE49-F238E27FC236}">
+                <a16:creationId xmlns:a16="http://schemas.microsoft.com/office/drawing/2014/main" id="{F2A7CC71-57E6-4095-A2D5-7BEAE1F2D07C}"/>
+              </a:ext>
+            </a:extLst>
+          </p:cNvPr>
+          <p:cNvPicPr>
+            <a:picLocks noChangeAspect="1"/>
+          </p:cNvPicPr>
+          <p:nvPr/>
+        </p:nvPicPr>
+        <p:blipFill>
+          <a:blip r:embed="rId2"/>
+          <a:stretch>
+            <a:fillRect/>
+          </a:stretch>
+        </p:blipFill>
+        <p:spPr>
+          <a:xfrm>
+            <a:off x="2895600" y="1293119"/>
+            <a:ext cx="5006619" cy="2438690"/>
+          </a:xfrm>
+          <a:prstGeom prst="rect">
+            <a:avLst/>
+          </a:prstGeom>
+        </p:spPr>
+      </p:pic>
+      <p:pic>
+        <p:nvPicPr>
+          <p:cNvPr id="12" name="Picture 11">
+            <a:extLst>
+              <a:ext uri="{FF2B5EF4-FFF2-40B4-BE49-F238E27FC236}">
+                <a16:creationId xmlns:a16="http://schemas.microsoft.com/office/drawing/2014/main" id="{0C921492-3F77-4831-8660-10E25BDB03F6}"/>
+              </a:ext>
+            </a:extLst>
+          </p:cNvPr>
+          <p:cNvPicPr>
+            <a:picLocks noChangeAspect="1"/>
+          </p:cNvPicPr>
+          <p:nvPr/>
+        </p:nvPicPr>
+        <p:blipFill>
+          <a:blip r:embed="rId3"/>
+          <a:stretch>
+            <a:fillRect/>
+          </a:stretch>
+        </p:blipFill>
+        <p:spPr>
+          <a:xfrm>
+            <a:off x="636660" y="4114800"/>
+            <a:ext cx="5053013" cy="2472265"/>
+          </a:xfrm>
+          <a:prstGeom prst="rect">
+            <a:avLst/>
+          </a:prstGeom>
+        </p:spPr>
+      </p:pic>
+      <p:pic>
+        <p:nvPicPr>
+          <p:cNvPr id="14" name="Picture 13">
+            <a:extLst>
+              <a:ext uri="{FF2B5EF4-FFF2-40B4-BE49-F238E27FC236}">
+                <a16:creationId xmlns:a16="http://schemas.microsoft.com/office/drawing/2014/main" id="{992AC260-FA4B-4D0E-A686-A10623CE8A9F}"/>
+              </a:ext>
+            </a:extLst>
+          </p:cNvPr>
+          <p:cNvPicPr>
+            <a:picLocks noChangeAspect="1"/>
+          </p:cNvPicPr>
+          <p:nvPr/>
+        </p:nvPicPr>
+        <p:blipFill>
+          <a:blip r:embed="rId4"/>
+          <a:stretch>
+            <a:fillRect/>
+          </a:stretch>
+        </p:blipFill>
+        <p:spPr>
+          <a:xfrm>
+            <a:off x="6096000" y="3942051"/>
+            <a:ext cx="5459340" cy="2729670"/>
+          </a:xfrm>
+          <a:prstGeom prst="rect">
+            <a:avLst/>
+          </a:prstGeom>
+        </p:spPr>
+      </p:pic>
     </p:spTree>
     <p:extLst>
       <p:ext uri="{BB962C8B-B14F-4D97-AF65-F5344CB8AC3E}">
-        <p14:creationId xmlns:p14="http://schemas.microsoft.com/office/powerpoint/2010/main" val="1783796071"/>
+        <p14:creationId xmlns:p14="http://schemas.microsoft.com/office/powerpoint/2010/main" val="3215452090"/>
       </p:ext>
     </p:extLst>
   </p:cSld>
@@ -8077,7 +5167,7 @@
           <p:cNvPr id="2" name="Title 1">
             <a:extLst>
               <a:ext uri="{FF2B5EF4-FFF2-40B4-BE49-F238E27FC236}">
-                <a16:creationId xmlns:a16="http://schemas.microsoft.com/office/drawing/2014/main" id="{8E3B73EC-28ED-4731-BA6B-308756F66CC5}"/>
+                <a16:creationId xmlns:a16="http://schemas.microsoft.com/office/drawing/2014/main" id="{AFAB4EEB-8EB7-457A-AABC-F5CAFE732A04}"/>
               </a:ext>
             </a:extLst>
           </p:cNvPr>
@@ -8088,122 +5178,87 @@
             <p:ph type="title"/>
           </p:nvPr>
         </p:nvSpPr>
-        <p:spPr/>
+        <p:spPr>
+          <a:xfrm>
+            <a:off x="838200" y="365126"/>
+            <a:ext cx="10515600" cy="777874"/>
+          </a:xfrm>
+        </p:spPr>
         <p:txBody>
           <a:bodyPr/>
           <a:lstStyle/>
           <a:p>
             <a:r>
               <a:rPr lang="en-US" dirty="0"/>
-              <a:t>Put a Plot here?</a:t>
-            </a:r>
-          </a:p>
-        </p:txBody>
-      </p:sp>
-      <p:sp>
-        <p:nvSpPr>
-          <p:cNvPr id="3" name="Text Placeholder 2">
+              <a:t>Off Market in 2 Weeks</a:t>
+            </a:r>
+          </a:p>
+        </p:txBody>
+      </p:sp>
+      <p:pic>
+        <p:nvPicPr>
+          <p:cNvPr id="8" name="Picture 7">
             <a:extLst>
               <a:ext uri="{FF2B5EF4-FFF2-40B4-BE49-F238E27FC236}">
-                <a16:creationId xmlns:a16="http://schemas.microsoft.com/office/drawing/2014/main" id="{C049936F-9582-4E70-B481-5CE81CD02D4C}"/>
+                <a16:creationId xmlns:a16="http://schemas.microsoft.com/office/drawing/2014/main" id="{8F0C7225-97B5-434F-9079-5F1DF5911045}"/>
               </a:ext>
             </a:extLst>
           </p:cNvPr>
-          <p:cNvSpPr>
-            <a:spLocks noGrp="1"/>
-          </p:cNvSpPr>
-          <p:nvPr>
-            <p:ph type="body" idx="1"/>
-          </p:nvPr>
-        </p:nvSpPr>
-        <p:spPr/>
-        <p:txBody>
-          <a:bodyPr/>
-          <a:lstStyle/>
-          <a:p>
-            <a:endParaRPr lang="en-US"/>
-          </a:p>
-        </p:txBody>
-      </p:sp>
-      <p:sp>
-        <p:nvSpPr>
-          <p:cNvPr id="4" name="Content Placeholder 3">
+          <p:cNvPicPr>
+            <a:picLocks noChangeAspect="1"/>
+          </p:cNvPicPr>
+          <p:nvPr/>
+        </p:nvPicPr>
+        <p:blipFill>
+          <a:blip r:embed="rId2"/>
+          <a:stretch>
+            <a:fillRect/>
+          </a:stretch>
+        </p:blipFill>
+        <p:spPr>
+          <a:xfrm>
+            <a:off x="228600" y="1295400"/>
+            <a:ext cx="7848600" cy="2676760"/>
+          </a:xfrm>
+          <a:prstGeom prst="rect">
+            <a:avLst/>
+          </a:prstGeom>
+        </p:spPr>
+      </p:pic>
+      <p:pic>
+        <p:nvPicPr>
+          <p:cNvPr id="10" name="Picture 9">
             <a:extLst>
               <a:ext uri="{FF2B5EF4-FFF2-40B4-BE49-F238E27FC236}">
-                <a16:creationId xmlns:a16="http://schemas.microsoft.com/office/drawing/2014/main" id="{6ABDF24E-82B7-4BD0-BEFC-3D434FE4D844}"/>
+                <a16:creationId xmlns:a16="http://schemas.microsoft.com/office/drawing/2014/main" id="{73BEAAD5-E2B9-4CEE-BC78-9810B143FD78}"/>
               </a:ext>
             </a:extLst>
           </p:cNvPr>
-          <p:cNvSpPr>
-            <a:spLocks noGrp="1"/>
-          </p:cNvSpPr>
-          <p:nvPr>
-            <p:ph sz="half" idx="2"/>
-          </p:nvPr>
-        </p:nvSpPr>
-        <p:spPr/>
-        <p:txBody>
-          <a:bodyPr/>
-          <a:lstStyle/>
-          <a:p>
-            <a:endParaRPr lang="en-US"/>
-          </a:p>
-        </p:txBody>
-      </p:sp>
-      <p:sp>
-        <p:nvSpPr>
-          <p:cNvPr id="5" name="Text Placeholder 4">
-            <a:extLst>
-              <a:ext uri="{FF2B5EF4-FFF2-40B4-BE49-F238E27FC236}">
-                <a16:creationId xmlns:a16="http://schemas.microsoft.com/office/drawing/2014/main" id="{A970948D-822B-427B-801B-4DC1573520B5}"/>
-              </a:ext>
-            </a:extLst>
-          </p:cNvPr>
-          <p:cNvSpPr>
-            <a:spLocks noGrp="1"/>
-          </p:cNvSpPr>
-          <p:nvPr>
-            <p:ph type="body" sz="quarter" idx="3"/>
-          </p:nvPr>
-        </p:nvSpPr>
-        <p:spPr/>
-        <p:txBody>
-          <a:bodyPr/>
-          <a:lstStyle/>
-          <a:p>
-            <a:endParaRPr lang="en-US"/>
-          </a:p>
-        </p:txBody>
-      </p:sp>
-      <p:sp>
-        <p:nvSpPr>
-          <p:cNvPr id="6" name="Content Placeholder 5">
-            <a:extLst>
-              <a:ext uri="{FF2B5EF4-FFF2-40B4-BE49-F238E27FC236}">
-                <a16:creationId xmlns:a16="http://schemas.microsoft.com/office/drawing/2014/main" id="{175358D6-3B81-4DCF-A1A9-DDC3E435D9D8}"/>
-              </a:ext>
-            </a:extLst>
-          </p:cNvPr>
-          <p:cNvSpPr>
-            <a:spLocks noGrp="1"/>
-          </p:cNvSpPr>
-          <p:nvPr>
-            <p:ph sz="quarter" idx="4"/>
-          </p:nvPr>
-        </p:nvSpPr>
-        <p:spPr/>
-        <p:txBody>
-          <a:bodyPr/>
-          <a:lstStyle/>
-          <a:p>
-            <a:endParaRPr lang="en-US"/>
-          </a:p>
-        </p:txBody>
-      </p:sp>
+          <p:cNvPicPr>
+            <a:picLocks noChangeAspect="1"/>
+          </p:cNvPicPr>
+          <p:nvPr/>
+        </p:nvPicPr>
+        <p:blipFill>
+          <a:blip r:embed="rId3"/>
+          <a:stretch>
+            <a:fillRect/>
+          </a:stretch>
+        </p:blipFill>
+        <p:spPr>
+          <a:xfrm>
+            <a:off x="3614737" y="3993461"/>
+            <a:ext cx="8558213" cy="2855014"/>
+          </a:xfrm>
+          <a:prstGeom prst="rect">
+            <a:avLst/>
+          </a:prstGeom>
+        </p:spPr>
+      </p:pic>
     </p:spTree>
     <p:extLst>
       <p:ext uri="{BB962C8B-B14F-4D97-AF65-F5344CB8AC3E}">
-        <p14:creationId xmlns:p14="http://schemas.microsoft.com/office/powerpoint/2010/main" val="4159678023"/>
+        <p14:creationId xmlns:p14="http://schemas.microsoft.com/office/powerpoint/2010/main" val="1571256617"/>
       </p:ext>
     </p:extLst>
   </p:cSld>
@@ -8247,7 +5302,7 @@
           <p:cNvPr id="2" name="Title 1">
             <a:extLst>
               <a:ext uri="{FF2B5EF4-FFF2-40B4-BE49-F238E27FC236}">
-                <a16:creationId xmlns:a16="http://schemas.microsoft.com/office/drawing/2014/main" id="{8E3B73EC-28ED-4731-BA6B-308756F66CC5}"/>
+                <a16:creationId xmlns:a16="http://schemas.microsoft.com/office/drawing/2014/main" id="{5D6B4C9E-A85B-43EA-AE39-CDFD1925F8E8}"/>
               </a:ext>
             </a:extLst>
           </p:cNvPr>
@@ -8265,115 +5320,75 @@
           <a:p>
             <a:r>
               <a:rPr lang="en-US" dirty="0"/>
-              <a:t>Put a Plot here?</a:t>
-            </a:r>
-          </a:p>
-        </p:txBody>
-      </p:sp>
-      <p:sp>
-        <p:nvSpPr>
-          <p:cNvPr id="3" name="Text Placeholder 2">
+              <a:t>Median Sales Price Year Over Year</a:t>
+            </a:r>
+          </a:p>
+        </p:txBody>
+      </p:sp>
+      <p:pic>
+        <p:nvPicPr>
+          <p:cNvPr id="8" name="Picture 7">
             <a:extLst>
               <a:ext uri="{FF2B5EF4-FFF2-40B4-BE49-F238E27FC236}">
-                <a16:creationId xmlns:a16="http://schemas.microsoft.com/office/drawing/2014/main" id="{C049936F-9582-4E70-B481-5CE81CD02D4C}"/>
+                <a16:creationId xmlns:a16="http://schemas.microsoft.com/office/drawing/2014/main" id="{C3D46BD3-24E0-4D24-975D-0E902CBA9EFD}"/>
               </a:ext>
             </a:extLst>
           </p:cNvPr>
-          <p:cNvSpPr>
-            <a:spLocks noGrp="1"/>
-          </p:cNvSpPr>
-          <p:nvPr>
-            <p:ph type="body" idx="1"/>
-          </p:nvPr>
-        </p:nvSpPr>
-        <p:spPr/>
-        <p:txBody>
-          <a:bodyPr/>
-          <a:lstStyle/>
-          <a:p>
-            <a:endParaRPr lang="en-US"/>
-          </a:p>
-        </p:txBody>
-      </p:sp>
-      <p:sp>
-        <p:nvSpPr>
-          <p:cNvPr id="4" name="Content Placeholder 3">
+          <p:cNvPicPr>
+            <a:picLocks noChangeAspect="1"/>
+          </p:cNvPicPr>
+          <p:nvPr/>
+        </p:nvPicPr>
+        <p:blipFill>
+          <a:blip r:embed="rId2"/>
+          <a:stretch>
+            <a:fillRect/>
+          </a:stretch>
+        </p:blipFill>
+        <p:spPr>
+          <a:xfrm>
+            <a:off x="76200" y="1676400"/>
+            <a:ext cx="7848600" cy="2642646"/>
+          </a:xfrm>
+          <a:prstGeom prst="rect">
+            <a:avLst/>
+          </a:prstGeom>
+        </p:spPr>
+      </p:pic>
+      <p:pic>
+        <p:nvPicPr>
+          <p:cNvPr id="10" name="Picture 9">
             <a:extLst>
               <a:ext uri="{FF2B5EF4-FFF2-40B4-BE49-F238E27FC236}">
-                <a16:creationId xmlns:a16="http://schemas.microsoft.com/office/drawing/2014/main" id="{6ABDF24E-82B7-4BD0-BEFC-3D434FE4D844}"/>
+                <a16:creationId xmlns:a16="http://schemas.microsoft.com/office/drawing/2014/main" id="{037B9841-42B7-4118-ACFE-1CE7C287F239}"/>
               </a:ext>
             </a:extLst>
           </p:cNvPr>
-          <p:cNvSpPr>
-            <a:spLocks noGrp="1"/>
-          </p:cNvSpPr>
-          <p:nvPr>
-            <p:ph sz="half" idx="2"/>
-          </p:nvPr>
-        </p:nvSpPr>
-        <p:spPr/>
-        <p:txBody>
-          <a:bodyPr/>
-          <a:lstStyle/>
-          <a:p>
-            <a:endParaRPr lang="en-US"/>
-          </a:p>
-        </p:txBody>
-      </p:sp>
-      <p:sp>
-        <p:nvSpPr>
-          <p:cNvPr id="5" name="Text Placeholder 4">
-            <a:extLst>
-              <a:ext uri="{FF2B5EF4-FFF2-40B4-BE49-F238E27FC236}">
-                <a16:creationId xmlns:a16="http://schemas.microsoft.com/office/drawing/2014/main" id="{A970948D-822B-427B-801B-4DC1573520B5}"/>
-              </a:ext>
-            </a:extLst>
-          </p:cNvPr>
-          <p:cNvSpPr>
-            <a:spLocks noGrp="1"/>
-          </p:cNvSpPr>
-          <p:nvPr>
-            <p:ph type="body" sz="quarter" idx="3"/>
-          </p:nvPr>
-        </p:nvSpPr>
-        <p:spPr/>
-        <p:txBody>
-          <a:bodyPr/>
-          <a:lstStyle/>
-          <a:p>
-            <a:endParaRPr lang="en-US"/>
-          </a:p>
-        </p:txBody>
-      </p:sp>
-      <p:sp>
-        <p:nvSpPr>
-          <p:cNvPr id="6" name="Content Placeholder 5">
-            <a:extLst>
-              <a:ext uri="{FF2B5EF4-FFF2-40B4-BE49-F238E27FC236}">
-                <a16:creationId xmlns:a16="http://schemas.microsoft.com/office/drawing/2014/main" id="{175358D6-3B81-4DCF-A1A9-DDC3E435D9D8}"/>
-              </a:ext>
-            </a:extLst>
-          </p:cNvPr>
-          <p:cNvSpPr>
-            <a:spLocks noGrp="1"/>
-          </p:cNvSpPr>
-          <p:nvPr>
-            <p:ph sz="quarter" idx="4"/>
-          </p:nvPr>
-        </p:nvSpPr>
-        <p:spPr/>
-        <p:txBody>
-          <a:bodyPr/>
-          <a:lstStyle/>
-          <a:p>
-            <a:endParaRPr lang="en-US"/>
-          </a:p>
-        </p:txBody>
-      </p:sp>
+          <p:cNvPicPr>
+            <a:picLocks noChangeAspect="1"/>
+          </p:cNvPicPr>
+          <p:nvPr/>
+        </p:nvPicPr>
+        <p:blipFill>
+          <a:blip r:embed="rId3"/>
+          <a:stretch>
+            <a:fillRect/>
+          </a:stretch>
+        </p:blipFill>
+        <p:spPr>
+          <a:xfrm>
+            <a:off x="3886200" y="4051828"/>
+            <a:ext cx="7696200" cy="2806172"/>
+          </a:xfrm>
+          <a:prstGeom prst="rect">
+            <a:avLst/>
+          </a:prstGeom>
+        </p:spPr>
+      </p:pic>
     </p:spTree>
     <p:extLst>
       <p:ext uri="{BB962C8B-B14F-4D97-AF65-F5344CB8AC3E}">
-        <p14:creationId xmlns:p14="http://schemas.microsoft.com/office/powerpoint/2010/main" val="1732048941"/>
+        <p14:creationId xmlns:p14="http://schemas.microsoft.com/office/powerpoint/2010/main" val="2847786804"/>
       </p:ext>
     </p:extLst>
   </p:cSld>
@@ -8425,34 +5440,20 @@
         <p:spPr/>
         <p:txBody>
           <a:bodyPr>
-            <a:noAutofit/>
+            <a:normAutofit fontScale="90000"/>
           </a:bodyPr>
           <a:lstStyle/>
           <a:p>
             <a:r>
-              <a:rPr lang="en-US" sz="3500" dirty="0"/>
-              <a:t>Identification of Low Risk, High Yield (Best Investment) Property categorized by Property Type, Bedroom size, </a:t>
-            </a:r>
-            <a:r>
-              <a:rPr lang="en-US" sz="3500" dirty="0" err="1"/>
-              <a:t>community_amenities</a:t>
-            </a:r>
-            <a:r>
-              <a:rPr lang="en-US" sz="3500" dirty="0"/>
-              <a:t>? </a:t>
-            </a:r>
-          </a:p>
-        </p:txBody>
-      </p:sp>
-      <p:sp>
-        <p:nvSpPr>
-          <p:cNvPr id="5" name="Text Placeholder 4">
-            <a:extLst>
-              <a:ext uri="{FF2B5EF4-FFF2-40B4-BE49-F238E27FC236}">
-                <a16:creationId xmlns:a16="http://schemas.microsoft.com/office/drawing/2014/main" id="{2E342FEA-94FF-4D53-A5FF-CB245A080CF9}"/>
-              </a:ext>
-            </a:extLst>
-          </p:cNvPr>
+              <a:rPr lang="en-US" dirty="0"/>
+              <a:t>Is the housing market in Arizona healthy and sustainable. </a:t>
+            </a:r>
+          </a:p>
+        </p:txBody>
+      </p:sp>
+      <p:sp>
+        <p:nvSpPr>
+          <p:cNvPr id="3" name="Text Placeholder 2"/>
           <p:cNvSpPr>
             <a:spLocks noGrp="1"/>
           </p:cNvSpPr>
@@ -8466,8 +5467,8 @@
           <a:lstStyle/>
           <a:p>
             <a:r>
-              <a:rPr lang="en-US" dirty="0"/>
-              <a:t>Question 2</a:t>
+              <a:rPr lang="en-US" i="1" dirty="0"/>
+              <a:t>Question 3</a:t>
             </a:r>
           </a:p>
         </p:txBody>
@@ -8475,7 +5476,7 @@
     </p:spTree>
     <p:extLst>
       <p:ext uri="{BB962C8B-B14F-4D97-AF65-F5344CB8AC3E}">
-        <p14:creationId xmlns:p14="http://schemas.microsoft.com/office/powerpoint/2010/main" val="14877298"/>
+        <p14:creationId xmlns:p14="http://schemas.microsoft.com/office/powerpoint/2010/main" val="3018503069"/>
       </p:ext>
     </p:extLst>
   </p:cSld>
@@ -8537,115 +5538,45 @@
           <a:p>
             <a:r>
               <a:rPr lang="en-US" dirty="0"/>
-              <a:t>Put a Plot here?</a:t>
-            </a:r>
-          </a:p>
-        </p:txBody>
-      </p:sp>
-      <p:sp>
-        <p:nvSpPr>
-          <p:cNvPr id="3" name="Text Placeholder 2">
+              <a:t>Unemployment Rate by County</a:t>
+            </a:r>
+          </a:p>
+        </p:txBody>
+      </p:sp>
+      <p:pic>
+        <p:nvPicPr>
+          <p:cNvPr id="8" name="Picture 7">
             <a:extLst>
               <a:ext uri="{FF2B5EF4-FFF2-40B4-BE49-F238E27FC236}">
-                <a16:creationId xmlns:a16="http://schemas.microsoft.com/office/drawing/2014/main" id="{C049936F-9582-4E70-B481-5CE81CD02D4C}"/>
+                <a16:creationId xmlns:a16="http://schemas.microsoft.com/office/drawing/2014/main" id="{0A82D6D9-9B73-488D-9A7A-24898BC5076F}"/>
               </a:ext>
             </a:extLst>
           </p:cNvPr>
-          <p:cNvSpPr>
-            <a:spLocks noGrp="1"/>
-          </p:cNvSpPr>
-          <p:nvPr>
-            <p:ph type="body" idx="1"/>
-          </p:nvPr>
-        </p:nvSpPr>
-        <p:spPr/>
-        <p:txBody>
-          <a:bodyPr/>
-          <a:lstStyle/>
-          <a:p>
-            <a:endParaRPr lang="en-US"/>
-          </a:p>
-        </p:txBody>
-      </p:sp>
-      <p:sp>
-        <p:nvSpPr>
-          <p:cNvPr id="4" name="Content Placeholder 3">
-            <a:extLst>
-              <a:ext uri="{FF2B5EF4-FFF2-40B4-BE49-F238E27FC236}">
-                <a16:creationId xmlns:a16="http://schemas.microsoft.com/office/drawing/2014/main" id="{6ABDF24E-82B7-4BD0-BEFC-3D434FE4D844}"/>
-              </a:ext>
-            </a:extLst>
-          </p:cNvPr>
-          <p:cNvSpPr>
-            <a:spLocks noGrp="1"/>
-          </p:cNvSpPr>
-          <p:nvPr>
-            <p:ph sz="half" idx="2"/>
-          </p:nvPr>
-        </p:nvSpPr>
-        <p:spPr/>
-        <p:txBody>
-          <a:bodyPr/>
-          <a:lstStyle/>
-          <a:p>
-            <a:endParaRPr lang="en-US"/>
-          </a:p>
-        </p:txBody>
-      </p:sp>
-      <p:sp>
-        <p:nvSpPr>
-          <p:cNvPr id="5" name="Text Placeholder 4">
-            <a:extLst>
-              <a:ext uri="{FF2B5EF4-FFF2-40B4-BE49-F238E27FC236}">
-                <a16:creationId xmlns:a16="http://schemas.microsoft.com/office/drawing/2014/main" id="{A970948D-822B-427B-801B-4DC1573520B5}"/>
-              </a:ext>
-            </a:extLst>
-          </p:cNvPr>
-          <p:cNvSpPr>
-            <a:spLocks noGrp="1"/>
-          </p:cNvSpPr>
-          <p:nvPr>
-            <p:ph type="body" sz="quarter" idx="3"/>
-          </p:nvPr>
-        </p:nvSpPr>
-        <p:spPr/>
-        <p:txBody>
-          <a:bodyPr/>
-          <a:lstStyle/>
-          <a:p>
-            <a:endParaRPr lang="en-US"/>
-          </a:p>
-        </p:txBody>
-      </p:sp>
-      <p:sp>
-        <p:nvSpPr>
-          <p:cNvPr id="6" name="Content Placeholder 5">
-            <a:extLst>
-              <a:ext uri="{FF2B5EF4-FFF2-40B4-BE49-F238E27FC236}">
-                <a16:creationId xmlns:a16="http://schemas.microsoft.com/office/drawing/2014/main" id="{175358D6-3B81-4DCF-A1A9-DDC3E435D9D8}"/>
-              </a:ext>
-            </a:extLst>
-          </p:cNvPr>
-          <p:cNvSpPr>
-            <a:spLocks noGrp="1"/>
-          </p:cNvSpPr>
-          <p:nvPr>
-            <p:ph sz="quarter" idx="4"/>
-          </p:nvPr>
-        </p:nvSpPr>
-        <p:spPr/>
-        <p:txBody>
-          <a:bodyPr/>
-          <a:lstStyle/>
-          <a:p>
-            <a:endParaRPr lang="en-US"/>
-          </a:p>
-        </p:txBody>
-      </p:sp>
+          <p:cNvPicPr>
+            <a:picLocks noChangeAspect="1"/>
+          </p:cNvPicPr>
+          <p:nvPr/>
+        </p:nvPicPr>
+        <p:blipFill>
+          <a:blip r:embed="rId2"/>
+          <a:stretch>
+            <a:fillRect/>
+          </a:stretch>
+        </p:blipFill>
+        <p:spPr>
+          <a:xfrm>
+            <a:off x="57150" y="1752600"/>
+            <a:ext cx="12077700" cy="4962525"/>
+          </a:xfrm>
+          <a:prstGeom prst="rect">
+            <a:avLst/>
+          </a:prstGeom>
+        </p:spPr>
+      </p:pic>
     </p:spTree>
     <p:extLst>
       <p:ext uri="{BB962C8B-B14F-4D97-AF65-F5344CB8AC3E}">
-        <p14:creationId xmlns:p14="http://schemas.microsoft.com/office/powerpoint/2010/main" val="3215452090"/>
+        <p14:creationId xmlns:p14="http://schemas.microsoft.com/office/powerpoint/2010/main" val="4159678023"/>
       </p:ext>
     </p:extLst>
   </p:cSld>
@@ -8700,118 +5631,143 @@
             <p:ph type="title"/>
           </p:nvPr>
         </p:nvSpPr>
-        <p:spPr/>
+        <p:spPr>
+          <a:xfrm>
+            <a:off x="838200" y="365126"/>
+            <a:ext cx="10515600" cy="701674"/>
+          </a:xfrm>
+        </p:spPr>
         <p:txBody>
           <a:bodyPr/>
           <a:lstStyle/>
           <a:p>
             <a:r>
               <a:rPr lang="en-US" dirty="0"/>
-              <a:t>Put a Plot here?</a:t>
-            </a:r>
-          </a:p>
-        </p:txBody>
-      </p:sp>
-      <p:sp>
-        <p:nvSpPr>
-          <p:cNvPr id="3" name="Text Placeholder 2">
+              <a:t>Household Ownership by Year for Maricopa</a:t>
+            </a:r>
+          </a:p>
+        </p:txBody>
+      </p:sp>
+      <p:pic>
+        <p:nvPicPr>
+          <p:cNvPr id="14" name="Picture 13">
             <a:extLst>
               <a:ext uri="{FF2B5EF4-FFF2-40B4-BE49-F238E27FC236}">
-                <a16:creationId xmlns:a16="http://schemas.microsoft.com/office/drawing/2014/main" id="{C049936F-9582-4E70-B481-5CE81CD02D4C}"/>
+                <a16:creationId xmlns:a16="http://schemas.microsoft.com/office/drawing/2014/main" id="{232763AC-A5DB-4A14-AF9E-DA404DD64367}"/>
               </a:ext>
             </a:extLst>
           </p:cNvPr>
-          <p:cNvSpPr>
-            <a:spLocks noGrp="1"/>
-          </p:cNvSpPr>
-          <p:nvPr>
-            <p:ph type="body" idx="1"/>
-          </p:nvPr>
-        </p:nvSpPr>
-        <p:spPr/>
-        <p:txBody>
-          <a:bodyPr/>
-          <a:lstStyle/>
-          <a:p>
-            <a:endParaRPr lang="en-US"/>
-          </a:p>
-        </p:txBody>
-      </p:sp>
-      <p:sp>
-        <p:nvSpPr>
-          <p:cNvPr id="4" name="Content Placeholder 3">
+          <p:cNvPicPr>
+            <a:picLocks noChangeAspect="1"/>
+          </p:cNvPicPr>
+          <p:nvPr/>
+        </p:nvPicPr>
+        <p:blipFill>
+          <a:blip r:embed="rId2"/>
+          <a:stretch>
+            <a:fillRect/>
+          </a:stretch>
+        </p:blipFill>
+        <p:spPr>
+          <a:xfrm>
+            <a:off x="304800" y="1543882"/>
+            <a:ext cx="4718834" cy="2057050"/>
+          </a:xfrm>
+          <a:prstGeom prst="rect">
+            <a:avLst/>
+          </a:prstGeom>
+        </p:spPr>
+      </p:pic>
+      <p:pic>
+        <p:nvPicPr>
+          <p:cNvPr id="16" name="Picture 15">
             <a:extLst>
               <a:ext uri="{FF2B5EF4-FFF2-40B4-BE49-F238E27FC236}">
-                <a16:creationId xmlns:a16="http://schemas.microsoft.com/office/drawing/2014/main" id="{6ABDF24E-82B7-4BD0-BEFC-3D434FE4D844}"/>
+                <a16:creationId xmlns:a16="http://schemas.microsoft.com/office/drawing/2014/main" id="{4FF4B1A2-FA2D-4109-A2C4-B798CD68FFDC}"/>
               </a:ext>
             </a:extLst>
           </p:cNvPr>
-          <p:cNvSpPr>
-            <a:spLocks noGrp="1"/>
-          </p:cNvSpPr>
-          <p:nvPr>
-            <p:ph sz="half" idx="2"/>
-          </p:nvPr>
-        </p:nvSpPr>
-        <p:spPr/>
-        <p:txBody>
-          <a:bodyPr/>
-          <a:lstStyle/>
-          <a:p>
-            <a:endParaRPr lang="en-US"/>
-          </a:p>
-        </p:txBody>
-      </p:sp>
-      <p:sp>
-        <p:nvSpPr>
-          <p:cNvPr id="5" name="Text Placeholder 4">
+          <p:cNvPicPr>
+            <a:picLocks noChangeAspect="1"/>
+          </p:cNvPicPr>
+          <p:nvPr/>
+        </p:nvPicPr>
+        <p:blipFill>
+          <a:blip r:embed="rId3"/>
+          <a:stretch>
+            <a:fillRect/>
+          </a:stretch>
+        </p:blipFill>
+        <p:spPr>
+          <a:xfrm>
+            <a:off x="6172200" y="1543881"/>
+            <a:ext cx="4652963" cy="2057050"/>
+          </a:xfrm>
+          <a:prstGeom prst="rect">
+            <a:avLst/>
+          </a:prstGeom>
+        </p:spPr>
+      </p:pic>
+      <p:pic>
+        <p:nvPicPr>
+          <p:cNvPr id="18" name="Picture 17">
             <a:extLst>
               <a:ext uri="{FF2B5EF4-FFF2-40B4-BE49-F238E27FC236}">
-                <a16:creationId xmlns:a16="http://schemas.microsoft.com/office/drawing/2014/main" id="{A970948D-822B-427B-801B-4DC1573520B5}"/>
+                <a16:creationId xmlns:a16="http://schemas.microsoft.com/office/drawing/2014/main" id="{BB315E0A-A3C5-415D-AD82-6F11D74EDF67}"/>
               </a:ext>
             </a:extLst>
           </p:cNvPr>
-          <p:cNvSpPr>
-            <a:spLocks noGrp="1"/>
-          </p:cNvSpPr>
-          <p:nvPr>
-            <p:ph type="body" sz="quarter" idx="3"/>
-          </p:nvPr>
-        </p:nvSpPr>
-        <p:spPr/>
-        <p:txBody>
-          <a:bodyPr/>
-          <a:lstStyle/>
-          <a:p>
-            <a:endParaRPr lang="en-US"/>
-          </a:p>
-        </p:txBody>
-      </p:sp>
-      <p:sp>
-        <p:nvSpPr>
-          <p:cNvPr id="6" name="Content Placeholder 5">
+          <p:cNvPicPr>
+            <a:picLocks noChangeAspect="1"/>
+          </p:cNvPicPr>
+          <p:nvPr/>
+        </p:nvPicPr>
+        <p:blipFill>
+          <a:blip r:embed="rId4"/>
+          <a:stretch>
+            <a:fillRect/>
+          </a:stretch>
+        </p:blipFill>
+        <p:spPr>
+          <a:xfrm>
+            <a:off x="304800" y="4021925"/>
+            <a:ext cx="4718834" cy="2097793"/>
+          </a:xfrm>
+          <a:prstGeom prst="rect">
+            <a:avLst/>
+          </a:prstGeom>
+        </p:spPr>
+      </p:pic>
+      <p:pic>
+        <p:nvPicPr>
+          <p:cNvPr id="20" name="Picture 19">
             <a:extLst>
               <a:ext uri="{FF2B5EF4-FFF2-40B4-BE49-F238E27FC236}">
-                <a16:creationId xmlns:a16="http://schemas.microsoft.com/office/drawing/2014/main" id="{175358D6-3B81-4DCF-A1A9-DDC3E435D9D8}"/>
+                <a16:creationId xmlns:a16="http://schemas.microsoft.com/office/drawing/2014/main" id="{D4A04698-B98C-4FB2-86B4-F4000242E2EB}"/>
               </a:ext>
             </a:extLst>
           </p:cNvPr>
-          <p:cNvSpPr>
-            <a:spLocks noGrp="1"/>
-          </p:cNvSpPr>
-          <p:nvPr>
-            <p:ph sz="quarter" idx="4"/>
-          </p:nvPr>
-        </p:nvSpPr>
-        <p:spPr/>
-        <p:txBody>
-          <a:bodyPr/>
-          <a:lstStyle/>
-          <a:p>
-            <a:endParaRPr lang="en-US"/>
-          </a:p>
-        </p:txBody>
-      </p:sp>
+          <p:cNvPicPr>
+            <a:picLocks noChangeAspect="1"/>
+          </p:cNvPicPr>
+          <p:nvPr/>
+        </p:nvPicPr>
+        <p:blipFill>
+          <a:blip r:embed="rId5"/>
+          <a:stretch>
+            <a:fillRect/>
+          </a:stretch>
+        </p:blipFill>
+        <p:spPr>
+          <a:xfrm>
+            <a:off x="6172199" y="4072973"/>
+            <a:ext cx="4652963" cy="2023027"/>
+          </a:xfrm>
+          <a:prstGeom prst="rect">
+            <a:avLst/>
+          </a:prstGeom>
+        </p:spPr>
+      </p:pic>
     </p:spTree>
     <p:extLst>
       <p:ext uri="{BB962C8B-B14F-4D97-AF65-F5344CB8AC3E}">
@@ -8856,7 +5812,13 @@
       </p:grpSpPr>
       <p:sp>
         <p:nvSpPr>
-          <p:cNvPr id="2" name="Title 1"/>
+          <p:cNvPr id="2" name="Title 1">
+            <a:extLst>
+              <a:ext uri="{FF2B5EF4-FFF2-40B4-BE49-F238E27FC236}">
+                <a16:creationId xmlns:a16="http://schemas.microsoft.com/office/drawing/2014/main" id="{86DF75D9-A227-45B7-B2F3-DC7CD5EDC96E}"/>
+              </a:ext>
+            </a:extLst>
+          </p:cNvPr>
           <p:cNvSpPr>
             <a:spLocks noGrp="1"/>
           </p:cNvSpPr>
@@ -8871,37 +5833,45 @@
           <a:p>
             <a:r>
               <a:rPr lang="en-US" dirty="0"/>
-              <a:t>Which properties are in foreclosure? </a:t>
-            </a:r>
-          </a:p>
-        </p:txBody>
-      </p:sp>
-      <p:sp>
-        <p:nvSpPr>
-          <p:cNvPr id="3" name="Text Placeholder 2"/>
-          <p:cNvSpPr>
-            <a:spLocks noGrp="1"/>
-          </p:cNvSpPr>
-          <p:nvPr>
-            <p:ph type="body" idx="1"/>
-          </p:nvPr>
-        </p:nvSpPr>
-        <p:spPr/>
-        <p:txBody>
-          <a:bodyPr/>
-          <a:lstStyle/>
-          <a:p>
-            <a:r>
-              <a:rPr lang="en-US" i="1" dirty="0"/>
-              <a:t>Question 3 </a:t>
-            </a:r>
-          </a:p>
-        </p:txBody>
-      </p:sp>
+              <a:t>Household Income by Race</a:t>
+            </a:r>
+          </a:p>
+        </p:txBody>
+      </p:sp>
+      <p:pic>
+        <p:nvPicPr>
+          <p:cNvPr id="8" name="Picture 7">
+            <a:extLst>
+              <a:ext uri="{FF2B5EF4-FFF2-40B4-BE49-F238E27FC236}">
+                <a16:creationId xmlns:a16="http://schemas.microsoft.com/office/drawing/2014/main" id="{402CB9E8-CBA4-4862-976C-1E60BD14ABBC}"/>
+              </a:ext>
+            </a:extLst>
+          </p:cNvPr>
+          <p:cNvPicPr>
+            <a:picLocks noChangeAspect="1"/>
+          </p:cNvPicPr>
+          <p:nvPr/>
+        </p:nvPicPr>
+        <p:blipFill>
+          <a:blip r:embed="rId2"/>
+          <a:stretch>
+            <a:fillRect/>
+          </a:stretch>
+        </p:blipFill>
+        <p:spPr>
+          <a:xfrm>
+            <a:off x="1790700" y="2438400"/>
+            <a:ext cx="8610600" cy="3781425"/>
+          </a:xfrm>
+          <a:prstGeom prst="rect">
+            <a:avLst/>
+          </a:prstGeom>
+        </p:spPr>
+      </p:pic>
     </p:spTree>
     <p:extLst>
       <p:ext uri="{BB962C8B-B14F-4D97-AF65-F5344CB8AC3E}">
-        <p14:creationId xmlns:p14="http://schemas.microsoft.com/office/powerpoint/2010/main" val="3018503069"/>
+        <p14:creationId xmlns:p14="http://schemas.microsoft.com/office/powerpoint/2010/main" val="513989486"/>
       </p:ext>
     </p:extLst>
   </p:cSld>
@@ -8924,346 +5894,6 @@
 </file>
 
 <file path=ppt/slides/slide17.xml><?xml version="1.0" encoding="utf-8"?>
-<p:sld xmlns:a="http://schemas.openxmlformats.org/drawingml/2006/main" xmlns:r="http://schemas.openxmlformats.org/officeDocument/2006/relationships" xmlns:p="http://schemas.openxmlformats.org/presentationml/2006/main">
-  <p:cSld>
-    <p:spTree>
-      <p:nvGrpSpPr>
-        <p:cNvPr id="1" name=""/>
-        <p:cNvGrpSpPr/>
-        <p:nvPr/>
-      </p:nvGrpSpPr>
-      <p:grpSpPr>
-        <a:xfrm>
-          <a:off x="0" y="0"/>
-          <a:ext cx="0" cy="0"/>
-          <a:chOff x="0" y="0"/>
-          <a:chExt cx="0" cy="0"/>
-        </a:xfrm>
-      </p:grpSpPr>
-      <p:sp>
-        <p:nvSpPr>
-          <p:cNvPr id="2" name="Title 1">
-            <a:extLst>
-              <a:ext uri="{FF2B5EF4-FFF2-40B4-BE49-F238E27FC236}">
-                <a16:creationId xmlns:a16="http://schemas.microsoft.com/office/drawing/2014/main" id="{8E3B73EC-28ED-4731-BA6B-308756F66CC5}"/>
-              </a:ext>
-            </a:extLst>
-          </p:cNvPr>
-          <p:cNvSpPr>
-            <a:spLocks noGrp="1"/>
-          </p:cNvSpPr>
-          <p:nvPr>
-            <p:ph type="title"/>
-          </p:nvPr>
-        </p:nvSpPr>
-        <p:spPr/>
-        <p:txBody>
-          <a:bodyPr/>
-          <a:lstStyle/>
-          <a:p>
-            <a:r>
-              <a:rPr lang="en-US" dirty="0"/>
-              <a:t>Put a Plot here?</a:t>
-            </a:r>
-          </a:p>
-        </p:txBody>
-      </p:sp>
-      <p:sp>
-        <p:nvSpPr>
-          <p:cNvPr id="3" name="Text Placeholder 2">
-            <a:extLst>
-              <a:ext uri="{FF2B5EF4-FFF2-40B4-BE49-F238E27FC236}">
-                <a16:creationId xmlns:a16="http://schemas.microsoft.com/office/drawing/2014/main" id="{C049936F-9582-4E70-B481-5CE81CD02D4C}"/>
-              </a:ext>
-            </a:extLst>
-          </p:cNvPr>
-          <p:cNvSpPr>
-            <a:spLocks noGrp="1"/>
-          </p:cNvSpPr>
-          <p:nvPr>
-            <p:ph type="body" idx="1"/>
-          </p:nvPr>
-        </p:nvSpPr>
-        <p:spPr/>
-        <p:txBody>
-          <a:bodyPr/>
-          <a:lstStyle/>
-          <a:p>
-            <a:endParaRPr lang="en-US"/>
-          </a:p>
-        </p:txBody>
-      </p:sp>
-      <p:sp>
-        <p:nvSpPr>
-          <p:cNvPr id="4" name="Content Placeholder 3">
-            <a:extLst>
-              <a:ext uri="{FF2B5EF4-FFF2-40B4-BE49-F238E27FC236}">
-                <a16:creationId xmlns:a16="http://schemas.microsoft.com/office/drawing/2014/main" id="{6ABDF24E-82B7-4BD0-BEFC-3D434FE4D844}"/>
-              </a:ext>
-            </a:extLst>
-          </p:cNvPr>
-          <p:cNvSpPr>
-            <a:spLocks noGrp="1"/>
-          </p:cNvSpPr>
-          <p:nvPr>
-            <p:ph sz="half" idx="2"/>
-          </p:nvPr>
-        </p:nvSpPr>
-        <p:spPr/>
-        <p:txBody>
-          <a:bodyPr/>
-          <a:lstStyle/>
-          <a:p>
-            <a:endParaRPr lang="en-US"/>
-          </a:p>
-        </p:txBody>
-      </p:sp>
-      <p:sp>
-        <p:nvSpPr>
-          <p:cNvPr id="5" name="Text Placeholder 4">
-            <a:extLst>
-              <a:ext uri="{FF2B5EF4-FFF2-40B4-BE49-F238E27FC236}">
-                <a16:creationId xmlns:a16="http://schemas.microsoft.com/office/drawing/2014/main" id="{A970948D-822B-427B-801B-4DC1573520B5}"/>
-              </a:ext>
-            </a:extLst>
-          </p:cNvPr>
-          <p:cNvSpPr>
-            <a:spLocks noGrp="1"/>
-          </p:cNvSpPr>
-          <p:nvPr>
-            <p:ph type="body" sz="quarter" idx="3"/>
-          </p:nvPr>
-        </p:nvSpPr>
-        <p:spPr/>
-        <p:txBody>
-          <a:bodyPr/>
-          <a:lstStyle/>
-          <a:p>
-            <a:endParaRPr lang="en-US"/>
-          </a:p>
-        </p:txBody>
-      </p:sp>
-      <p:sp>
-        <p:nvSpPr>
-          <p:cNvPr id="6" name="Content Placeholder 5">
-            <a:extLst>
-              <a:ext uri="{FF2B5EF4-FFF2-40B4-BE49-F238E27FC236}">
-                <a16:creationId xmlns:a16="http://schemas.microsoft.com/office/drawing/2014/main" id="{175358D6-3B81-4DCF-A1A9-DDC3E435D9D8}"/>
-              </a:ext>
-            </a:extLst>
-          </p:cNvPr>
-          <p:cNvSpPr>
-            <a:spLocks noGrp="1"/>
-          </p:cNvSpPr>
-          <p:nvPr>
-            <p:ph sz="quarter" idx="4"/>
-          </p:nvPr>
-        </p:nvSpPr>
-        <p:spPr/>
-        <p:txBody>
-          <a:bodyPr/>
-          <a:lstStyle/>
-          <a:p>
-            <a:endParaRPr lang="en-US"/>
-          </a:p>
-        </p:txBody>
-      </p:sp>
-    </p:spTree>
-    <p:extLst>
-      <p:ext uri="{BB962C8B-B14F-4D97-AF65-F5344CB8AC3E}">
-        <p14:creationId xmlns:p14="http://schemas.microsoft.com/office/powerpoint/2010/main" val="117097173"/>
-      </p:ext>
-    </p:extLst>
-  </p:cSld>
-  <p:clrMapOvr>
-    <a:masterClrMapping/>
-  </p:clrMapOvr>
-  <mc:AlternateContent xmlns:mc="http://schemas.openxmlformats.org/markup-compatibility/2006" xmlns:p14="http://schemas.microsoft.com/office/powerpoint/2010/main">
-    <mc:Choice Requires="p14">
-      <p:transition spd="med" p14:dur="700">
-        <p:fade/>
-      </p:transition>
-    </mc:Choice>
-    <mc:Fallback xmlns="">
-      <p:transition spd="med">
-        <p:fade/>
-      </p:transition>
-    </mc:Fallback>
-  </mc:AlternateContent>
-</p:sld>
-</file>
-
-<file path=ppt/slides/slide18.xml><?xml version="1.0" encoding="utf-8"?>
-<p:sld xmlns:a="http://schemas.openxmlformats.org/drawingml/2006/main" xmlns:r="http://schemas.openxmlformats.org/officeDocument/2006/relationships" xmlns:p="http://schemas.openxmlformats.org/presentationml/2006/main">
-  <p:cSld>
-    <p:spTree>
-      <p:nvGrpSpPr>
-        <p:cNvPr id="1" name=""/>
-        <p:cNvGrpSpPr/>
-        <p:nvPr/>
-      </p:nvGrpSpPr>
-      <p:grpSpPr>
-        <a:xfrm>
-          <a:off x="0" y="0"/>
-          <a:ext cx="0" cy="0"/>
-          <a:chOff x="0" y="0"/>
-          <a:chExt cx="0" cy="0"/>
-        </a:xfrm>
-      </p:grpSpPr>
-      <p:sp>
-        <p:nvSpPr>
-          <p:cNvPr id="2" name="Title 1">
-            <a:extLst>
-              <a:ext uri="{FF2B5EF4-FFF2-40B4-BE49-F238E27FC236}">
-                <a16:creationId xmlns:a16="http://schemas.microsoft.com/office/drawing/2014/main" id="{8E3B73EC-28ED-4731-BA6B-308756F66CC5}"/>
-              </a:ext>
-            </a:extLst>
-          </p:cNvPr>
-          <p:cNvSpPr>
-            <a:spLocks noGrp="1"/>
-          </p:cNvSpPr>
-          <p:nvPr>
-            <p:ph type="title"/>
-          </p:nvPr>
-        </p:nvSpPr>
-        <p:spPr/>
-        <p:txBody>
-          <a:bodyPr/>
-          <a:lstStyle/>
-          <a:p>
-            <a:r>
-              <a:rPr lang="en-US" dirty="0"/>
-              <a:t>Put a Plot here?</a:t>
-            </a:r>
-          </a:p>
-        </p:txBody>
-      </p:sp>
-      <p:sp>
-        <p:nvSpPr>
-          <p:cNvPr id="3" name="Text Placeholder 2">
-            <a:extLst>
-              <a:ext uri="{FF2B5EF4-FFF2-40B4-BE49-F238E27FC236}">
-                <a16:creationId xmlns:a16="http://schemas.microsoft.com/office/drawing/2014/main" id="{C049936F-9582-4E70-B481-5CE81CD02D4C}"/>
-              </a:ext>
-            </a:extLst>
-          </p:cNvPr>
-          <p:cNvSpPr>
-            <a:spLocks noGrp="1"/>
-          </p:cNvSpPr>
-          <p:nvPr>
-            <p:ph type="body" idx="1"/>
-          </p:nvPr>
-        </p:nvSpPr>
-        <p:spPr/>
-        <p:txBody>
-          <a:bodyPr/>
-          <a:lstStyle/>
-          <a:p>
-            <a:endParaRPr lang="en-US"/>
-          </a:p>
-        </p:txBody>
-      </p:sp>
-      <p:sp>
-        <p:nvSpPr>
-          <p:cNvPr id="4" name="Content Placeholder 3">
-            <a:extLst>
-              <a:ext uri="{FF2B5EF4-FFF2-40B4-BE49-F238E27FC236}">
-                <a16:creationId xmlns:a16="http://schemas.microsoft.com/office/drawing/2014/main" id="{6ABDF24E-82B7-4BD0-BEFC-3D434FE4D844}"/>
-              </a:ext>
-            </a:extLst>
-          </p:cNvPr>
-          <p:cNvSpPr>
-            <a:spLocks noGrp="1"/>
-          </p:cNvSpPr>
-          <p:nvPr>
-            <p:ph sz="half" idx="2"/>
-          </p:nvPr>
-        </p:nvSpPr>
-        <p:spPr/>
-        <p:txBody>
-          <a:bodyPr/>
-          <a:lstStyle/>
-          <a:p>
-            <a:endParaRPr lang="en-US"/>
-          </a:p>
-        </p:txBody>
-      </p:sp>
-      <p:sp>
-        <p:nvSpPr>
-          <p:cNvPr id="5" name="Text Placeholder 4">
-            <a:extLst>
-              <a:ext uri="{FF2B5EF4-FFF2-40B4-BE49-F238E27FC236}">
-                <a16:creationId xmlns:a16="http://schemas.microsoft.com/office/drawing/2014/main" id="{A970948D-822B-427B-801B-4DC1573520B5}"/>
-              </a:ext>
-            </a:extLst>
-          </p:cNvPr>
-          <p:cNvSpPr>
-            <a:spLocks noGrp="1"/>
-          </p:cNvSpPr>
-          <p:nvPr>
-            <p:ph type="body" sz="quarter" idx="3"/>
-          </p:nvPr>
-        </p:nvSpPr>
-        <p:spPr/>
-        <p:txBody>
-          <a:bodyPr/>
-          <a:lstStyle/>
-          <a:p>
-            <a:endParaRPr lang="en-US"/>
-          </a:p>
-        </p:txBody>
-      </p:sp>
-      <p:sp>
-        <p:nvSpPr>
-          <p:cNvPr id="6" name="Content Placeholder 5">
-            <a:extLst>
-              <a:ext uri="{FF2B5EF4-FFF2-40B4-BE49-F238E27FC236}">
-                <a16:creationId xmlns:a16="http://schemas.microsoft.com/office/drawing/2014/main" id="{175358D6-3B81-4DCF-A1A9-DDC3E435D9D8}"/>
-              </a:ext>
-            </a:extLst>
-          </p:cNvPr>
-          <p:cNvSpPr>
-            <a:spLocks noGrp="1"/>
-          </p:cNvSpPr>
-          <p:nvPr>
-            <p:ph sz="quarter" idx="4"/>
-          </p:nvPr>
-        </p:nvSpPr>
-        <p:spPr/>
-        <p:txBody>
-          <a:bodyPr/>
-          <a:lstStyle/>
-          <a:p>
-            <a:endParaRPr lang="en-US"/>
-          </a:p>
-        </p:txBody>
-      </p:sp>
-    </p:spTree>
-    <p:extLst>
-      <p:ext uri="{BB962C8B-B14F-4D97-AF65-F5344CB8AC3E}">
-        <p14:creationId xmlns:p14="http://schemas.microsoft.com/office/powerpoint/2010/main" val="3601722785"/>
-      </p:ext>
-    </p:extLst>
-  </p:cSld>
-  <p:clrMapOvr>
-    <a:masterClrMapping/>
-  </p:clrMapOvr>
-  <mc:AlternateContent xmlns:mc="http://schemas.openxmlformats.org/markup-compatibility/2006" xmlns:p14="http://schemas.microsoft.com/office/powerpoint/2010/main">
-    <mc:Choice Requires="p14">
-      <p:transition spd="med" p14:dur="700">
-        <p:fade/>
-      </p:transition>
-    </mc:Choice>
-    <mc:Fallback xmlns="">
-      <p:transition spd="med">
-        <p:fade/>
-      </p:transition>
-    </mc:Fallback>
-  </mc:AlternateContent>
-</p:sld>
-</file>
-
-<file path=ppt/slides/slide19.xml><?xml version="1.0" encoding="utf-8"?>
 <p:sld xmlns:a="http://schemas.openxmlformats.org/drawingml/2006/main" xmlns:r="http://schemas.openxmlformats.org/officeDocument/2006/relationships" xmlns:p="http://schemas.openxmlformats.org/presentationml/2006/main">
   <p:cSld>
     <p:spTree>
@@ -9426,7 +6056,7 @@
           <a:p>
             <a:r>
               <a:rPr lang="en-US" dirty="0"/>
-              <a:t>Jeremy LAST NAME HERE</a:t>
+              <a:t>Jeremy Brown</a:t>
             </a:r>
           </a:p>
           <a:p>
@@ -9536,245 +6166,6 @@
     <p:extLst>
       <p:ext uri="{BB962C8B-B14F-4D97-AF65-F5344CB8AC3E}">
         <p14:creationId xmlns:p14="http://schemas.microsoft.com/office/powerpoint/2010/main" val="682195269"/>
-      </p:ext>
-    </p:extLst>
-  </p:cSld>
-  <p:clrMapOvr>
-    <a:masterClrMapping/>
-  </p:clrMapOvr>
-  <mc:AlternateContent xmlns:mc="http://schemas.openxmlformats.org/markup-compatibility/2006" xmlns:p14="http://schemas.microsoft.com/office/powerpoint/2010/main">
-    <mc:Choice Requires="p14">
-      <p:transition spd="med" p14:dur="700">
-        <p:fade/>
-      </p:transition>
-    </mc:Choice>
-    <mc:Fallback xmlns="">
-      <p:transition spd="med">
-        <p:fade/>
-      </p:transition>
-    </mc:Fallback>
-  </mc:AlternateContent>
-</p:sld>
-</file>
-
-<file path=ppt/slides/slide20.xml><?xml version="1.0" encoding="utf-8"?>
-<p:sld xmlns:a="http://schemas.openxmlformats.org/drawingml/2006/main" xmlns:r="http://schemas.openxmlformats.org/officeDocument/2006/relationships" xmlns:p="http://schemas.openxmlformats.org/presentationml/2006/main">
-  <p:cSld>
-    <p:spTree>
-      <p:nvGrpSpPr>
-        <p:cNvPr id="1" name=""/>
-        <p:cNvGrpSpPr/>
-        <p:nvPr/>
-      </p:nvGrpSpPr>
-      <p:grpSpPr>
-        <a:xfrm>
-          <a:off x="0" y="0"/>
-          <a:ext cx="0" cy="0"/>
-          <a:chOff x="0" y="0"/>
-          <a:chExt cx="0" cy="0"/>
-        </a:xfrm>
-      </p:grpSpPr>
-    </p:spTree>
-    <p:extLst>
-      <p:ext uri="{BB962C8B-B14F-4D97-AF65-F5344CB8AC3E}">
-        <p14:creationId xmlns:p14="http://schemas.microsoft.com/office/powerpoint/2010/main" val="516951331"/>
-      </p:ext>
-    </p:extLst>
-  </p:cSld>
-  <p:clrMapOvr>
-    <a:masterClrMapping/>
-  </p:clrMapOvr>
-  <mc:AlternateContent xmlns:mc="http://schemas.openxmlformats.org/markup-compatibility/2006" xmlns:p14="http://schemas.microsoft.com/office/powerpoint/2010/main">
-    <mc:Choice Requires="p14">
-      <p:transition spd="med" p14:dur="700">
-        <p:fade/>
-      </p:transition>
-    </mc:Choice>
-    <mc:Fallback xmlns="">
-      <p:transition spd="med">
-        <p:fade/>
-      </p:transition>
-    </mc:Fallback>
-  </mc:AlternateContent>
-</p:sld>
-</file>
-
-<file path=ppt/slides/slide21.xml><?xml version="1.0" encoding="utf-8"?>
-<p:sld xmlns:a="http://schemas.openxmlformats.org/drawingml/2006/main" xmlns:r="http://schemas.openxmlformats.org/officeDocument/2006/relationships" xmlns:p="http://schemas.openxmlformats.org/presentationml/2006/main">
-  <p:cSld>
-    <p:spTree>
-      <p:nvGrpSpPr>
-        <p:cNvPr id="1" name=""/>
-        <p:cNvGrpSpPr/>
-        <p:nvPr/>
-      </p:nvGrpSpPr>
-      <p:grpSpPr>
-        <a:xfrm>
-          <a:off x="0" y="0"/>
-          <a:ext cx="0" cy="0"/>
-          <a:chOff x="0" y="0"/>
-          <a:chExt cx="0" cy="0"/>
-        </a:xfrm>
-      </p:grpSpPr>
-      <p:sp>
-        <p:nvSpPr>
-          <p:cNvPr id="2" name="Title 1"/>
-          <p:cNvSpPr>
-            <a:spLocks noGrp="1"/>
-          </p:cNvSpPr>
-          <p:nvPr>
-            <p:ph type="title"/>
-          </p:nvPr>
-        </p:nvSpPr>
-        <p:spPr/>
-        <p:txBody>
-          <a:bodyPr/>
-          <a:lstStyle/>
-          <a:p>
-            <a:r>
-              <a:rPr lang="en-US" dirty="0"/>
-              <a:t>Add a Slide Title - 4</a:t>
-            </a:r>
-          </a:p>
-        </p:txBody>
-      </p:sp>
-      <p:sp>
-        <p:nvSpPr>
-          <p:cNvPr id="3" name="Content Placeholder 2"/>
-          <p:cNvSpPr>
-            <a:spLocks noGrp="1"/>
-          </p:cNvSpPr>
-          <p:nvPr>
-            <p:ph idx="1"/>
-          </p:nvPr>
-        </p:nvSpPr>
-        <p:spPr/>
-        <p:txBody>
-          <a:bodyPr/>
-          <a:lstStyle/>
-          <a:p>
-            <a:endParaRPr lang="en-US"/>
-          </a:p>
-        </p:txBody>
-      </p:sp>
-      <p:sp>
-        <p:nvSpPr>
-          <p:cNvPr id="4" name="Text Placeholder 3"/>
-          <p:cNvSpPr>
-            <a:spLocks noGrp="1"/>
-          </p:cNvSpPr>
-          <p:nvPr>
-            <p:ph type="body" sz="half" idx="2"/>
-          </p:nvPr>
-        </p:nvSpPr>
-        <p:spPr/>
-        <p:txBody>
-          <a:bodyPr/>
-          <a:lstStyle/>
-          <a:p>
-            <a:endParaRPr lang="en-US"/>
-          </a:p>
-        </p:txBody>
-      </p:sp>
-    </p:spTree>
-    <p:extLst>
-      <p:ext uri="{BB962C8B-B14F-4D97-AF65-F5344CB8AC3E}">
-        <p14:creationId xmlns:p14="http://schemas.microsoft.com/office/powerpoint/2010/main" val="1827431122"/>
-      </p:ext>
-    </p:extLst>
-  </p:cSld>
-  <p:clrMapOvr>
-    <a:masterClrMapping/>
-  </p:clrMapOvr>
-  <mc:AlternateContent xmlns:mc="http://schemas.openxmlformats.org/markup-compatibility/2006" xmlns:p14="http://schemas.microsoft.com/office/powerpoint/2010/main">
-    <mc:Choice Requires="p14">
-      <p:transition spd="med" p14:dur="700">
-        <p:fade/>
-      </p:transition>
-    </mc:Choice>
-    <mc:Fallback xmlns="">
-      <p:transition spd="med">
-        <p:fade/>
-      </p:transition>
-    </mc:Fallback>
-  </mc:AlternateContent>
-</p:sld>
-</file>
-
-<file path=ppt/slides/slide22.xml><?xml version="1.0" encoding="utf-8"?>
-<p:sld xmlns:a="http://schemas.openxmlformats.org/drawingml/2006/main" xmlns:r="http://schemas.openxmlformats.org/officeDocument/2006/relationships" xmlns:p="http://schemas.openxmlformats.org/presentationml/2006/main">
-  <p:cSld>
-    <p:spTree>
-      <p:nvGrpSpPr>
-        <p:cNvPr id="1" name=""/>
-        <p:cNvGrpSpPr/>
-        <p:nvPr/>
-      </p:nvGrpSpPr>
-      <p:grpSpPr>
-        <a:xfrm>
-          <a:off x="0" y="0"/>
-          <a:ext cx="0" cy="0"/>
-          <a:chOff x="0" y="0"/>
-          <a:chExt cx="0" cy="0"/>
-        </a:xfrm>
-      </p:grpSpPr>
-      <p:sp>
-        <p:nvSpPr>
-          <p:cNvPr id="2" name="Title 1"/>
-          <p:cNvSpPr>
-            <a:spLocks noGrp="1"/>
-          </p:cNvSpPr>
-          <p:nvPr>
-            <p:ph type="title"/>
-          </p:nvPr>
-        </p:nvSpPr>
-        <p:spPr/>
-        <p:txBody>
-          <a:bodyPr/>
-          <a:lstStyle/>
-          <a:p>
-            <a:r>
-              <a:rPr lang="en-US" dirty="0"/>
-              <a:t>Add a Slide Title - 5</a:t>
-            </a:r>
-          </a:p>
-        </p:txBody>
-      </p:sp>
-      <p:sp>
-        <p:nvSpPr>
-          <p:cNvPr id="3" name="Picture Placeholder 2" descr="An empty placeholder to add an image. Click on the placeholder and select the image that you wish to add"/>
-          <p:cNvSpPr>
-            <a:spLocks noGrp="1"/>
-          </p:cNvSpPr>
-          <p:nvPr>
-            <p:ph type="pic" idx="1"/>
-          </p:nvPr>
-        </p:nvSpPr>
-        <p:spPr/>
-      </p:sp>
-      <p:sp>
-        <p:nvSpPr>
-          <p:cNvPr id="4" name="Text Placeholder 3"/>
-          <p:cNvSpPr>
-            <a:spLocks noGrp="1"/>
-          </p:cNvSpPr>
-          <p:nvPr>
-            <p:ph type="body" sz="half" idx="2"/>
-          </p:nvPr>
-        </p:nvSpPr>
-        <p:spPr/>
-        <p:txBody>
-          <a:bodyPr/>
-          <a:lstStyle/>
-          <a:p>
-            <a:endParaRPr lang="en-US"/>
-          </a:p>
-        </p:txBody>
-      </p:sp>
-    </p:spTree>
-    <p:extLst>
-      <p:ext uri="{BB962C8B-B14F-4D97-AF65-F5344CB8AC3E}">
-        <p14:creationId xmlns:p14="http://schemas.microsoft.com/office/powerpoint/2010/main" val="2521986180"/>
       </p:ext>
     </p:extLst>
   </p:cSld>
@@ -9830,8 +6221,13 @@
           <a:p>
             <a:r>
               <a:rPr lang="en-US" dirty="0"/>
-              <a:t>Solving for these questions</a:t>
-            </a:r>
+              <a:t>Solving for </a:t>
+            </a:r>
+            <a:r>
+              <a:rPr lang="en-US"/>
+              <a:t>these questions:</a:t>
+            </a:r>
+            <a:endParaRPr lang="en-US" dirty="0"/>
           </a:p>
         </p:txBody>
       </p:sp>
@@ -9877,21 +6273,13 @@
             <a:pPr lvl="1"/>
             <a:r>
               <a:rPr lang="en-US" dirty="0"/>
-              <a:t>Identification of Low Risk, High Yield (Best Investment) Property categorized by Property Type, Bedroom size, </a:t>
-            </a:r>
-            <a:r>
-              <a:rPr lang="en-US" dirty="0" err="1"/>
-              <a:t>community_amenities</a:t>
-            </a:r>
+              <a:t>Identification of Low Risk, High Yield (Best Investment) Property categorized by Property Type, Bedroom size, community amenities?</a:t>
+            </a:r>
+          </a:p>
+          <a:p>
             <a:r>
               <a:rPr lang="en-US" dirty="0"/>
-              <a:t>?</a:t>
-            </a:r>
-          </a:p>
-          <a:p>
-            <a:r>
-              <a:rPr lang="en-US" dirty="0"/>
-              <a:t>Question 3: Which properties are in foreclosure? </a:t>
+              <a:t>Question 3: Is the housing market in Arizona healthy and sustainable. </a:t>
             </a:r>
           </a:p>
           <a:p>
@@ -10070,7 +6458,12 @@
             <p:ph type="title"/>
           </p:nvPr>
         </p:nvSpPr>
-        <p:spPr/>
+        <p:spPr>
+          <a:xfrm>
+            <a:off x="838200" y="0"/>
+            <a:ext cx="10515600" cy="1145224"/>
+          </a:xfrm>
+        </p:spPr>
         <p:txBody>
           <a:bodyPr/>
           <a:lstStyle/>
@@ -10098,9 +6491,16 @@
             <p:ph idx="1"/>
           </p:nvPr>
         </p:nvSpPr>
-        <p:spPr/>
-        <p:txBody>
-          <a:bodyPr/>
+        <p:spPr>
+          <a:xfrm>
+            <a:off x="838200" y="1460498"/>
+            <a:ext cx="10515600" cy="4575175"/>
+          </a:xfrm>
+        </p:spPr>
+        <p:txBody>
+          <a:bodyPr>
+            <a:normAutofit fontScale="92500" lnSpcReduction="20000"/>
+          </a:bodyPr>
           <a:lstStyle/>
           <a:p>
             <a:r>
@@ -10173,6 +6573,13 @@
             <a:pPr lvl="1"/>
             <a:r>
               <a:rPr lang="en-US" dirty="0"/>
+              <a:t>Median_sale_price.csv</a:t>
+            </a:r>
+          </a:p>
+          <a:p>
+            <a:pPr lvl="1"/>
+            <a:r>
+              <a:rPr lang="en-US" dirty="0"/>
               <a:t>Property Values.csv</a:t>
             </a:r>
           </a:p>
@@ -10181,6 +6588,22 @@
             <a:r>
               <a:rPr lang="en-US" dirty="0"/>
               <a:t>Property Taxes.csv</a:t>
+            </a:r>
+          </a:p>
+          <a:p>
+            <a:r>
+              <a:rPr lang="en-US" dirty="0">
+                <a:hlinkClick r:id="rId4"/>
+              </a:rPr>
+              <a:t>https://raw.githubusercontent.com/plotly/datasets/master/</a:t>
+            </a:r>
+            <a:endParaRPr lang="en-US" dirty="0"/>
+          </a:p>
+          <a:p>
+            <a:pPr lvl="1"/>
+            <a:r>
+              <a:rPr lang="en-US" dirty="0"/>
+              <a:t>us-cities-top-1k-multi-year.csv</a:t>
             </a:r>
           </a:p>
           <a:p>
@@ -10206,14 +6629,14 @@
           <p:nvPr/>
         </p:nvPicPr>
         <p:blipFill>
-          <a:blip r:embed="rId4"/>
+          <a:blip r:embed="rId5"/>
           <a:stretch>
             <a:fillRect/>
           </a:stretch>
         </p:blipFill>
         <p:spPr>
           <a:xfrm>
-            <a:off x="8763000" y="1600200"/>
+            <a:off x="8763000" y="1235074"/>
             <a:ext cx="800100" cy="809625"/>
           </a:xfrm>
           <a:prstGeom prst="rect">
@@ -10307,9 +6730,16 @@
             <p:ph idx="1"/>
           </p:nvPr>
         </p:nvSpPr>
-        <p:spPr/>
-        <p:txBody>
-          <a:bodyPr/>
+        <p:spPr>
+          <a:xfrm>
+            <a:off x="838200" y="1825625"/>
+            <a:ext cx="5257800" cy="3432175"/>
+          </a:xfrm>
+        </p:spPr>
+        <p:txBody>
+          <a:bodyPr>
+            <a:normAutofit/>
+          </a:bodyPr>
           <a:lstStyle/>
           <a:p>
             <a:r>
@@ -10365,6 +6795,226 @@
             </a:r>
             <a:endParaRPr lang="en-US" dirty="0"/>
           </a:p>
+        </p:txBody>
+      </p:sp>
+      <p:sp>
+        <p:nvSpPr>
+          <p:cNvPr id="4" name="Content Placeholder 2">
+            <a:extLst>
+              <a:ext uri="{FF2B5EF4-FFF2-40B4-BE49-F238E27FC236}">
+                <a16:creationId xmlns:a16="http://schemas.microsoft.com/office/drawing/2014/main" id="{711653A7-FC17-4FD2-B5A3-B06FA14206DD}"/>
+              </a:ext>
+            </a:extLst>
+          </p:cNvPr>
+          <p:cNvSpPr txBox="1">
+            <a:spLocks/>
+          </p:cNvSpPr>
+          <p:nvPr/>
+        </p:nvSpPr>
+        <p:spPr>
+          <a:xfrm>
+            <a:off x="5257800" y="1825625"/>
+            <a:ext cx="5257800" cy="3736975"/>
+          </a:xfrm>
+          <a:prstGeom prst="rect">
+            <a:avLst/>
+          </a:prstGeom>
+        </p:spPr>
+        <p:txBody>
+          <a:bodyPr vert="horz" lIns="91440" tIns="45720" rIns="91440" bIns="45720" rtlCol="0">
+            <a:normAutofit/>
+          </a:bodyPr>
+          <a:lstStyle>
+            <a:lvl1pPr marL="228600" indent="-228600" algn="l" defTabSz="914400" rtl="0" eaLnBrk="1" latinLnBrk="0" hangingPunct="1">
+              <a:lnSpc>
+                <a:spcPct val="90000"/>
+              </a:lnSpc>
+              <a:spcBef>
+                <a:spcPts val="1800"/>
+              </a:spcBef>
+              <a:buClr>
+                <a:schemeClr val="accent1"/>
+              </a:buClr>
+              <a:buFont typeface="Arial" panose="020B0604020202020204" pitchFamily="34" charset="0"/>
+              <a:buChar char="•"/>
+              <a:defRPr sz="2000" kern="1200">
+                <a:solidFill>
+                  <a:schemeClr val="tx1"/>
+                </a:solidFill>
+                <a:latin typeface="+mn-lt"/>
+                <a:ea typeface="+mn-ea"/>
+                <a:cs typeface="+mn-cs"/>
+              </a:defRPr>
+            </a:lvl1pPr>
+            <a:lvl2pPr marL="457200" indent="-228600" algn="l" defTabSz="914400" rtl="0" eaLnBrk="1" latinLnBrk="0" hangingPunct="1">
+              <a:lnSpc>
+                <a:spcPct val="90000"/>
+              </a:lnSpc>
+              <a:spcBef>
+                <a:spcPts val="1000"/>
+              </a:spcBef>
+              <a:buClr>
+                <a:schemeClr val="accent1"/>
+              </a:buClr>
+              <a:buFont typeface="Arial" panose="020B0604020202020204" pitchFamily="34" charset="0"/>
+              <a:buChar char="•"/>
+              <a:defRPr sz="1800" kern="1200">
+                <a:solidFill>
+                  <a:schemeClr val="tx1"/>
+                </a:solidFill>
+                <a:latin typeface="+mn-lt"/>
+                <a:ea typeface="+mn-ea"/>
+                <a:cs typeface="+mn-cs"/>
+              </a:defRPr>
+            </a:lvl2pPr>
+            <a:lvl3pPr marL="685800" indent="-182880" algn="l" defTabSz="914400" rtl="0" eaLnBrk="1" latinLnBrk="0" hangingPunct="1">
+              <a:lnSpc>
+                <a:spcPct val="90000"/>
+              </a:lnSpc>
+              <a:spcBef>
+                <a:spcPts val="800"/>
+              </a:spcBef>
+              <a:buClr>
+                <a:schemeClr val="accent1"/>
+              </a:buClr>
+              <a:buFont typeface="Arial" panose="020B0604020202020204" pitchFamily="34" charset="0"/>
+              <a:buChar char="•"/>
+              <a:defRPr sz="1600" kern="1200">
+                <a:solidFill>
+                  <a:schemeClr val="tx1"/>
+                </a:solidFill>
+                <a:latin typeface="+mn-lt"/>
+                <a:ea typeface="+mn-ea"/>
+                <a:cs typeface="+mn-cs"/>
+              </a:defRPr>
+            </a:lvl3pPr>
+            <a:lvl4pPr marL="914400" indent="-182880" algn="l" defTabSz="914400" rtl="0" eaLnBrk="1" latinLnBrk="0" hangingPunct="1">
+              <a:lnSpc>
+                <a:spcPct val="90000"/>
+              </a:lnSpc>
+              <a:spcBef>
+                <a:spcPts val="800"/>
+              </a:spcBef>
+              <a:buClr>
+                <a:schemeClr val="accent1"/>
+              </a:buClr>
+              <a:buFont typeface="Arial" panose="020B0604020202020204" pitchFamily="34" charset="0"/>
+              <a:buChar char="•"/>
+              <a:defRPr sz="1400" kern="1200">
+                <a:solidFill>
+                  <a:schemeClr val="tx1"/>
+                </a:solidFill>
+                <a:latin typeface="+mn-lt"/>
+                <a:ea typeface="+mn-ea"/>
+                <a:cs typeface="+mn-cs"/>
+              </a:defRPr>
+            </a:lvl4pPr>
+            <a:lvl5pPr marL="1143000" indent="-182880" algn="l" defTabSz="914400" rtl="0" eaLnBrk="1" latinLnBrk="0" hangingPunct="1">
+              <a:lnSpc>
+                <a:spcPct val="90000"/>
+              </a:lnSpc>
+              <a:spcBef>
+                <a:spcPts val="800"/>
+              </a:spcBef>
+              <a:buClr>
+                <a:schemeClr val="accent1"/>
+              </a:buClr>
+              <a:buFont typeface="Arial" panose="020B0604020202020204" pitchFamily="34" charset="0"/>
+              <a:buChar char="•"/>
+              <a:defRPr sz="1400" kern="1200">
+                <a:solidFill>
+                  <a:schemeClr val="tx1"/>
+                </a:solidFill>
+                <a:latin typeface="+mn-lt"/>
+                <a:ea typeface="+mn-ea"/>
+                <a:cs typeface="+mn-cs"/>
+              </a:defRPr>
+            </a:lvl5pPr>
+            <a:lvl6pPr marL="1371600" indent="-182880" algn="l" defTabSz="914400" rtl="0" eaLnBrk="1" latinLnBrk="0" hangingPunct="1">
+              <a:lnSpc>
+                <a:spcPct val="90000"/>
+              </a:lnSpc>
+              <a:spcBef>
+                <a:spcPts val="800"/>
+              </a:spcBef>
+              <a:buClr>
+                <a:schemeClr val="accent1"/>
+              </a:buClr>
+              <a:buFont typeface="Arial" panose="020B0604020202020204" pitchFamily="34" charset="0"/>
+              <a:buChar char="•"/>
+              <a:defRPr sz="1400" kern="1200">
+                <a:solidFill>
+                  <a:schemeClr val="tx1"/>
+                </a:solidFill>
+                <a:latin typeface="+mn-lt"/>
+                <a:ea typeface="+mn-ea"/>
+                <a:cs typeface="+mn-cs"/>
+              </a:defRPr>
+            </a:lvl6pPr>
+            <a:lvl7pPr marL="1600200" indent="-182880" algn="l" defTabSz="914400" rtl="0" eaLnBrk="1" latinLnBrk="0" hangingPunct="1">
+              <a:lnSpc>
+                <a:spcPct val="90000"/>
+              </a:lnSpc>
+              <a:spcBef>
+                <a:spcPts val="800"/>
+              </a:spcBef>
+              <a:buClr>
+                <a:schemeClr val="accent1"/>
+              </a:buClr>
+              <a:buFont typeface="Arial" panose="020B0604020202020204" pitchFamily="34" charset="0"/>
+              <a:buChar char="•"/>
+              <a:defRPr sz="1400" kern="1200">
+                <a:solidFill>
+                  <a:schemeClr val="tx1"/>
+                </a:solidFill>
+                <a:latin typeface="+mn-lt"/>
+                <a:ea typeface="+mn-ea"/>
+                <a:cs typeface="+mn-cs"/>
+              </a:defRPr>
+            </a:lvl7pPr>
+            <a:lvl8pPr marL="1828800" indent="-182880" algn="l" defTabSz="914400" rtl="0" eaLnBrk="1" latinLnBrk="0" hangingPunct="1">
+              <a:lnSpc>
+                <a:spcPct val="90000"/>
+              </a:lnSpc>
+              <a:spcBef>
+                <a:spcPts val="800"/>
+              </a:spcBef>
+              <a:buClr>
+                <a:schemeClr val="accent1"/>
+              </a:buClr>
+              <a:buFont typeface="Arial" panose="020B0604020202020204" pitchFamily="34" charset="0"/>
+              <a:buChar char="•"/>
+              <a:defRPr sz="1400" kern="1200">
+                <a:solidFill>
+                  <a:schemeClr val="tx1"/>
+                </a:solidFill>
+                <a:latin typeface="+mn-lt"/>
+                <a:ea typeface="+mn-ea"/>
+                <a:cs typeface="+mn-cs"/>
+              </a:defRPr>
+            </a:lvl8pPr>
+            <a:lvl9pPr marL="2057400" indent="-182880" algn="l" defTabSz="914400" rtl="0" eaLnBrk="1" latinLnBrk="0" hangingPunct="1">
+              <a:lnSpc>
+                <a:spcPct val="90000"/>
+              </a:lnSpc>
+              <a:spcBef>
+                <a:spcPts val="800"/>
+              </a:spcBef>
+              <a:buClr>
+                <a:schemeClr val="accent1"/>
+              </a:buClr>
+              <a:buFont typeface="Arial" panose="020B0604020202020204" pitchFamily="34" charset="0"/>
+              <a:buChar char="•"/>
+              <a:defRPr sz="1400" kern="1200">
+                <a:solidFill>
+                  <a:schemeClr val="tx1"/>
+                </a:solidFill>
+                <a:latin typeface="+mn-lt"/>
+                <a:ea typeface="+mn-ea"/>
+                <a:cs typeface="+mn-cs"/>
+              </a:defRPr>
+            </a:lvl9pPr>
+          </a:lstStyle>
           <a:p>
             <a:r>
               <a:rPr lang="en-US" dirty="0"/>
@@ -10386,13 +7036,53 @@
           </a:p>
           <a:p>
             <a:r>
-              <a:rPr lang="en-US" dirty="0">
-                <a:solidFill>
-                  <a:srgbClr val="FF0000"/>
-                </a:solidFill>
-              </a:rPr>
-              <a:t>MORE?</a:t>
-            </a:r>
+              <a:rPr lang="en-US" dirty="0"/>
+              <a:t>import </a:t>
+            </a:r>
+            <a:r>
+              <a:rPr lang="en-US" dirty="0" err="1"/>
+              <a:t>numpy</a:t>
+            </a:r>
+            <a:r>
+              <a:rPr lang="en-US" dirty="0"/>
+              <a:t> as np</a:t>
+            </a:r>
+          </a:p>
+          <a:p>
+            <a:r>
+              <a:rPr lang="en-US" dirty="0"/>
+              <a:t>import seaborn as </a:t>
+            </a:r>
+            <a:r>
+              <a:rPr lang="en-US" dirty="0" err="1"/>
+              <a:t>sns</a:t>
+            </a:r>
+            <a:endParaRPr lang="en-US" dirty="0"/>
+          </a:p>
+          <a:p>
+            <a:r>
+              <a:rPr lang="en-US" dirty="0"/>
+              <a:t>import </a:t>
+            </a:r>
+            <a:r>
+              <a:rPr lang="en-US" dirty="0" err="1"/>
+              <a:t>plotly.figure_factory</a:t>
+            </a:r>
+            <a:r>
+              <a:rPr lang="en-US" dirty="0"/>
+              <a:t> as ff</a:t>
+            </a:r>
+          </a:p>
+          <a:p>
+            <a:r>
+              <a:rPr lang="en-US" dirty="0"/>
+              <a:t>%matplotlib inline</a:t>
+            </a:r>
+            <a:endParaRPr lang="en-US" dirty="0">
+              <a:solidFill>
+                <a:srgbClr val="FF0000"/>
+              </a:solidFill>
+            </a:endParaRPr>
           </a:p>
         </p:txBody>
       </p:sp>
@@ -10450,45 +7140,44 @@
         </p:nvSpPr>
         <p:spPr/>
         <p:txBody>
+          <a:bodyPr>
+            <a:normAutofit/>
+          </a:bodyPr>
+          <a:lstStyle/>
+          <a:p>
+            <a:r>
+              <a:rPr lang="en-US" sz="3500" dirty="0"/>
+              <a:t>If you were to invest today, which zip codes have the lowest cost investment per square ft. = (Best Investment) ?</a:t>
+            </a:r>
+          </a:p>
+        </p:txBody>
+      </p:sp>
+      <p:sp>
+        <p:nvSpPr>
+          <p:cNvPr id="3" name="Text Placeholder 2"/>
+          <p:cNvSpPr>
+            <a:spLocks noGrp="1"/>
+          </p:cNvSpPr>
+          <p:nvPr>
+            <p:ph type="body" idx="1"/>
+          </p:nvPr>
+        </p:nvSpPr>
+        <p:spPr/>
+        <p:txBody>
           <a:bodyPr/>
           <a:lstStyle/>
           <a:p>
             <a:r>
-              <a:rPr lang="en-US" dirty="0"/>
-              <a:t>Title and Content Layout with Chart</a:t>
-            </a:r>
-          </a:p>
-        </p:txBody>
-      </p:sp>
-      <p:graphicFrame>
-        <p:nvGraphicFramePr>
-          <p:cNvPr id="6" name="Content Placeholder 2" descr="Clustered column chart showing the values of 3 series for 4 categories"/>
-          <p:cNvGraphicFramePr>
-            <a:graphicFrameLocks noGrp="1"/>
-          </p:cNvGraphicFramePr>
-          <p:nvPr>
-            <p:ph idx="1"/>
-            <p:extLst>
-              <p:ext uri="{D42A27DB-BD31-4B8C-83A1-F6EECF244321}">
-                <p14:modId xmlns:p14="http://schemas.microsoft.com/office/powerpoint/2010/main" val="2604075142"/>
-              </p:ext>
-            </p:extLst>
-          </p:nvPr>
-        </p:nvGraphicFramePr>
-        <p:xfrm>
-          <a:off x="838200" y="1825625"/>
-          <a:ext cx="10515600" cy="4351338"/>
-        </p:xfrm>
-        <a:graphic>
-          <a:graphicData uri="http://schemas.openxmlformats.org/drawingml/2006/chart">
-            <c:chart xmlns:c="http://schemas.openxmlformats.org/drawingml/2006/chart" xmlns:r="http://schemas.openxmlformats.org/officeDocument/2006/relationships" r:id="rId2"/>
-          </a:graphicData>
-        </a:graphic>
-      </p:graphicFrame>
+              <a:rPr lang="en-US" i="1" dirty="0"/>
+              <a:t>Question 1</a:t>
+            </a:r>
+          </a:p>
+        </p:txBody>
+      </p:sp>
     </p:spTree>
     <p:extLst>
       <p:ext uri="{BB962C8B-B14F-4D97-AF65-F5344CB8AC3E}">
-        <p14:creationId xmlns:p14="http://schemas.microsoft.com/office/powerpoint/2010/main" val="1900486290"/>
+        <p14:creationId xmlns:p14="http://schemas.microsoft.com/office/powerpoint/2010/main" val="1783796071"/>
       </p:ext>
     </p:extLst>
   </p:cSld>
@@ -10529,7 +7218,13 @@
       </p:grpSpPr>
       <p:sp>
         <p:nvSpPr>
-          <p:cNvPr id="2" name="Title 1"/>
+          <p:cNvPr id="2" name="Title 1">
+            <a:extLst>
+              <a:ext uri="{FF2B5EF4-FFF2-40B4-BE49-F238E27FC236}">
+                <a16:creationId xmlns:a16="http://schemas.microsoft.com/office/drawing/2014/main" id="{652A3402-2F29-4C6A-A4F5-829FC96647F6}"/>
+              </a:ext>
+            </a:extLst>
+          </p:cNvPr>
           <p:cNvSpPr>
             <a:spLocks noGrp="1"/>
           </p:cNvSpPr>
@@ -10537,304 +7232,57 @@
             <p:ph type="title"/>
           </p:nvPr>
         </p:nvSpPr>
-        <p:spPr/>
+        <p:spPr>
+          <a:xfrm>
+            <a:off x="838200" y="365126"/>
+            <a:ext cx="10515600" cy="777874"/>
+          </a:xfrm>
+        </p:spPr>
         <p:txBody>
           <a:bodyPr/>
           <a:lstStyle/>
           <a:p>
             <a:r>
               <a:rPr lang="en-US" dirty="0"/>
-              <a:t>Title and Content Layout with Table</a:t>
-            </a:r>
-          </a:p>
-        </p:txBody>
-      </p:sp>
-      <p:sp>
-        <p:nvSpPr>
-          <p:cNvPr id="3" name="Content Placeholder 2"/>
-          <p:cNvSpPr>
-            <a:spLocks noGrp="1"/>
-          </p:cNvSpPr>
-          <p:nvPr>
-            <p:ph sz="half" idx="1"/>
-          </p:nvPr>
-        </p:nvSpPr>
-        <p:spPr/>
-        <p:txBody>
-          <a:bodyPr/>
-          <a:lstStyle/>
-          <a:p>
-            <a:r>
-              <a:rPr lang="en-US" dirty="0"/>
-              <a:t>First bullet point here</a:t>
-            </a:r>
-          </a:p>
-          <a:p>
-            <a:r>
-              <a:rPr lang="en-US" dirty="0"/>
-              <a:t>Second bullet point here</a:t>
-            </a:r>
-          </a:p>
-          <a:p>
-            <a:r>
-              <a:rPr lang="en-US" dirty="0"/>
-              <a:t>Third bullet point here</a:t>
-            </a:r>
-          </a:p>
-        </p:txBody>
-      </p:sp>
-      <p:graphicFrame>
-        <p:nvGraphicFramePr>
-          <p:cNvPr id="5" name="Content Placeholder 3"/>
-          <p:cNvGraphicFramePr>
-            <a:graphicFrameLocks noGrp="1"/>
-          </p:cNvGraphicFramePr>
-          <p:nvPr>
-            <p:ph sz="half" idx="2"/>
-            <p:extLst>
-              <p:ext uri="{D42A27DB-BD31-4B8C-83A1-F6EECF244321}">
-                <p14:modId xmlns:p14="http://schemas.microsoft.com/office/powerpoint/2010/main" val="1546654039"/>
-              </p:ext>
-            </p:extLst>
-          </p:nvPr>
-        </p:nvGraphicFramePr>
-        <p:xfrm>
-          <a:off x="6324600" y="1825623"/>
-          <a:ext cx="5029200" cy="2289176"/>
-        </p:xfrm>
-        <a:graphic>
-          <a:graphicData uri="http://schemas.openxmlformats.org/drawingml/2006/table">
-            <a:tbl>
-              <a:tblPr firstRow="1" bandRow="1">
-                <a:tableStyleId>{3B4B98B0-60AC-42C2-AFA5-B58CD77FA1E5}</a:tableStyleId>
-              </a:tblPr>
-              <a:tblGrid>
-                <a:gridCol w="1676400">
-                  <a:extLst>
-                    <a:ext uri="{9D8B030D-6E8A-4147-A177-3AD203B41FA5}">
-                      <a16:colId xmlns:a16="http://schemas.microsoft.com/office/drawing/2014/main" val="20000"/>
-                    </a:ext>
-                  </a:extLst>
-                </a:gridCol>
-                <a:gridCol w="1676400">
-                  <a:extLst>
-                    <a:ext uri="{9D8B030D-6E8A-4147-A177-3AD203B41FA5}">
-                      <a16:colId xmlns:a16="http://schemas.microsoft.com/office/drawing/2014/main" val="20001"/>
-                    </a:ext>
-                  </a:extLst>
-                </a:gridCol>
-                <a:gridCol w="1676400">
-                  <a:extLst>
-                    <a:ext uri="{9D8B030D-6E8A-4147-A177-3AD203B41FA5}">
-                      <a16:colId xmlns:a16="http://schemas.microsoft.com/office/drawing/2014/main" val="20002"/>
-                    </a:ext>
-                  </a:extLst>
-                </a:gridCol>
-              </a:tblGrid>
-              <a:tr h="572294">
-                <a:tc>
-                  <a:txBody>
-                    <a:bodyPr/>
-                    <a:lstStyle/>
-                    <a:p>
-                      <a:pPr algn="ctr"/>
-                      <a:r>
-                        <a:rPr lang="en-US" dirty="0"/>
-                        <a:t>Class</a:t>
-                      </a:r>
-                    </a:p>
-                  </a:txBody>
-                  <a:tcPr anchor="ctr"/>
-                </a:tc>
-                <a:tc>
-                  <a:txBody>
-                    <a:bodyPr/>
-                    <a:lstStyle/>
-                    <a:p>
-                      <a:pPr algn="ctr"/>
-                      <a:r>
-                        <a:rPr lang="en-US" dirty="0"/>
-                        <a:t>Group 1</a:t>
-                      </a:r>
-                    </a:p>
-                  </a:txBody>
-                  <a:tcPr anchor="ctr"/>
-                </a:tc>
-                <a:tc>
-                  <a:txBody>
-                    <a:bodyPr/>
-                    <a:lstStyle/>
-                    <a:p>
-                      <a:pPr algn="ctr"/>
-                      <a:r>
-                        <a:rPr lang="en-US" dirty="0"/>
-                        <a:t>Group 2</a:t>
-                      </a:r>
-                    </a:p>
-                  </a:txBody>
-                  <a:tcPr anchor="ctr"/>
-                </a:tc>
-                <a:extLst>
-                  <a:ext uri="{0D108BD9-81ED-4DB2-BD59-A6C34878D82A}">
-                    <a16:rowId xmlns:a16="http://schemas.microsoft.com/office/drawing/2014/main" val="10000"/>
-                  </a:ext>
-                </a:extLst>
-              </a:tr>
-              <a:tr h="572294">
-                <a:tc>
-                  <a:txBody>
-                    <a:bodyPr/>
-                    <a:lstStyle/>
-                    <a:p>
-                      <a:pPr algn="ctr"/>
-                      <a:r>
-                        <a:rPr lang="en-US" dirty="0"/>
-                        <a:t>Class 1</a:t>
-                      </a:r>
-                    </a:p>
-                  </a:txBody>
-                  <a:tcPr anchor="ctr"/>
-                </a:tc>
-                <a:tc>
-                  <a:txBody>
-                    <a:bodyPr/>
-                    <a:lstStyle/>
-                    <a:p>
-                      <a:pPr algn="ctr"/>
-                      <a:r>
-                        <a:rPr lang="en-US" dirty="0"/>
-                        <a:t>82</a:t>
-                      </a:r>
-                    </a:p>
-                  </a:txBody>
-                  <a:tcPr anchor="ctr"/>
-                </a:tc>
-                <a:tc>
-                  <a:txBody>
-                    <a:bodyPr/>
-                    <a:lstStyle/>
-                    <a:p>
-                      <a:pPr algn="ctr"/>
-                      <a:r>
-                        <a:rPr lang="en-US" dirty="0"/>
-                        <a:t>95</a:t>
-                      </a:r>
-                    </a:p>
-                  </a:txBody>
-                  <a:tcPr anchor="ctr"/>
-                </a:tc>
-                <a:extLst>
-                  <a:ext uri="{0D108BD9-81ED-4DB2-BD59-A6C34878D82A}">
-                    <a16:rowId xmlns:a16="http://schemas.microsoft.com/office/drawing/2014/main" val="10001"/>
-                  </a:ext>
-                </a:extLst>
-              </a:tr>
-              <a:tr h="572294">
-                <a:tc>
-                  <a:txBody>
-                    <a:bodyPr/>
-                    <a:lstStyle/>
-                    <a:p>
-                      <a:pPr algn="ctr"/>
-                      <a:r>
-                        <a:rPr lang="en-US" dirty="0"/>
-                        <a:t>Class 2</a:t>
-                      </a:r>
-                    </a:p>
-                  </a:txBody>
-                  <a:tcPr anchor="ctr"/>
-                </a:tc>
-                <a:tc>
-                  <a:txBody>
-                    <a:bodyPr/>
-                    <a:lstStyle/>
-                    <a:p>
-                      <a:pPr algn="ctr"/>
-                      <a:r>
-                        <a:rPr lang="en-US" dirty="0"/>
-                        <a:t>76</a:t>
-                      </a:r>
-                    </a:p>
-                  </a:txBody>
-                  <a:tcPr anchor="ctr"/>
-                </a:tc>
-                <a:tc>
-                  <a:txBody>
-                    <a:bodyPr/>
-                    <a:lstStyle/>
-                    <a:p>
-                      <a:pPr algn="ctr"/>
-                      <a:r>
-                        <a:rPr lang="en-US" dirty="0"/>
-                        <a:t>88</a:t>
-                      </a:r>
-                    </a:p>
-                  </a:txBody>
-                  <a:tcPr anchor="ctr"/>
-                </a:tc>
-                <a:extLst>
-                  <a:ext uri="{0D108BD9-81ED-4DB2-BD59-A6C34878D82A}">
-                    <a16:rowId xmlns:a16="http://schemas.microsoft.com/office/drawing/2014/main" val="10002"/>
-                  </a:ext>
-                </a:extLst>
-              </a:tr>
-              <a:tr h="572294">
-                <a:tc>
-                  <a:txBody>
-                    <a:bodyPr/>
-                    <a:lstStyle/>
-                    <a:p>
-                      <a:pPr algn="ctr"/>
-                      <a:r>
-                        <a:rPr lang="en-US" dirty="0"/>
-                        <a:t>Class 3</a:t>
-                      </a:r>
-                    </a:p>
-                  </a:txBody>
-                  <a:tcPr anchor="ctr"/>
-                </a:tc>
-                <a:tc>
-                  <a:txBody>
-                    <a:bodyPr/>
-                    <a:lstStyle/>
-                    <a:p>
-                      <a:pPr algn="ctr"/>
-                      <a:r>
-                        <a:rPr lang="en-US" dirty="0"/>
-                        <a:t>84</a:t>
-                      </a:r>
-                    </a:p>
-                  </a:txBody>
-                  <a:tcPr anchor="ctr"/>
-                </a:tc>
-                <a:tc>
-                  <a:txBody>
-                    <a:bodyPr/>
-                    <a:lstStyle/>
-                    <a:p>
-                      <a:pPr algn="ctr"/>
-                      <a:r>
-                        <a:rPr lang="en-US" dirty="0"/>
-                        <a:t>90</a:t>
-                      </a:r>
-                    </a:p>
-                  </a:txBody>
-                  <a:tcPr anchor="ctr"/>
-                </a:tc>
-                <a:extLst>
-                  <a:ext uri="{0D108BD9-81ED-4DB2-BD59-A6C34878D82A}">
-                    <a16:rowId xmlns:a16="http://schemas.microsoft.com/office/drawing/2014/main" val="10003"/>
-                  </a:ext>
-                </a:extLst>
-              </a:tr>
-            </a:tbl>
-          </a:graphicData>
-        </a:graphic>
-      </p:graphicFrame>
+              <a:t>Homes list by sales price and square footage</a:t>
+            </a:r>
+          </a:p>
+        </p:txBody>
+      </p:sp>
+      <p:pic>
+        <p:nvPicPr>
+          <p:cNvPr id="8" name="Picture 7">
+            <a:extLst>
+              <a:ext uri="{FF2B5EF4-FFF2-40B4-BE49-F238E27FC236}">
+                <a16:creationId xmlns:a16="http://schemas.microsoft.com/office/drawing/2014/main" id="{7E01EB7F-A63D-403E-8597-C130A826D86A}"/>
+              </a:ext>
+            </a:extLst>
+          </p:cNvPr>
+          <p:cNvPicPr>
+            <a:picLocks noChangeAspect="1"/>
+          </p:cNvPicPr>
+          <p:nvPr/>
+        </p:nvPicPr>
+        <p:blipFill>
+          <a:blip r:embed="rId2"/>
+          <a:stretch>
+            <a:fillRect/>
+          </a:stretch>
+        </p:blipFill>
+        <p:spPr>
+          <a:xfrm>
+            <a:off x="1371600" y="1143000"/>
+            <a:ext cx="7396520" cy="5541185"/>
+          </a:xfrm>
+          <a:prstGeom prst="rect">
+            <a:avLst/>
+          </a:prstGeom>
+        </p:spPr>
+      </p:pic>
     </p:spTree>
     <p:extLst>
       <p:ext uri="{BB962C8B-B14F-4D97-AF65-F5344CB8AC3E}">
-        <p14:creationId xmlns:p14="http://schemas.microsoft.com/office/powerpoint/2010/main" val="1180589104"/>
+        <p14:creationId xmlns:p14="http://schemas.microsoft.com/office/powerpoint/2010/main" val="3765224128"/>
       </p:ext>
     </p:extLst>
   </p:cSld>
@@ -10885,79 +7333,58 @@
         </p:nvSpPr>
         <p:spPr/>
         <p:txBody>
+          <a:bodyPr>
+            <a:noAutofit/>
+          </a:bodyPr>
+          <a:lstStyle/>
+          <a:p>
+            <a:r>
+              <a:rPr lang="en-US" sz="3500" dirty="0"/>
+              <a:t>Identification of Low Risk, High Yield (Best Investment) Property categorized by Property Type, Bedroom size, </a:t>
+            </a:r>
+            <a:r>
+              <a:rPr lang="en-US" sz="3500" dirty="0" err="1"/>
+              <a:t>community_amenities</a:t>
+            </a:r>
+            <a:r>
+              <a:rPr lang="en-US" sz="3500" dirty="0"/>
+              <a:t>? </a:t>
+            </a:r>
+          </a:p>
+        </p:txBody>
+      </p:sp>
+      <p:sp>
+        <p:nvSpPr>
+          <p:cNvPr id="5" name="Text Placeholder 4">
+            <a:extLst>
+              <a:ext uri="{FF2B5EF4-FFF2-40B4-BE49-F238E27FC236}">
+                <a16:creationId xmlns:a16="http://schemas.microsoft.com/office/drawing/2014/main" id="{2E342FEA-94FF-4D53-A5FF-CB245A080CF9}"/>
+              </a:ext>
+            </a:extLst>
+          </p:cNvPr>
+          <p:cNvSpPr>
+            <a:spLocks noGrp="1"/>
+          </p:cNvSpPr>
+          <p:nvPr>
+            <p:ph type="body" idx="1"/>
+          </p:nvPr>
+        </p:nvSpPr>
+        <p:spPr/>
+        <p:txBody>
           <a:bodyPr/>
           <a:lstStyle/>
           <a:p>
             <a:r>
               <a:rPr lang="en-US" dirty="0"/>
-              <a:t>Two Content Layout with SmartArt</a:t>
-            </a:r>
-          </a:p>
-        </p:txBody>
-      </p:sp>
-      <p:sp>
-        <p:nvSpPr>
-          <p:cNvPr id="5" name="Content Placeholder 3"/>
-          <p:cNvSpPr>
-            <a:spLocks noGrp="1"/>
-          </p:cNvSpPr>
-          <p:nvPr>
-            <p:ph sz="half" idx="1"/>
-          </p:nvPr>
-        </p:nvSpPr>
-        <p:spPr/>
-        <p:txBody>
-          <a:bodyPr/>
-          <a:lstStyle/>
-          <a:p>
-            <a:r>
-              <a:rPr lang="en-US" dirty="0"/>
-              <a:t>First bullet point here</a:t>
-            </a:r>
-          </a:p>
-          <a:p>
-            <a:r>
-              <a:rPr lang="en-US" dirty="0"/>
-              <a:t>Second bullet point here</a:t>
-            </a:r>
-          </a:p>
-          <a:p>
-            <a:r>
-              <a:rPr lang="en-US" dirty="0"/>
-              <a:t>Third bullet point here</a:t>
-            </a:r>
-          </a:p>
-        </p:txBody>
-      </p:sp>
-      <p:graphicFrame>
-        <p:nvGraphicFramePr>
-          <p:cNvPr id="6" name="Content Placeholder 2" descr="Segmented process showing 4 steps arranged one below the other and three downward pointing arrows are used to indicate progression from first step to second step and second step to third step and third step to fourth step"/>
-          <p:cNvGraphicFramePr>
-            <a:graphicFrameLocks noGrp="1"/>
-          </p:cNvGraphicFramePr>
-          <p:nvPr>
-            <p:ph sz="half" idx="2"/>
-            <p:extLst>
-              <p:ext uri="{D42A27DB-BD31-4B8C-83A1-F6EECF244321}">
-                <p14:modId xmlns:p14="http://schemas.microsoft.com/office/powerpoint/2010/main" val="1656357789"/>
-              </p:ext>
-            </p:extLst>
-          </p:nvPr>
-        </p:nvGraphicFramePr>
-        <p:xfrm>
-          <a:off x="6324600" y="1825625"/>
-          <a:ext cx="5029200" cy="4351338"/>
-        </p:xfrm>
-        <a:graphic>
-          <a:graphicData uri="http://schemas.openxmlformats.org/drawingml/2006/diagram">
-            <dgm:relIds xmlns:dgm="http://schemas.openxmlformats.org/drawingml/2006/diagram" xmlns:r="http://schemas.openxmlformats.org/officeDocument/2006/relationships" r:dm="rId2" r:lo="rId3" r:qs="rId4" r:cs="rId5"/>
-          </a:graphicData>
-        </a:graphic>
-      </p:graphicFrame>
+              <a:t>Question 2</a:t>
+            </a:r>
+          </a:p>
+        </p:txBody>
+      </p:sp>
     </p:spTree>
     <p:extLst>
       <p:ext uri="{BB962C8B-B14F-4D97-AF65-F5344CB8AC3E}">
-        <p14:creationId xmlns:p14="http://schemas.microsoft.com/office/powerpoint/2010/main" val="2426022026"/>
+        <p14:creationId xmlns:p14="http://schemas.microsoft.com/office/powerpoint/2010/main" val="14877298"/>
       </p:ext>
     </p:extLst>
   </p:cSld>
